--- a/Wine App.pptx
+++ b/Wine App.pptx
@@ -10,6 +10,9 @@
     <p:sldId id="258" r:id="rId4"/>
     <p:sldId id="259" r:id="rId5"/>
     <p:sldId id="260" r:id="rId6"/>
+    <p:sldId id="261" r:id="rId7"/>
+    <p:sldId id="262" r:id="rId8"/>
+    <p:sldId id="263" r:id="rId9"/>
   </p:sldIdLst>
   <p:sldSz cx="12192000" cy="6858000"/>
   <p:notesSz cx="6858000" cy="9144000"/>
@@ -108,6 +111,11 @@
       </a:defRPr>
     </a:lvl9pPr>
   </p:defaultTextStyle>
+  <p:extLst>
+    <p:ext uri="{EFAFB233-063F-42B5-8137-9DF3F51BA10A}">
+      <p15:sldGuideLst xmlns:p15="http://schemas.microsoft.com/office/powerpoint/2012/main"/>
+    </p:ext>
+  </p:extLst>
 </p:presentation>
 </file>
 
@@ -446,7 +454,7 @@
           <a:p>
             <a:fld id="{F80CFB3B-218C-407D-8318-067EA0BD0AEE}" type="datetimeFigureOut">
               <a:rPr lang="en-US" smtClean="0"/>
-              <a:t>9/18/2019</a:t>
+              <a:t>9/21/2019</a:t>
             </a:fld>
             <a:endParaRPr lang="en-US"/>
           </a:p>
@@ -1534,7 +1542,7 @@
           <a:p>
             <a:fld id="{F80CFB3B-218C-407D-8318-067EA0BD0AEE}" type="datetimeFigureOut">
               <a:rPr lang="en-US" smtClean="0"/>
-              <a:t>9/18/2019</a:t>
+              <a:t>9/21/2019</a:t>
             </a:fld>
             <a:endParaRPr lang="en-US"/>
           </a:p>
@@ -2514,7 +2522,7 @@
           <a:p>
             <a:fld id="{F80CFB3B-218C-407D-8318-067EA0BD0AEE}" type="datetimeFigureOut">
               <a:rPr lang="en-US" smtClean="0"/>
-              <a:t>9/18/2019</a:t>
+              <a:t>9/21/2019</a:t>
             </a:fld>
             <a:endParaRPr lang="en-US"/>
           </a:p>
@@ -3648,7 +3656,7 @@
           <a:p>
             <a:fld id="{F80CFB3B-218C-407D-8318-067EA0BD0AEE}" type="datetimeFigureOut">
               <a:rPr lang="en-US" smtClean="0"/>
-              <a:t>9/18/2019</a:t>
+              <a:t>9/21/2019</a:t>
             </a:fld>
             <a:endParaRPr lang="en-US"/>
           </a:p>
@@ -4681,7 +4689,7 @@
           <a:p>
             <a:fld id="{F80CFB3B-218C-407D-8318-067EA0BD0AEE}" type="datetimeFigureOut">
               <a:rPr lang="en-US" smtClean="0"/>
-              <a:t>9/18/2019</a:t>
+              <a:t>9/21/2019</a:t>
             </a:fld>
             <a:endParaRPr lang="en-US"/>
           </a:p>
@@ -5341,7 +5349,7 @@
           <a:p>
             <a:fld id="{F80CFB3B-218C-407D-8318-067EA0BD0AEE}" type="datetimeFigureOut">
               <a:rPr lang="en-US" smtClean="0"/>
-              <a:t>9/18/2019</a:t>
+              <a:t>9/21/2019</a:t>
             </a:fld>
             <a:endParaRPr lang="en-US"/>
           </a:p>
@@ -6202,7 +6210,7 @@
           <a:p>
             <a:fld id="{F80CFB3B-218C-407D-8318-067EA0BD0AEE}" type="datetimeFigureOut">
               <a:rPr lang="en-US" smtClean="0"/>
-              <a:t>9/18/2019</a:t>
+              <a:t>9/21/2019</a:t>
             </a:fld>
             <a:endParaRPr lang="en-US"/>
           </a:p>
@@ -6392,7 +6400,7 @@
           <a:p>
             <a:fld id="{F80CFB3B-218C-407D-8318-067EA0BD0AEE}" type="datetimeFigureOut">
               <a:rPr lang="en-US" smtClean="0"/>
-              <a:t>9/18/2019</a:t>
+              <a:t>9/21/2019</a:t>
             </a:fld>
             <a:endParaRPr lang="en-US"/>
           </a:p>
@@ -7364,7 +7372,7 @@
           <a:p>
             <a:fld id="{F80CFB3B-218C-407D-8318-067EA0BD0AEE}" type="datetimeFigureOut">
               <a:rPr lang="en-US" smtClean="0"/>
-              <a:t>9/18/2019</a:t>
+              <a:t>9/21/2019</a:t>
             </a:fld>
             <a:endParaRPr lang="en-US"/>
           </a:p>
@@ -7575,7 +7583,7 @@
           <a:p>
             <a:fld id="{F80CFB3B-218C-407D-8318-067EA0BD0AEE}" type="datetimeFigureOut">
               <a:rPr lang="en-US" smtClean="0"/>
-              <a:t>9/18/2019</a:t>
+              <a:t>9/21/2019</a:t>
             </a:fld>
             <a:endParaRPr lang="en-US"/>
           </a:p>
@@ -8609,7 +8617,7 @@
           <a:p>
             <a:fld id="{F80CFB3B-218C-407D-8318-067EA0BD0AEE}" type="datetimeFigureOut">
               <a:rPr lang="en-US" smtClean="0"/>
-              <a:t>9/18/2019</a:t>
+              <a:t>9/21/2019</a:t>
             </a:fld>
             <a:endParaRPr lang="en-US"/>
           </a:p>
@@ -8881,7 +8889,7 @@
           <a:p>
             <a:fld id="{F80CFB3B-218C-407D-8318-067EA0BD0AEE}" type="datetimeFigureOut">
               <a:rPr lang="en-US" smtClean="0"/>
-              <a:t>9/18/2019</a:t>
+              <a:t>9/21/2019</a:t>
             </a:fld>
             <a:endParaRPr lang="en-US"/>
           </a:p>
@@ -9291,7 +9299,7 @@
           <a:p>
             <a:fld id="{F80CFB3B-218C-407D-8318-067EA0BD0AEE}" type="datetimeFigureOut">
               <a:rPr lang="en-US" smtClean="0"/>
-              <a:t>9/18/2019</a:t>
+              <a:t>9/21/2019</a:t>
             </a:fld>
             <a:endParaRPr lang="en-US"/>
           </a:p>
@@ -9418,7 +9426,7 @@
           <a:p>
             <a:fld id="{F80CFB3B-218C-407D-8318-067EA0BD0AEE}" type="datetimeFigureOut">
               <a:rPr lang="en-US" smtClean="0"/>
-              <a:t>9/18/2019</a:t>
+              <a:t>9/21/2019</a:t>
             </a:fld>
             <a:endParaRPr lang="en-US"/>
           </a:p>
@@ -9513,7 +9521,7 @@
           <a:p>
             <a:fld id="{F80CFB3B-218C-407D-8318-067EA0BD0AEE}" type="datetimeFigureOut">
               <a:rPr lang="en-US" smtClean="0"/>
-              <a:t>9/18/2019</a:t>
+              <a:t>9/21/2019</a:t>
             </a:fld>
             <a:endParaRPr lang="en-US"/>
           </a:p>
@@ -10594,7 +10602,7 @@
           <a:p>
             <a:fld id="{F80CFB3B-218C-407D-8318-067EA0BD0AEE}" type="datetimeFigureOut">
               <a:rPr lang="en-US" smtClean="0"/>
-              <a:t>9/18/2019</a:t>
+              <a:t>9/21/2019</a:t>
             </a:fld>
             <a:endParaRPr lang="en-US"/>
           </a:p>
@@ -11702,7 +11710,7 @@
           <a:p>
             <a:fld id="{F80CFB3B-218C-407D-8318-067EA0BD0AEE}" type="datetimeFigureOut">
               <a:rPr lang="en-US" smtClean="0"/>
-              <a:t>9/18/2019</a:t>
+              <a:t>9/21/2019</a:t>
             </a:fld>
             <a:endParaRPr lang="en-US"/>
           </a:p>
@@ -12699,7 +12707,7 @@
           <a:p>
             <a:fld id="{F80CFB3B-218C-407D-8318-067EA0BD0AEE}" type="datetimeFigureOut">
               <a:rPr lang="en-US" smtClean="0"/>
-              <a:t>9/18/2019</a:t>
+              <a:t>9/21/2019</a:t>
             </a:fld>
             <a:endParaRPr lang="en-US"/>
           </a:p>
@@ -18042,6 +18050,3001 @@
 </p:sld>
 </file>
 
+<file path=ppt/slides/slide6.xml><?xml version="1.0" encoding="utf-8"?>
+<p:sld xmlns:a="http://schemas.openxmlformats.org/drawingml/2006/main" xmlns:r="http://schemas.openxmlformats.org/officeDocument/2006/relationships" xmlns:p="http://schemas.openxmlformats.org/presentationml/2006/main">
+  <p:cSld>
+    <p:bg>
+      <p:bgPr>
+        <a:solidFill>
+          <a:schemeClr val="bg1"/>
+        </a:solidFill>
+        <a:effectLst/>
+      </p:bgPr>
+    </p:bg>
+    <p:spTree>
+      <p:nvGrpSpPr>
+        <p:cNvPr id="1" name=""/>
+        <p:cNvGrpSpPr/>
+        <p:nvPr/>
+      </p:nvGrpSpPr>
+      <p:grpSpPr>
+        <a:xfrm>
+          <a:off x="0" y="0"/>
+          <a:ext cx="0" cy="0"/>
+          <a:chOff x="0" y="0"/>
+          <a:chExt cx="0" cy="0"/>
+        </a:xfrm>
+      </p:grpSpPr>
+      <p:sp>
+        <p:nvSpPr>
+          <p:cNvPr id="27" name="Rectangle 26">
+            <a:extLst>
+              <a:ext uri="{FF2B5EF4-FFF2-40B4-BE49-F238E27FC236}">
+                <a16:creationId xmlns:a16="http://schemas.microsoft.com/office/drawing/2014/main" id="{F70C2B8F-6B1B-46D5-86E6-40F36C695FC2}"/>
+              </a:ext>
+              <a:ext uri="{C183D7F6-B498-43B3-948B-1728B52AA6E4}">
+                <adec:decorative xmlns:adec="http://schemas.microsoft.com/office/drawing/2017/decorative" val="1"/>
+              </a:ext>
+            </a:extLst>
+          </p:cNvPr>
+          <p:cNvSpPr>
+            <a:spLocks noGrp="1" noRot="1" noChangeAspect="1" noMove="1" noResize="1" noEditPoints="1" noAdjustHandles="1" noChangeArrowheads="1" noChangeShapeType="1" noTextEdit="1"/>
+          </p:cNvSpPr>
+          <p:nvPr>
+            <p:extLst>
+              <p:ext uri="{386F3935-93C4-4BCD-93E2-E3B085C9AB24}">
+                <p16:designElem xmlns:p16="http://schemas.microsoft.com/office/powerpoint/2015/main" val="1"/>
+              </p:ext>
+            </p:extLst>
+          </p:nvPr>
+        </p:nvSpPr>
+        <p:spPr>
+          <a:xfrm>
+            <a:off x="0" y="0"/>
+            <a:ext cx="12192000" cy="6858000"/>
+          </a:xfrm>
+          <a:prstGeom prst="rect">
+            <a:avLst/>
+          </a:prstGeom>
+          <a:ln>
+            <a:noFill/>
+          </a:ln>
+        </p:spPr>
+        <p:style>
+          <a:lnRef idx="2">
+            <a:schemeClr val="accent1">
+              <a:shade val="50000"/>
+            </a:schemeClr>
+          </a:lnRef>
+          <a:fillRef idx="1003">
+            <a:schemeClr val="dk2"/>
+          </a:fillRef>
+          <a:effectRef idx="0">
+            <a:schemeClr val="accent1"/>
+          </a:effectRef>
+          <a:fontRef idx="minor">
+            <a:schemeClr val="lt1"/>
+          </a:fontRef>
+        </p:style>
+      </p:sp>
+      <p:sp>
+        <p:nvSpPr>
+          <p:cNvPr id="29" name="Freeform 5">
+            <a:extLst>
+              <a:ext uri="{FF2B5EF4-FFF2-40B4-BE49-F238E27FC236}">
+                <a16:creationId xmlns:a16="http://schemas.microsoft.com/office/drawing/2014/main" id="{DB521824-592C-476A-AB0A-CA0C6D1F3407}"/>
+              </a:ext>
+              <a:ext uri="{C183D7F6-B498-43B3-948B-1728B52AA6E4}">
+                <adec:decorative xmlns:adec="http://schemas.microsoft.com/office/drawing/2017/decorative" val="1"/>
+              </a:ext>
+            </a:extLst>
+          </p:cNvPr>
+          <p:cNvSpPr>
+            <a:spLocks noGrp="1" noRot="1" noChangeAspect="1" noMove="1" noResize="1" noEditPoints="1" noAdjustHandles="1" noChangeArrowheads="1" noChangeShapeType="1" noTextEdit="1"/>
+          </p:cNvSpPr>
+          <p:nvPr>
+            <p:extLst>
+              <p:ext uri="{386F3935-93C4-4BCD-93E2-E3B085C9AB24}">
+                <p16:designElem xmlns:p16="http://schemas.microsoft.com/office/powerpoint/2015/main" val="1"/>
+              </p:ext>
+            </p:extLst>
+          </p:nvPr>
+        </p:nvSpPr>
+        <p:spPr bwMode="gray">
+          <a:xfrm rot="15922489">
+            <a:off x="4698352" y="1826078"/>
+            <a:ext cx="3299407" cy="440924"/>
+          </a:xfrm>
+          <a:custGeom>
+            <a:avLst/>
+            <a:gdLst/>
+            <a:ahLst/>
+            <a:cxnLst/>
+            <a:rect l="l" t="t" r="r" b="b"/>
+            <a:pathLst>
+              <a:path w="10000" h="5291">
+                <a:moveTo>
+                  <a:pt x="85" y="2532"/>
+                </a:moveTo>
+                <a:cubicBezTo>
+                  <a:pt x="1736" y="3911"/>
+                  <a:pt x="7524" y="5298"/>
+                  <a:pt x="9958" y="5291"/>
+                </a:cubicBezTo>
+                <a:cubicBezTo>
+                  <a:pt x="9989" y="1958"/>
+                  <a:pt x="9969" y="3333"/>
+                  <a:pt x="10000" y="0"/>
+                </a:cubicBezTo>
+                <a:lnTo>
+                  <a:pt x="10000" y="0"/>
+                </a:lnTo>
+                <a:lnTo>
+                  <a:pt x="9667" y="204"/>
+                </a:lnTo>
+                <a:lnTo>
+                  <a:pt x="9334" y="400"/>
+                </a:lnTo>
+                <a:lnTo>
+                  <a:pt x="9001" y="590"/>
+                </a:lnTo>
+                <a:lnTo>
+                  <a:pt x="8667" y="753"/>
+                </a:lnTo>
+                <a:lnTo>
+                  <a:pt x="8333" y="917"/>
+                </a:lnTo>
+                <a:lnTo>
+                  <a:pt x="7999" y="1071"/>
+                </a:lnTo>
+                <a:lnTo>
+                  <a:pt x="7669" y="1202"/>
+                </a:lnTo>
+                <a:lnTo>
+                  <a:pt x="7333" y="1325"/>
+                </a:lnTo>
+                <a:lnTo>
+                  <a:pt x="7000" y="1440"/>
+                </a:lnTo>
+                <a:lnTo>
+                  <a:pt x="6673" y="1538"/>
+                </a:lnTo>
+                <a:lnTo>
+                  <a:pt x="6340" y="1636"/>
+                </a:lnTo>
+                <a:lnTo>
+                  <a:pt x="6013" y="1719"/>
+                </a:lnTo>
+                <a:lnTo>
+                  <a:pt x="5686" y="1784"/>
+                </a:lnTo>
+                <a:lnTo>
+                  <a:pt x="5359" y="1850"/>
+                </a:lnTo>
+                <a:lnTo>
+                  <a:pt x="5036" y="1906"/>
+                </a:lnTo>
+                <a:lnTo>
+                  <a:pt x="4717" y="1948"/>
+                </a:lnTo>
+                <a:lnTo>
+                  <a:pt x="4396" y="1980"/>
+                </a:lnTo>
+                <a:lnTo>
+                  <a:pt x="4079" y="2013"/>
+                </a:lnTo>
+                <a:lnTo>
+                  <a:pt x="3766" y="2029"/>
+                </a:lnTo>
+                <a:lnTo>
+                  <a:pt x="3454" y="2046"/>
+                </a:lnTo>
+                <a:lnTo>
+                  <a:pt x="3145" y="2053"/>
+                </a:lnTo>
+                <a:lnTo>
+                  <a:pt x="2839" y="2046"/>
+                </a:lnTo>
+                <a:lnTo>
+                  <a:pt x="2537" y="2046"/>
+                </a:lnTo>
+                <a:lnTo>
+                  <a:pt x="2238" y="2029"/>
+                </a:lnTo>
+                <a:lnTo>
+                  <a:pt x="1943" y="2004"/>
+                </a:lnTo>
+                <a:lnTo>
+                  <a:pt x="1653" y="1980"/>
+                </a:lnTo>
+                <a:lnTo>
+                  <a:pt x="1368" y="1955"/>
+                </a:lnTo>
+                <a:lnTo>
+                  <a:pt x="1085" y="1915"/>
+                </a:lnTo>
+                <a:lnTo>
+                  <a:pt x="806" y="1873"/>
+                </a:lnTo>
+                <a:lnTo>
+                  <a:pt x="533" y="1833"/>
+                </a:lnTo>
+                <a:lnTo>
+                  <a:pt x="0" y="1726"/>
+                </a:lnTo>
+                <a:cubicBezTo>
+                  <a:pt x="28" y="1995"/>
+                  <a:pt x="57" y="2263"/>
+                  <a:pt x="85" y="2532"/>
+                </a:cubicBezTo>
+                <a:close/>
+              </a:path>
+            </a:pathLst>
+          </a:custGeom>
+          <a:solidFill>
+            <a:schemeClr val="tx1">
+              <a:alpha val="20000"/>
+            </a:schemeClr>
+          </a:solidFill>
+          <a:ln>
+            <a:noFill/>
+          </a:ln>
+        </p:spPr>
+      </p:sp>
+      <p:sp>
+        <p:nvSpPr>
+          <p:cNvPr id="31" name="Freeform: Shape 30">
+            <a:extLst>
+              <a:ext uri="{FF2B5EF4-FFF2-40B4-BE49-F238E27FC236}">
+                <a16:creationId xmlns:a16="http://schemas.microsoft.com/office/drawing/2014/main" id="{A2749EFA-8EE4-4EB8-9424-8E593B9320AD}"/>
+              </a:ext>
+              <a:ext uri="{C183D7F6-B498-43B3-948B-1728B52AA6E4}">
+                <adec:decorative xmlns:adec="http://schemas.microsoft.com/office/drawing/2017/decorative" val="1"/>
+              </a:ext>
+            </a:extLst>
+          </p:cNvPr>
+          <p:cNvSpPr>
+            <a:spLocks noGrp="1" noRot="1" noChangeAspect="1" noMove="1" noResize="1" noEditPoints="1" noAdjustHandles="1" noChangeArrowheads="1" noChangeShapeType="1" noTextEdit="1"/>
+          </p:cNvSpPr>
+          <p:nvPr>
+            <p:extLst>
+              <p:ext uri="{386F3935-93C4-4BCD-93E2-E3B085C9AB24}">
+                <p16:designElem xmlns:p16="http://schemas.microsoft.com/office/powerpoint/2015/main" val="1"/>
+              </p:ext>
+            </p:extLst>
+          </p:nvPr>
+        </p:nvSpPr>
+        <p:spPr bwMode="gray">
+          <a:xfrm rot="16200000">
+            <a:off x="5950898" y="638067"/>
+            <a:ext cx="6053670" cy="5581866"/>
+          </a:xfrm>
+          <a:custGeom>
+            <a:avLst/>
+            <a:gdLst>
+              <a:gd name="connsiteX0" fmla="*/ 6053670 w 6053670"/>
+              <a:gd name="connsiteY0" fmla="*/ 1098 h 5581866"/>
+              <a:gd name="connsiteX1" fmla="*/ 6053670 w 6053670"/>
+              <a:gd name="connsiteY1" fmla="*/ 514028 h 5581866"/>
+              <a:gd name="connsiteX2" fmla="*/ 6053670 w 6053670"/>
+              <a:gd name="connsiteY2" fmla="*/ 1254558 h 5581866"/>
+              <a:gd name="connsiteX3" fmla="*/ 6053670 w 6053670"/>
+              <a:gd name="connsiteY3" fmla="*/ 5581866 h 5581866"/>
+              <a:gd name="connsiteX4" fmla="*/ 0 w 6053670"/>
+              <a:gd name="connsiteY4" fmla="*/ 5581866 h 5581866"/>
+              <a:gd name="connsiteX5" fmla="*/ 0 w 6053670"/>
+              <a:gd name="connsiteY5" fmla="*/ 1249853 h 5581866"/>
+              <a:gd name="connsiteX6" fmla="*/ 0 w 6053670"/>
+              <a:gd name="connsiteY6" fmla="*/ 514028 h 5581866"/>
+              <a:gd name="connsiteX7" fmla="*/ 0 w 6053670"/>
+              <a:gd name="connsiteY7" fmla="*/ 0 h 5581866"/>
+              <a:gd name="connsiteX8" fmla="*/ 35717 w 6053670"/>
+              <a:gd name="connsiteY8" fmla="*/ 5488 h 5581866"/>
+              <a:gd name="connsiteX9" fmla="*/ 140445 w 6053670"/>
+              <a:gd name="connsiteY9" fmla="*/ 21641 h 5581866"/>
+              <a:gd name="connsiteX10" fmla="*/ 216722 w 6053670"/>
+              <a:gd name="connsiteY10" fmla="*/ 32932 h 5581866"/>
+              <a:gd name="connsiteX11" fmla="*/ 307527 w 6053670"/>
+              <a:gd name="connsiteY11" fmla="*/ 44850 h 5581866"/>
+              <a:gd name="connsiteX12" fmla="*/ 415282 w 6053670"/>
+              <a:gd name="connsiteY12" fmla="*/ 59121 h 5581866"/>
+              <a:gd name="connsiteX13" fmla="*/ 534539 w 6053670"/>
+              <a:gd name="connsiteY13" fmla="*/ 74175 h 5581866"/>
+              <a:gd name="connsiteX14" fmla="*/ 668931 w 6053670"/>
+              <a:gd name="connsiteY14" fmla="*/ 90014 h 5581866"/>
+              <a:gd name="connsiteX15" fmla="*/ 815430 w 6053670"/>
+              <a:gd name="connsiteY15" fmla="*/ 106794 h 5581866"/>
+              <a:gd name="connsiteX16" fmla="*/ 974641 w 6053670"/>
+              <a:gd name="connsiteY16" fmla="*/ 123574 h 5581866"/>
+              <a:gd name="connsiteX17" fmla="*/ 1144144 w 6053670"/>
+              <a:gd name="connsiteY17" fmla="*/ 140667 h 5581866"/>
+              <a:gd name="connsiteX18" fmla="*/ 1326965 w 6053670"/>
+              <a:gd name="connsiteY18" fmla="*/ 156506 h 5581866"/>
+              <a:gd name="connsiteX19" fmla="*/ 1518261 w 6053670"/>
+              <a:gd name="connsiteY19" fmla="*/ 171717 h 5581866"/>
+              <a:gd name="connsiteX20" fmla="*/ 1720453 w 6053670"/>
+              <a:gd name="connsiteY20" fmla="*/ 185518 h 5581866"/>
+              <a:gd name="connsiteX21" fmla="*/ 1931121 w 6053670"/>
+              <a:gd name="connsiteY21" fmla="*/ 198690 h 5581866"/>
+              <a:gd name="connsiteX22" fmla="*/ 2150869 w 6053670"/>
+              <a:gd name="connsiteY22" fmla="*/ 211079 h 5581866"/>
+              <a:gd name="connsiteX23" fmla="*/ 2263467 w 6053670"/>
+              <a:gd name="connsiteY23" fmla="*/ 215470 h 5581866"/>
+              <a:gd name="connsiteX24" fmla="*/ 2378487 w 6053670"/>
+              <a:gd name="connsiteY24" fmla="*/ 220332 h 5581866"/>
+              <a:gd name="connsiteX25" fmla="*/ 2495323 w 6053670"/>
+              <a:gd name="connsiteY25" fmla="*/ 224879 h 5581866"/>
+              <a:gd name="connsiteX26" fmla="*/ 2612764 w 6053670"/>
+              <a:gd name="connsiteY26" fmla="*/ 227859 h 5581866"/>
+              <a:gd name="connsiteX27" fmla="*/ 2732627 w 6053670"/>
+              <a:gd name="connsiteY27" fmla="*/ 230525 h 5581866"/>
+              <a:gd name="connsiteX28" fmla="*/ 2853700 w 6053670"/>
+              <a:gd name="connsiteY28" fmla="*/ 233348 h 5581866"/>
+              <a:gd name="connsiteX29" fmla="*/ 2977195 w 6053670"/>
+              <a:gd name="connsiteY29" fmla="*/ 235229 h 5581866"/>
+              <a:gd name="connsiteX30" fmla="*/ 3101900 w 6053670"/>
+              <a:gd name="connsiteY30" fmla="*/ 235229 h 5581866"/>
+              <a:gd name="connsiteX31" fmla="*/ 3227817 w 6053670"/>
+              <a:gd name="connsiteY31" fmla="*/ 236170 h 5581866"/>
+              <a:gd name="connsiteX32" fmla="*/ 3354944 w 6053670"/>
+              <a:gd name="connsiteY32" fmla="*/ 235229 h 5581866"/>
+              <a:gd name="connsiteX33" fmla="*/ 3483887 w 6053670"/>
+              <a:gd name="connsiteY33" fmla="*/ 233348 h 5581866"/>
+              <a:gd name="connsiteX34" fmla="*/ 3612830 w 6053670"/>
+              <a:gd name="connsiteY34" fmla="*/ 231623 h 5581866"/>
+              <a:gd name="connsiteX35" fmla="*/ 3743589 w 6053670"/>
+              <a:gd name="connsiteY35" fmla="*/ 227859 h 5581866"/>
+              <a:gd name="connsiteX36" fmla="*/ 3875559 w 6053670"/>
+              <a:gd name="connsiteY36" fmla="*/ 223938 h 5581866"/>
+              <a:gd name="connsiteX37" fmla="*/ 4007529 w 6053670"/>
+              <a:gd name="connsiteY37" fmla="*/ 219391 h 5581866"/>
+              <a:gd name="connsiteX38" fmla="*/ 4140710 w 6053670"/>
+              <a:gd name="connsiteY38" fmla="*/ 212961 h 5581866"/>
+              <a:gd name="connsiteX39" fmla="*/ 4275102 w 6053670"/>
+              <a:gd name="connsiteY39" fmla="*/ 205277 h 5581866"/>
+              <a:gd name="connsiteX40" fmla="*/ 4410098 w 6053670"/>
+              <a:gd name="connsiteY40" fmla="*/ 197907 h 5581866"/>
+              <a:gd name="connsiteX41" fmla="*/ 4545096 w 6053670"/>
+              <a:gd name="connsiteY41" fmla="*/ 188498 h 5581866"/>
+              <a:gd name="connsiteX42" fmla="*/ 4681909 w 6053670"/>
+              <a:gd name="connsiteY42" fmla="*/ 177207 h 5581866"/>
+              <a:gd name="connsiteX43" fmla="*/ 4816905 w 6053670"/>
+              <a:gd name="connsiteY43" fmla="*/ 165916 h 5581866"/>
+              <a:gd name="connsiteX44" fmla="*/ 4954323 w 6053670"/>
+              <a:gd name="connsiteY44" fmla="*/ 152899 h 5581866"/>
+              <a:gd name="connsiteX45" fmla="*/ 5092347 w 6053670"/>
+              <a:gd name="connsiteY45" fmla="*/ 138629 h 5581866"/>
+              <a:gd name="connsiteX46" fmla="*/ 5228555 w 6053670"/>
+              <a:gd name="connsiteY46" fmla="*/ 123574 h 5581866"/>
+              <a:gd name="connsiteX47" fmla="*/ 5366578 w 6053670"/>
+              <a:gd name="connsiteY47" fmla="*/ 106010 h 5581866"/>
+              <a:gd name="connsiteX48" fmla="*/ 5503997 w 6053670"/>
+              <a:gd name="connsiteY48" fmla="*/ 87192 h 5581866"/>
+              <a:gd name="connsiteX49" fmla="*/ 5642020 w 6053670"/>
+              <a:gd name="connsiteY49" fmla="*/ 68530 h 5581866"/>
+              <a:gd name="connsiteX50" fmla="*/ 5779438 w 6053670"/>
+              <a:gd name="connsiteY50" fmla="*/ 46733 h 5581866"/>
+              <a:gd name="connsiteX51" fmla="*/ 5916251 w 6053670"/>
+              <a:gd name="connsiteY51" fmla="*/ 24464 h 5581866"/>
+            </a:gdLst>
+            <a:ahLst/>
+            <a:cxnLst>
+              <a:cxn ang="0">
+                <a:pos x="connsiteX0" y="connsiteY0"/>
+              </a:cxn>
+              <a:cxn ang="0">
+                <a:pos x="connsiteX1" y="connsiteY1"/>
+              </a:cxn>
+              <a:cxn ang="0">
+                <a:pos x="connsiteX2" y="connsiteY2"/>
+              </a:cxn>
+              <a:cxn ang="0">
+                <a:pos x="connsiteX3" y="connsiteY3"/>
+              </a:cxn>
+              <a:cxn ang="0">
+                <a:pos x="connsiteX4" y="connsiteY4"/>
+              </a:cxn>
+              <a:cxn ang="0">
+                <a:pos x="connsiteX5" y="connsiteY5"/>
+              </a:cxn>
+              <a:cxn ang="0">
+                <a:pos x="connsiteX6" y="connsiteY6"/>
+              </a:cxn>
+              <a:cxn ang="0">
+                <a:pos x="connsiteX7" y="connsiteY7"/>
+              </a:cxn>
+              <a:cxn ang="0">
+                <a:pos x="connsiteX8" y="connsiteY8"/>
+              </a:cxn>
+              <a:cxn ang="0">
+                <a:pos x="connsiteX9" y="connsiteY9"/>
+              </a:cxn>
+              <a:cxn ang="0">
+                <a:pos x="connsiteX10" y="connsiteY10"/>
+              </a:cxn>
+              <a:cxn ang="0">
+                <a:pos x="connsiteX11" y="connsiteY11"/>
+              </a:cxn>
+              <a:cxn ang="0">
+                <a:pos x="connsiteX12" y="connsiteY12"/>
+              </a:cxn>
+              <a:cxn ang="0">
+                <a:pos x="connsiteX13" y="connsiteY13"/>
+              </a:cxn>
+              <a:cxn ang="0">
+                <a:pos x="connsiteX14" y="connsiteY14"/>
+              </a:cxn>
+              <a:cxn ang="0">
+                <a:pos x="connsiteX15" y="connsiteY15"/>
+              </a:cxn>
+              <a:cxn ang="0">
+                <a:pos x="connsiteX16" y="connsiteY16"/>
+              </a:cxn>
+              <a:cxn ang="0">
+                <a:pos x="connsiteX17" y="connsiteY17"/>
+              </a:cxn>
+              <a:cxn ang="0">
+                <a:pos x="connsiteX18" y="connsiteY18"/>
+              </a:cxn>
+              <a:cxn ang="0">
+                <a:pos x="connsiteX19" y="connsiteY19"/>
+              </a:cxn>
+              <a:cxn ang="0">
+                <a:pos x="connsiteX20" y="connsiteY20"/>
+              </a:cxn>
+              <a:cxn ang="0">
+                <a:pos x="connsiteX21" y="connsiteY21"/>
+              </a:cxn>
+              <a:cxn ang="0">
+                <a:pos x="connsiteX22" y="connsiteY22"/>
+              </a:cxn>
+              <a:cxn ang="0">
+                <a:pos x="connsiteX23" y="connsiteY23"/>
+              </a:cxn>
+              <a:cxn ang="0">
+                <a:pos x="connsiteX24" y="connsiteY24"/>
+              </a:cxn>
+              <a:cxn ang="0">
+                <a:pos x="connsiteX25" y="connsiteY25"/>
+              </a:cxn>
+              <a:cxn ang="0">
+                <a:pos x="connsiteX26" y="connsiteY26"/>
+              </a:cxn>
+              <a:cxn ang="0">
+                <a:pos x="connsiteX27" y="connsiteY27"/>
+              </a:cxn>
+              <a:cxn ang="0">
+                <a:pos x="connsiteX28" y="connsiteY28"/>
+              </a:cxn>
+              <a:cxn ang="0">
+                <a:pos x="connsiteX29" y="connsiteY29"/>
+              </a:cxn>
+              <a:cxn ang="0">
+                <a:pos x="connsiteX30" y="connsiteY30"/>
+              </a:cxn>
+              <a:cxn ang="0">
+                <a:pos x="connsiteX31" y="connsiteY31"/>
+              </a:cxn>
+              <a:cxn ang="0">
+                <a:pos x="connsiteX32" y="connsiteY32"/>
+              </a:cxn>
+              <a:cxn ang="0">
+                <a:pos x="connsiteX33" y="connsiteY33"/>
+              </a:cxn>
+              <a:cxn ang="0">
+                <a:pos x="connsiteX34" y="connsiteY34"/>
+              </a:cxn>
+              <a:cxn ang="0">
+                <a:pos x="connsiteX35" y="connsiteY35"/>
+              </a:cxn>
+              <a:cxn ang="0">
+                <a:pos x="connsiteX36" y="connsiteY36"/>
+              </a:cxn>
+              <a:cxn ang="0">
+                <a:pos x="connsiteX37" y="connsiteY37"/>
+              </a:cxn>
+              <a:cxn ang="0">
+                <a:pos x="connsiteX38" y="connsiteY38"/>
+              </a:cxn>
+              <a:cxn ang="0">
+                <a:pos x="connsiteX39" y="connsiteY39"/>
+              </a:cxn>
+              <a:cxn ang="0">
+                <a:pos x="connsiteX40" y="connsiteY40"/>
+              </a:cxn>
+              <a:cxn ang="0">
+                <a:pos x="connsiteX41" y="connsiteY41"/>
+              </a:cxn>
+              <a:cxn ang="0">
+                <a:pos x="connsiteX42" y="connsiteY42"/>
+              </a:cxn>
+              <a:cxn ang="0">
+                <a:pos x="connsiteX43" y="connsiteY43"/>
+              </a:cxn>
+              <a:cxn ang="0">
+                <a:pos x="connsiteX44" y="connsiteY44"/>
+              </a:cxn>
+              <a:cxn ang="0">
+                <a:pos x="connsiteX45" y="connsiteY45"/>
+              </a:cxn>
+              <a:cxn ang="0">
+                <a:pos x="connsiteX46" y="connsiteY46"/>
+              </a:cxn>
+              <a:cxn ang="0">
+                <a:pos x="connsiteX47" y="connsiteY47"/>
+              </a:cxn>
+              <a:cxn ang="0">
+                <a:pos x="connsiteX48" y="connsiteY48"/>
+              </a:cxn>
+              <a:cxn ang="0">
+                <a:pos x="connsiteX49" y="connsiteY49"/>
+              </a:cxn>
+              <a:cxn ang="0">
+                <a:pos x="connsiteX50" y="connsiteY50"/>
+              </a:cxn>
+              <a:cxn ang="0">
+                <a:pos x="connsiteX51" y="connsiteY51"/>
+              </a:cxn>
+            </a:cxnLst>
+            <a:rect l="l" t="t" r="r" b="b"/>
+            <a:pathLst>
+              <a:path w="6053670" h="5581866">
+                <a:moveTo>
+                  <a:pt x="6053670" y="1098"/>
+                </a:moveTo>
+                <a:lnTo>
+                  <a:pt x="6053670" y="514028"/>
+                </a:lnTo>
+                <a:lnTo>
+                  <a:pt x="6053670" y="1254558"/>
+                </a:lnTo>
+                <a:lnTo>
+                  <a:pt x="6053670" y="5581866"/>
+                </a:lnTo>
+                <a:lnTo>
+                  <a:pt x="0" y="5581866"/>
+                </a:lnTo>
+                <a:lnTo>
+                  <a:pt x="0" y="1249853"/>
+                </a:lnTo>
+                <a:lnTo>
+                  <a:pt x="0" y="514028"/>
+                </a:lnTo>
+                <a:lnTo>
+                  <a:pt x="0" y="0"/>
+                </a:lnTo>
+                <a:lnTo>
+                  <a:pt x="35717" y="5488"/>
+                </a:lnTo>
+                <a:lnTo>
+                  <a:pt x="140445" y="21641"/>
+                </a:lnTo>
+                <a:lnTo>
+                  <a:pt x="216722" y="32932"/>
+                </a:lnTo>
+                <a:lnTo>
+                  <a:pt x="307527" y="44850"/>
+                </a:lnTo>
+                <a:lnTo>
+                  <a:pt x="415282" y="59121"/>
+                </a:lnTo>
+                <a:lnTo>
+                  <a:pt x="534539" y="74175"/>
+                </a:lnTo>
+                <a:lnTo>
+                  <a:pt x="668931" y="90014"/>
+                </a:lnTo>
+                <a:lnTo>
+                  <a:pt x="815430" y="106794"/>
+                </a:lnTo>
+                <a:lnTo>
+                  <a:pt x="974641" y="123574"/>
+                </a:lnTo>
+                <a:lnTo>
+                  <a:pt x="1144144" y="140667"/>
+                </a:lnTo>
+                <a:lnTo>
+                  <a:pt x="1326965" y="156506"/>
+                </a:lnTo>
+                <a:lnTo>
+                  <a:pt x="1518261" y="171717"/>
+                </a:lnTo>
+                <a:lnTo>
+                  <a:pt x="1720453" y="185518"/>
+                </a:lnTo>
+                <a:lnTo>
+                  <a:pt x="1931121" y="198690"/>
+                </a:lnTo>
+                <a:lnTo>
+                  <a:pt x="2150869" y="211079"/>
+                </a:lnTo>
+                <a:lnTo>
+                  <a:pt x="2263467" y="215470"/>
+                </a:lnTo>
+                <a:lnTo>
+                  <a:pt x="2378487" y="220332"/>
+                </a:lnTo>
+                <a:lnTo>
+                  <a:pt x="2495323" y="224879"/>
+                </a:lnTo>
+                <a:lnTo>
+                  <a:pt x="2612764" y="227859"/>
+                </a:lnTo>
+                <a:lnTo>
+                  <a:pt x="2732627" y="230525"/>
+                </a:lnTo>
+                <a:lnTo>
+                  <a:pt x="2853700" y="233348"/>
+                </a:lnTo>
+                <a:lnTo>
+                  <a:pt x="2977195" y="235229"/>
+                </a:lnTo>
+                <a:lnTo>
+                  <a:pt x="3101900" y="235229"/>
+                </a:lnTo>
+                <a:lnTo>
+                  <a:pt x="3227817" y="236170"/>
+                </a:lnTo>
+                <a:lnTo>
+                  <a:pt x="3354944" y="235229"/>
+                </a:lnTo>
+                <a:lnTo>
+                  <a:pt x="3483887" y="233348"/>
+                </a:lnTo>
+                <a:lnTo>
+                  <a:pt x="3612830" y="231623"/>
+                </a:lnTo>
+                <a:lnTo>
+                  <a:pt x="3743589" y="227859"/>
+                </a:lnTo>
+                <a:lnTo>
+                  <a:pt x="3875559" y="223938"/>
+                </a:lnTo>
+                <a:lnTo>
+                  <a:pt x="4007529" y="219391"/>
+                </a:lnTo>
+                <a:lnTo>
+                  <a:pt x="4140710" y="212961"/>
+                </a:lnTo>
+                <a:lnTo>
+                  <a:pt x="4275102" y="205277"/>
+                </a:lnTo>
+                <a:lnTo>
+                  <a:pt x="4410098" y="197907"/>
+                </a:lnTo>
+                <a:lnTo>
+                  <a:pt x="4545096" y="188498"/>
+                </a:lnTo>
+                <a:lnTo>
+                  <a:pt x="4681909" y="177207"/>
+                </a:lnTo>
+                <a:lnTo>
+                  <a:pt x="4816905" y="165916"/>
+                </a:lnTo>
+                <a:lnTo>
+                  <a:pt x="4954323" y="152899"/>
+                </a:lnTo>
+                <a:lnTo>
+                  <a:pt x="5092347" y="138629"/>
+                </a:lnTo>
+                <a:lnTo>
+                  <a:pt x="5228555" y="123574"/>
+                </a:lnTo>
+                <a:lnTo>
+                  <a:pt x="5366578" y="106010"/>
+                </a:lnTo>
+                <a:lnTo>
+                  <a:pt x="5503997" y="87192"/>
+                </a:lnTo>
+                <a:lnTo>
+                  <a:pt x="5642020" y="68530"/>
+                </a:lnTo>
+                <a:lnTo>
+                  <a:pt x="5779438" y="46733"/>
+                </a:lnTo>
+                <a:lnTo>
+                  <a:pt x="5916251" y="24464"/>
+                </a:lnTo>
+                <a:close/>
+              </a:path>
+            </a:pathLst>
+          </a:custGeom>
+          <a:solidFill>
+            <a:schemeClr val="tx1"/>
+          </a:solidFill>
+          <a:ln>
+            <a:noFill/>
+          </a:ln>
+        </p:spPr>
+      </p:sp>
+      <p:sp>
+        <p:nvSpPr>
+          <p:cNvPr id="33" name="Freeform 5">
+            <a:extLst>
+              <a:ext uri="{FF2B5EF4-FFF2-40B4-BE49-F238E27FC236}">
+                <a16:creationId xmlns:a16="http://schemas.microsoft.com/office/drawing/2014/main" id="{B5C860C9-D4F9-4350-80DA-0D1CD36C7741}"/>
+              </a:ext>
+              <a:ext uri="{C183D7F6-B498-43B3-948B-1728B52AA6E4}">
+                <adec:decorative xmlns:adec="http://schemas.microsoft.com/office/drawing/2017/decorative" val="1"/>
+              </a:ext>
+            </a:extLst>
+          </p:cNvPr>
+          <p:cNvSpPr>
+            <a:spLocks noGrp="1" noRot="1" noChangeAspect="1" noMove="1" noResize="1" noEditPoints="1" noAdjustHandles="1" noChangeArrowheads="1" noChangeShapeType="1" noTextEdit="1"/>
+          </p:cNvSpPr>
+          <p:nvPr>
+            <p:extLst>
+              <p:ext uri="{386F3935-93C4-4BCD-93E2-E3B085C9AB24}">
+                <p16:designElem xmlns:p16="http://schemas.microsoft.com/office/powerpoint/2015/main" val="1"/>
+              </p:ext>
+            </p:extLst>
+          </p:nvPr>
+        </p:nvSpPr>
+        <p:spPr bwMode="gray">
+          <a:xfrm>
+            <a:off x="0" y="1587"/>
+            <a:ext cx="12192000" cy="6856413"/>
+          </a:xfrm>
+          <a:custGeom>
+            <a:avLst/>
+            <a:gdLst/>
+            <a:ahLst/>
+            <a:cxnLst/>
+            <a:rect l="0" t="0" r="r" b="b"/>
+            <a:pathLst>
+              <a:path w="15356" h="8638">
+                <a:moveTo>
+                  <a:pt x="0" y="0"/>
+                </a:moveTo>
+                <a:lnTo>
+                  <a:pt x="0" y="8638"/>
+                </a:lnTo>
+                <a:lnTo>
+                  <a:pt x="15356" y="8638"/>
+                </a:lnTo>
+                <a:lnTo>
+                  <a:pt x="15356" y="0"/>
+                </a:lnTo>
+                <a:lnTo>
+                  <a:pt x="0" y="0"/>
+                </a:lnTo>
+                <a:close/>
+                <a:moveTo>
+                  <a:pt x="14748" y="8038"/>
+                </a:moveTo>
+                <a:lnTo>
+                  <a:pt x="600" y="8038"/>
+                </a:lnTo>
+                <a:lnTo>
+                  <a:pt x="600" y="592"/>
+                </a:lnTo>
+                <a:lnTo>
+                  <a:pt x="14748" y="592"/>
+                </a:lnTo>
+                <a:lnTo>
+                  <a:pt x="14748" y="8038"/>
+                </a:lnTo>
+                <a:close/>
+              </a:path>
+            </a:pathLst>
+          </a:custGeom>
+          <a:solidFill>
+            <a:schemeClr val="tx1"/>
+          </a:solidFill>
+          <a:ln>
+            <a:noFill/>
+          </a:ln>
+        </p:spPr>
+      </p:sp>
+      <p:sp>
+        <p:nvSpPr>
+          <p:cNvPr id="2" name="Title 1">
+            <a:extLst>
+              <a:ext uri="{FF2B5EF4-FFF2-40B4-BE49-F238E27FC236}">
+                <a16:creationId xmlns:a16="http://schemas.microsoft.com/office/drawing/2014/main" id="{CB012FBC-D401-4A92-BEF6-9A6BCD99B742}"/>
+              </a:ext>
+            </a:extLst>
+          </p:cNvPr>
+          <p:cNvSpPr>
+            <a:spLocks noGrp="1"/>
+          </p:cNvSpPr>
+          <p:nvPr>
+            <p:ph type="title"/>
+          </p:nvPr>
+        </p:nvSpPr>
+        <p:spPr>
+          <a:xfrm>
+            <a:off x="639098" y="629265"/>
+            <a:ext cx="5132438" cy="1622322"/>
+          </a:xfrm>
+        </p:spPr>
+        <p:txBody>
+          <a:bodyPr>
+            <a:normAutofit/>
+          </a:bodyPr>
+          <a:lstStyle/>
+          <a:p>
+            <a:r>
+              <a:rPr lang="en-US" dirty="0">
+                <a:solidFill>
+                  <a:srgbClr val="EBEBEB"/>
+                </a:solidFill>
+              </a:rPr>
+              <a:t>Second step: Data munging </a:t>
+            </a:r>
+            <a:r>
+              <a:rPr lang="en-US" sz="1400" dirty="0">
+                <a:solidFill>
+                  <a:srgbClr val="EBEBEB"/>
+                </a:solidFill>
+              </a:rPr>
+              <a:t>(cont’d)</a:t>
+            </a:r>
+            <a:endParaRPr lang="en-US" dirty="0">
+              <a:solidFill>
+                <a:srgbClr val="EBEBEB"/>
+              </a:solidFill>
+            </a:endParaRPr>
+          </a:p>
+        </p:txBody>
+      </p:sp>
+      <p:pic>
+        <p:nvPicPr>
+          <p:cNvPr id="7" name="Picture 6">
+            <a:extLst>
+              <a:ext uri="{FF2B5EF4-FFF2-40B4-BE49-F238E27FC236}">
+                <a16:creationId xmlns:a16="http://schemas.microsoft.com/office/drawing/2014/main" id="{B205948A-D160-4A35-8C49-87779FEABD98}"/>
+              </a:ext>
+            </a:extLst>
+          </p:cNvPr>
+          <p:cNvPicPr>
+            <a:picLocks noChangeAspect="1"/>
+          </p:cNvPicPr>
+          <p:nvPr/>
+        </p:nvPicPr>
+        <p:blipFill>
+          <a:blip r:embed="rId2">
+            <a:extLst>
+              <a:ext uri="{28A0092B-C50C-407E-A947-70E740481C1C}">
+                <a14:useLocalDpi xmlns:a14="http://schemas.microsoft.com/office/drawing/2010/main" val="0"/>
+              </a:ext>
+            </a:extLst>
+          </a:blip>
+          <a:stretch>
+            <a:fillRect/>
+          </a:stretch>
+        </p:blipFill>
+        <p:spPr>
+          <a:xfrm>
+            <a:off x="6714836" y="1826210"/>
+            <a:ext cx="4828707" cy="3223161"/>
+          </a:xfrm>
+          <a:prstGeom prst="rect">
+            <a:avLst/>
+          </a:prstGeom>
+        </p:spPr>
+      </p:pic>
+      <p:sp>
+        <p:nvSpPr>
+          <p:cNvPr id="35" name="Rectangle 34">
+            <a:extLst>
+              <a:ext uri="{FF2B5EF4-FFF2-40B4-BE49-F238E27FC236}">
+                <a16:creationId xmlns:a16="http://schemas.microsoft.com/office/drawing/2014/main" id="{538A90C8-AE0E-4EBA-9AF8-EEDB206020E0}"/>
+              </a:ext>
+              <a:ext uri="{C183D7F6-B498-43B3-948B-1728B52AA6E4}">
+                <adec:decorative xmlns:adec="http://schemas.microsoft.com/office/drawing/2017/decorative" val="1"/>
+              </a:ext>
+            </a:extLst>
+          </p:cNvPr>
+          <p:cNvSpPr>
+            <a:spLocks noGrp="1" noRot="1" noChangeAspect="1" noMove="1" noResize="1" noEditPoints="1" noAdjustHandles="1" noChangeArrowheads="1" noChangeShapeType="1" noTextEdit="1"/>
+          </p:cNvSpPr>
+          <p:nvPr>
+            <p:extLst>
+              <p:ext uri="{386F3935-93C4-4BCD-93E2-E3B085C9AB24}">
+                <p16:designElem xmlns:p16="http://schemas.microsoft.com/office/powerpoint/2015/main" val="1"/>
+              </p:ext>
+            </p:extLst>
+          </p:nvPr>
+        </p:nvSpPr>
+        <p:spPr>
+          <a:xfrm>
+            <a:off x="10437812" y="0"/>
+            <a:ext cx="685800" cy="1143000"/>
+          </a:xfrm>
+          <a:prstGeom prst="rect">
+            <a:avLst/>
+          </a:prstGeom>
+          <a:solidFill>
+            <a:schemeClr val="accent1"/>
+          </a:solidFill>
+          <a:ln>
+            <a:noFill/>
+          </a:ln>
+        </p:spPr>
+        <p:style>
+          <a:lnRef idx="1">
+            <a:schemeClr val="accent1"/>
+          </a:lnRef>
+          <a:fillRef idx="3">
+            <a:schemeClr val="accent1"/>
+          </a:fillRef>
+          <a:effectRef idx="2">
+            <a:schemeClr val="accent1"/>
+          </a:effectRef>
+          <a:fontRef idx="minor">
+            <a:schemeClr val="lt1"/>
+          </a:fontRef>
+        </p:style>
+      </p:sp>
+      <p:sp>
+        <p:nvSpPr>
+          <p:cNvPr id="3" name="Content Placeholder 2">
+            <a:extLst>
+              <a:ext uri="{FF2B5EF4-FFF2-40B4-BE49-F238E27FC236}">
+                <a16:creationId xmlns:a16="http://schemas.microsoft.com/office/drawing/2014/main" id="{BECBD6DB-B94D-490B-B770-1A454AA07DB6}"/>
+              </a:ext>
+            </a:extLst>
+          </p:cNvPr>
+          <p:cNvSpPr>
+            <a:spLocks noGrp="1"/>
+          </p:cNvSpPr>
+          <p:nvPr>
+            <p:ph idx="1"/>
+          </p:nvPr>
+        </p:nvSpPr>
+        <p:spPr>
+          <a:xfrm>
+            <a:off x="639098" y="2418735"/>
+            <a:ext cx="5132439" cy="3811742"/>
+          </a:xfrm>
+        </p:spPr>
+        <p:txBody>
+          <a:bodyPr anchor="ctr">
+            <a:normAutofit/>
+          </a:bodyPr>
+          <a:lstStyle/>
+          <a:p>
+            <a:r>
+              <a:rPr lang="en-US" dirty="0">
+                <a:solidFill>
+                  <a:srgbClr val="FFFFFF"/>
+                </a:solidFill>
+              </a:rPr>
+              <a:t>Files received included score and price average, wine counts and wine descriptions. Wine descriptions increased original 150k+ records to 400k+ records.</a:t>
+            </a:r>
+          </a:p>
+          <a:p>
+            <a:r>
+              <a:rPr lang="en-US" dirty="0">
+                <a:solidFill>
+                  <a:srgbClr val="FFFFFF"/>
+                </a:solidFill>
+              </a:rPr>
+              <a:t>Using </a:t>
+            </a:r>
+            <a:r>
+              <a:rPr lang="en-US" dirty="0" err="1">
+                <a:solidFill>
+                  <a:srgbClr val="FFFFFF"/>
+                </a:solidFill>
+              </a:rPr>
+              <a:t>Postgresql</a:t>
+            </a:r>
+            <a:r>
+              <a:rPr lang="en-US" dirty="0">
+                <a:solidFill>
+                  <a:srgbClr val="FFFFFF"/>
+                </a:solidFill>
+              </a:rPr>
+              <a:t> :</a:t>
+            </a:r>
+          </a:p>
+          <a:p>
+            <a:pPr lvl="1"/>
+            <a:r>
+              <a:rPr lang="en-US" dirty="0">
+                <a:solidFill>
+                  <a:srgbClr val="FFFFFF"/>
+                </a:solidFill>
+              </a:rPr>
+              <a:t>Took the files from above and transformed them into groupings based upon the wine wheel categories. </a:t>
+            </a:r>
+          </a:p>
+          <a:p>
+            <a:pPr lvl="1"/>
+            <a:r>
+              <a:rPr lang="en-US" dirty="0">
+                <a:solidFill>
+                  <a:srgbClr val="FFFFFF"/>
+                </a:solidFill>
+              </a:rPr>
+              <a:t>Additional manipulation involved averages and concatenations along with column appending.</a:t>
+            </a:r>
+          </a:p>
+        </p:txBody>
+      </p:sp>
+    </p:spTree>
+    <p:extLst>
+      <p:ext uri="{BB962C8B-B14F-4D97-AF65-F5344CB8AC3E}">
+        <p14:creationId xmlns:p14="http://schemas.microsoft.com/office/powerpoint/2010/main" val="735439137"/>
+      </p:ext>
+    </p:extLst>
+  </p:cSld>
+  <p:clrMapOvr>
+    <a:overrideClrMapping bg1="dk1" tx1="lt1" bg2="dk2" tx2="lt2" accent1="accent1" accent2="accent2" accent3="accent3" accent4="accent4" accent5="accent5" accent6="accent6" hlink="hlink" folHlink="folHlink"/>
+  </p:clrMapOvr>
+</p:sld>
+</file>
+
+<file path=ppt/slides/slide7.xml><?xml version="1.0" encoding="utf-8"?>
+<p:sld xmlns:a="http://schemas.openxmlformats.org/drawingml/2006/main" xmlns:r="http://schemas.openxmlformats.org/officeDocument/2006/relationships" xmlns:p="http://schemas.openxmlformats.org/presentationml/2006/main">
+  <p:cSld>
+    <p:bg>
+      <p:bgPr>
+        <a:solidFill>
+          <a:schemeClr val="bg1"/>
+        </a:solidFill>
+        <a:effectLst/>
+      </p:bgPr>
+    </p:bg>
+    <p:spTree>
+      <p:nvGrpSpPr>
+        <p:cNvPr id="1" name=""/>
+        <p:cNvGrpSpPr/>
+        <p:nvPr/>
+      </p:nvGrpSpPr>
+      <p:grpSpPr>
+        <a:xfrm>
+          <a:off x="0" y="0"/>
+          <a:ext cx="0" cy="0"/>
+          <a:chOff x="0" y="0"/>
+          <a:chExt cx="0" cy="0"/>
+        </a:xfrm>
+      </p:grpSpPr>
+      <p:sp>
+        <p:nvSpPr>
+          <p:cNvPr id="27" name="Rectangle 26">
+            <a:extLst>
+              <a:ext uri="{FF2B5EF4-FFF2-40B4-BE49-F238E27FC236}">
+                <a16:creationId xmlns:a16="http://schemas.microsoft.com/office/drawing/2014/main" id="{F70C2B8F-6B1B-46D5-86E6-40F36C695FC2}"/>
+              </a:ext>
+              <a:ext uri="{C183D7F6-B498-43B3-948B-1728B52AA6E4}">
+                <adec:decorative xmlns:adec="http://schemas.microsoft.com/office/drawing/2017/decorative" val="1"/>
+              </a:ext>
+            </a:extLst>
+          </p:cNvPr>
+          <p:cNvSpPr>
+            <a:spLocks noGrp="1" noRot="1" noChangeAspect="1" noMove="1" noResize="1" noEditPoints="1" noAdjustHandles="1" noChangeArrowheads="1" noChangeShapeType="1" noTextEdit="1"/>
+          </p:cNvSpPr>
+          <p:nvPr>
+            <p:extLst>
+              <p:ext uri="{386F3935-93C4-4BCD-93E2-E3B085C9AB24}">
+                <p16:designElem xmlns:p16="http://schemas.microsoft.com/office/powerpoint/2015/main" val="1"/>
+              </p:ext>
+            </p:extLst>
+          </p:nvPr>
+        </p:nvSpPr>
+        <p:spPr>
+          <a:xfrm>
+            <a:off x="0" y="0"/>
+            <a:ext cx="12192000" cy="6858000"/>
+          </a:xfrm>
+          <a:prstGeom prst="rect">
+            <a:avLst/>
+          </a:prstGeom>
+          <a:ln>
+            <a:noFill/>
+          </a:ln>
+        </p:spPr>
+        <p:style>
+          <a:lnRef idx="2">
+            <a:schemeClr val="accent1">
+              <a:shade val="50000"/>
+            </a:schemeClr>
+          </a:lnRef>
+          <a:fillRef idx="1003">
+            <a:schemeClr val="dk2"/>
+          </a:fillRef>
+          <a:effectRef idx="0">
+            <a:schemeClr val="accent1"/>
+          </a:effectRef>
+          <a:fontRef idx="minor">
+            <a:schemeClr val="lt1"/>
+          </a:fontRef>
+        </p:style>
+      </p:sp>
+      <p:sp>
+        <p:nvSpPr>
+          <p:cNvPr id="29" name="Freeform 5">
+            <a:extLst>
+              <a:ext uri="{FF2B5EF4-FFF2-40B4-BE49-F238E27FC236}">
+                <a16:creationId xmlns:a16="http://schemas.microsoft.com/office/drawing/2014/main" id="{DB521824-592C-476A-AB0A-CA0C6D1F3407}"/>
+              </a:ext>
+              <a:ext uri="{C183D7F6-B498-43B3-948B-1728B52AA6E4}">
+                <adec:decorative xmlns:adec="http://schemas.microsoft.com/office/drawing/2017/decorative" val="1"/>
+              </a:ext>
+            </a:extLst>
+          </p:cNvPr>
+          <p:cNvSpPr>
+            <a:spLocks noGrp="1" noRot="1" noChangeAspect="1" noMove="1" noResize="1" noEditPoints="1" noAdjustHandles="1" noChangeArrowheads="1" noChangeShapeType="1" noTextEdit="1"/>
+          </p:cNvSpPr>
+          <p:nvPr>
+            <p:extLst>
+              <p:ext uri="{386F3935-93C4-4BCD-93E2-E3B085C9AB24}">
+                <p16:designElem xmlns:p16="http://schemas.microsoft.com/office/powerpoint/2015/main" val="1"/>
+              </p:ext>
+            </p:extLst>
+          </p:nvPr>
+        </p:nvSpPr>
+        <p:spPr bwMode="gray">
+          <a:xfrm rot="15922489">
+            <a:off x="4698352" y="1826078"/>
+            <a:ext cx="3299407" cy="440924"/>
+          </a:xfrm>
+          <a:custGeom>
+            <a:avLst/>
+            <a:gdLst/>
+            <a:ahLst/>
+            <a:cxnLst/>
+            <a:rect l="l" t="t" r="r" b="b"/>
+            <a:pathLst>
+              <a:path w="10000" h="5291">
+                <a:moveTo>
+                  <a:pt x="85" y="2532"/>
+                </a:moveTo>
+                <a:cubicBezTo>
+                  <a:pt x="1736" y="3911"/>
+                  <a:pt x="7524" y="5298"/>
+                  <a:pt x="9958" y="5291"/>
+                </a:cubicBezTo>
+                <a:cubicBezTo>
+                  <a:pt x="9989" y="1958"/>
+                  <a:pt x="9969" y="3333"/>
+                  <a:pt x="10000" y="0"/>
+                </a:cubicBezTo>
+                <a:lnTo>
+                  <a:pt x="10000" y="0"/>
+                </a:lnTo>
+                <a:lnTo>
+                  <a:pt x="9667" y="204"/>
+                </a:lnTo>
+                <a:lnTo>
+                  <a:pt x="9334" y="400"/>
+                </a:lnTo>
+                <a:lnTo>
+                  <a:pt x="9001" y="590"/>
+                </a:lnTo>
+                <a:lnTo>
+                  <a:pt x="8667" y="753"/>
+                </a:lnTo>
+                <a:lnTo>
+                  <a:pt x="8333" y="917"/>
+                </a:lnTo>
+                <a:lnTo>
+                  <a:pt x="7999" y="1071"/>
+                </a:lnTo>
+                <a:lnTo>
+                  <a:pt x="7669" y="1202"/>
+                </a:lnTo>
+                <a:lnTo>
+                  <a:pt x="7333" y="1325"/>
+                </a:lnTo>
+                <a:lnTo>
+                  <a:pt x="7000" y="1440"/>
+                </a:lnTo>
+                <a:lnTo>
+                  <a:pt x="6673" y="1538"/>
+                </a:lnTo>
+                <a:lnTo>
+                  <a:pt x="6340" y="1636"/>
+                </a:lnTo>
+                <a:lnTo>
+                  <a:pt x="6013" y="1719"/>
+                </a:lnTo>
+                <a:lnTo>
+                  <a:pt x="5686" y="1784"/>
+                </a:lnTo>
+                <a:lnTo>
+                  <a:pt x="5359" y="1850"/>
+                </a:lnTo>
+                <a:lnTo>
+                  <a:pt x="5036" y="1906"/>
+                </a:lnTo>
+                <a:lnTo>
+                  <a:pt x="4717" y="1948"/>
+                </a:lnTo>
+                <a:lnTo>
+                  <a:pt x="4396" y="1980"/>
+                </a:lnTo>
+                <a:lnTo>
+                  <a:pt x="4079" y="2013"/>
+                </a:lnTo>
+                <a:lnTo>
+                  <a:pt x="3766" y="2029"/>
+                </a:lnTo>
+                <a:lnTo>
+                  <a:pt x="3454" y="2046"/>
+                </a:lnTo>
+                <a:lnTo>
+                  <a:pt x="3145" y="2053"/>
+                </a:lnTo>
+                <a:lnTo>
+                  <a:pt x="2839" y="2046"/>
+                </a:lnTo>
+                <a:lnTo>
+                  <a:pt x="2537" y="2046"/>
+                </a:lnTo>
+                <a:lnTo>
+                  <a:pt x="2238" y="2029"/>
+                </a:lnTo>
+                <a:lnTo>
+                  <a:pt x="1943" y="2004"/>
+                </a:lnTo>
+                <a:lnTo>
+                  <a:pt x="1653" y="1980"/>
+                </a:lnTo>
+                <a:lnTo>
+                  <a:pt x="1368" y="1955"/>
+                </a:lnTo>
+                <a:lnTo>
+                  <a:pt x="1085" y="1915"/>
+                </a:lnTo>
+                <a:lnTo>
+                  <a:pt x="806" y="1873"/>
+                </a:lnTo>
+                <a:lnTo>
+                  <a:pt x="533" y="1833"/>
+                </a:lnTo>
+                <a:lnTo>
+                  <a:pt x="0" y="1726"/>
+                </a:lnTo>
+                <a:cubicBezTo>
+                  <a:pt x="28" y="1995"/>
+                  <a:pt x="57" y="2263"/>
+                  <a:pt x="85" y="2532"/>
+                </a:cubicBezTo>
+                <a:close/>
+              </a:path>
+            </a:pathLst>
+          </a:custGeom>
+          <a:solidFill>
+            <a:schemeClr val="tx1">
+              <a:alpha val="20000"/>
+            </a:schemeClr>
+          </a:solidFill>
+          <a:ln>
+            <a:noFill/>
+          </a:ln>
+        </p:spPr>
+      </p:sp>
+      <p:sp>
+        <p:nvSpPr>
+          <p:cNvPr id="31" name="Freeform: Shape 30">
+            <a:extLst>
+              <a:ext uri="{FF2B5EF4-FFF2-40B4-BE49-F238E27FC236}">
+                <a16:creationId xmlns:a16="http://schemas.microsoft.com/office/drawing/2014/main" id="{A2749EFA-8EE4-4EB8-9424-8E593B9320AD}"/>
+              </a:ext>
+              <a:ext uri="{C183D7F6-B498-43B3-948B-1728B52AA6E4}">
+                <adec:decorative xmlns:adec="http://schemas.microsoft.com/office/drawing/2017/decorative" val="1"/>
+              </a:ext>
+            </a:extLst>
+          </p:cNvPr>
+          <p:cNvSpPr>
+            <a:spLocks noGrp="1" noRot="1" noChangeAspect="1" noMove="1" noResize="1" noEditPoints="1" noAdjustHandles="1" noChangeArrowheads="1" noChangeShapeType="1" noTextEdit="1"/>
+          </p:cNvSpPr>
+          <p:nvPr>
+            <p:extLst>
+              <p:ext uri="{386F3935-93C4-4BCD-93E2-E3B085C9AB24}">
+                <p16:designElem xmlns:p16="http://schemas.microsoft.com/office/powerpoint/2015/main" val="1"/>
+              </p:ext>
+            </p:extLst>
+          </p:nvPr>
+        </p:nvSpPr>
+        <p:spPr bwMode="gray">
+          <a:xfrm rot="16200000">
+            <a:off x="5950898" y="638067"/>
+            <a:ext cx="6053670" cy="5581866"/>
+          </a:xfrm>
+          <a:custGeom>
+            <a:avLst/>
+            <a:gdLst>
+              <a:gd name="connsiteX0" fmla="*/ 6053670 w 6053670"/>
+              <a:gd name="connsiteY0" fmla="*/ 1098 h 5581866"/>
+              <a:gd name="connsiteX1" fmla="*/ 6053670 w 6053670"/>
+              <a:gd name="connsiteY1" fmla="*/ 514028 h 5581866"/>
+              <a:gd name="connsiteX2" fmla="*/ 6053670 w 6053670"/>
+              <a:gd name="connsiteY2" fmla="*/ 1254558 h 5581866"/>
+              <a:gd name="connsiteX3" fmla="*/ 6053670 w 6053670"/>
+              <a:gd name="connsiteY3" fmla="*/ 5581866 h 5581866"/>
+              <a:gd name="connsiteX4" fmla="*/ 0 w 6053670"/>
+              <a:gd name="connsiteY4" fmla="*/ 5581866 h 5581866"/>
+              <a:gd name="connsiteX5" fmla="*/ 0 w 6053670"/>
+              <a:gd name="connsiteY5" fmla="*/ 1249853 h 5581866"/>
+              <a:gd name="connsiteX6" fmla="*/ 0 w 6053670"/>
+              <a:gd name="connsiteY6" fmla="*/ 514028 h 5581866"/>
+              <a:gd name="connsiteX7" fmla="*/ 0 w 6053670"/>
+              <a:gd name="connsiteY7" fmla="*/ 0 h 5581866"/>
+              <a:gd name="connsiteX8" fmla="*/ 35717 w 6053670"/>
+              <a:gd name="connsiteY8" fmla="*/ 5488 h 5581866"/>
+              <a:gd name="connsiteX9" fmla="*/ 140445 w 6053670"/>
+              <a:gd name="connsiteY9" fmla="*/ 21641 h 5581866"/>
+              <a:gd name="connsiteX10" fmla="*/ 216722 w 6053670"/>
+              <a:gd name="connsiteY10" fmla="*/ 32932 h 5581866"/>
+              <a:gd name="connsiteX11" fmla="*/ 307527 w 6053670"/>
+              <a:gd name="connsiteY11" fmla="*/ 44850 h 5581866"/>
+              <a:gd name="connsiteX12" fmla="*/ 415282 w 6053670"/>
+              <a:gd name="connsiteY12" fmla="*/ 59121 h 5581866"/>
+              <a:gd name="connsiteX13" fmla="*/ 534539 w 6053670"/>
+              <a:gd name="connsiteY13" fmla="*/ 74175 h 5581866"/>
+              <a:gd name="connsiteX14" fmla="*/ 668931 w 6053670"/>
+              <a:gd name="connsiteY14" fmla="*/ 90014 h 5581866"/>
+              <a:gd name="connsiteX15" fmla="*/ 815430 w 6053670"/>
+              <a:gd name="connsiteY15" fmla="*/ 106794 h 5581866"/>
+              <a:gd name="connsiteX16" fmla="*/ 974641 w 6053670"/>
+              <a:gd name="connsiteY16" fmla="*/ 123574 h 5581866"/>
+              <a:gd name="connsiteX17" fmla="*/ 1144144 w 6053670"/>
+              <a:gd name="connsiteY17" fmla="*/ 140667 h 5581866"/>
+              <a:gd name="connsiteX18" fmla="*/ 1326965 w 6053670"/>
+              <a:gd name="connsiteY18" fmla="*/ 156506 h 5581866"/>
+              <a:gd name="connsiteX19" fmla="*/ 1518261 w 6053670"/>
+              <a:gd name="connsiteY19" fmla="*/ 171717 h 5581866"/>
+              <a:gd name="connsiteX20" fmla="*/ 1720453 w 6053670"/>
+              <a:gd name="connsiteY20" fmla="*/ 185518 h 5581866"/>
+              <a:gd name="connsiteX21" fmla="*/ 1931121 w 6053670"/>
+              <a:gd name="connsiteY21" fmla="*/ 198690 h 5581866"/>
+              <a:gd name="connsiteX22" fmla="*/ 2150869 w 6053670"/>
+              <a:gd name="connsiteY22" fmla="*/ 211079 h 5581866"/>
+              <a:gd name="connsiteX23" fmla="*/ 2263467 w 6053670"/>
+              <a:gd name="connsiteY23" fmla="*/ 215470 h 5581866"/>
+              <a:gd name="connsiteX24" fmla="*/ 2378487 w 6053670"/>
+              <a:gd name="connsiteY24" fmla="*/ 220332 h 5581866"/>
+              <a:gd name="connsiteX25" fmla="*/ 2495323 w 6053670"/>
+              <a:gd name="connsiteY25" fmla="*/ 224879 h 5581866"/>
+              <a:gd name="connsiteX26" fmla="*/ 2612764 w 6053670"/>
+              <a:gd name="connsiteY26" fmla="*/ 227859 h 5581866"/>
+              <a:gd name="connsiteX27" fmla="*/ 2732627 w 6053670"/>
+              <a:gd name="connsiteY27" fmla="*/ 230525 h 5581866"/>
+              <a:gd name="connsiteX28" fmla="*/ 2853700 w 6053670"/>
+              <a:gd name="connsiteY28" fmla="*/ 233348 h 5581866"/>
+              <a:gd name="connsiteX29" fmla="*/ 2977195 w 6053670"/>
+              <a:gd name="connsiteY29" fmla="*/ 235229 h 5581866"/>
+              <a:gd name="connsiteX30" fmla="*/ 3101900 w 6053670"/>
+              <a:gd name="connsiteY30" fmla="*/ 235229 h 5581866"/>
+              <a:gd name="connsiteX31" fmla="*/ 3227817 w 6053670"/>
+              <a:gd name="connsiteY31" fmla="*/ 236170 h 5581866"/>
+              <a:gd name="connsiteX32" fmla="*/ 3354944 w 6053670"/>
+              <a:gd name="connsiteY32" fmla="*/ 235229 h 5581866"/>
+              <a:gd name="connsiteX33" fmla="*/ 3483887 w 6053670"/>
+              <a:gd name="connsiteY33" fmla="*/ 233348 h 5581866"/>
+              <a:gd name="connsiteX34" fmla="*/ 3612830 w 6053670"/>
+              <a:gd name="connsiteY34" fmla="*/ 231623 h 5581866"/>
+              <a:gd name="connsiteX35" fmla="*/ 3743589 w 6053670"/>
+              <a:gd name="connsiteY35" fmla="*/ 227859 h 5581866"/>
+              <a:gd name="connsiteX36" fmla="*/ 3875559 w 6053670"/>
+              <a:gd name="connsiteY36" fmla="*/ 223938 h 5581866"/>
+              <a:gd name="connsiteX37" fmla="*/ 4007529 w 6053670"/>
+              <a:gd name="connsiteY37" fmla="*/ 219391 h 5581866"/>
+              <a:gd name="connsiteX38" fmla="*/ 4140710 w 6053670"/>
+              <a:gd name="connsiteY38" fmla="*/ 212961 h 5581866"/>
+              <a:gd name="connsiteX39" fmla="*/ 4275102 w 6053670"/>
+              <a:gd name="connsiteY39" fmla="*/ 205277 h 5581866"/>
+              <a:gd name="connsiteX40" fmla="*/ 4410098 w 6053670"/>
+              <a:gd name="connsiteY40" fmla="*/ 197907 h 5581866"/>
+              <a:gd name="connsiteX41" fmla="*/ 4545096 w 6053670"/>
+              <a:gd name="connsiteY41" fmla="*/ 188498 h 5581866"/>
+              <a:gd name="connsiteX42" fmla="*/ 4681909 w 6053670"/>
+              <a:gd name="connsiteY42" fmla="*/ 177207 h 5581866"/>
+              <a:gd name="connsiteX43" fmla="*/ 4816905 w 6053670"/>
+              <a:gd name="connsiteY43" fmla="*/ 165916 h 5581866"/>
+              <a:gd name="connsiteX44" fmla="*/ 4954323 w 6053670"/>
+              <a:gd name="connsiteY44" fmla="*/ 152899 h 5581866"/>
+              <a:gd name="connsiteX45" fmla="*/ 5092347 w 6053670"/>
+              <a:gd name="connsiteY45" fmla="*/ 138629 h 5581866"/>
+              <a:gd name="connsiteX46" fmla="*/ 5228555 w 6053670"/>
+              <a:gd name="connsiteY46" fmla="*/ 123574 h 5581866"/>
+              <a:gd name="connsiteX47" fmla="*/ 5366578 w 6053670"/>
+              <a:gd name="connsiteY47" fmla="*/ 106010 h 5581866"/>
+              <a:gd name="connsiteX48" fmla="*/ 5503997 w 6053670"/>
+              <a:gd name="connsiteY48" fmla="*/ 87192 h 5581866"/>
+              <a:gd name="connsiteX49" fmla="*/ 5642020 w 6053670"/>
+              <a:gd name="connsiteY49" fmla="*/ 68530 h 5581866"/>
+              <a:gd name="connsiteX50" fmla="*/ 5779438 w 6053670"/>
+              <a:gd name="connsiteY50" fmla="*/ 46733 h 5581866"/>
+              <a:gd name="connsiteX51" fmla="*/ 5916251 w 6053670"/>
+              <a:gd name="connsiteY51" fmla="*/ 24464 h 5581866"/>
+            </a:gdLst>
+            <a:ahLst/>
+            <a:cxnLst>
+              <a:cxn ang="0">
+                <a:pos x="connsiteX0" y="connsiteY0"/>
+              </a:cxn>
+              <a:cxn ang="0">
+                <a:pos x="connsiteX1" y="connsiteY1"/>
+              </a:cxn>
+              <a:cxn ang="0">
+                <a:pos x="connsiteX2" y="connsiteY2"/>
+              </a:cxn>
+              <a:cxn ang="0">
+                <a:pos x="connsiteX3" y="connsiteY3"/>
+              </a:cxn>
+              <a:cxn ang="0">
+                <a:pos x="connsiteX4" y="connsiteY4"/>
+              </a:cxn>
+              <a:cxn ang="0">
+                <a:pos x="connsiteX5" y="connsiteY5"/>
+              </a:cxn>
+              <a:cxn ang="0">
+                <a:pos x="connsiteX6" y="connsiteY6"/>
+              </a:cxn>
+              <a:cxn ang="0">
+                <a:pos x="connsiteX7" y="connsiteY7"/>
+              </a:cxn>
+              <a:cxn ang="0">
+                <a:pos x="connsiteX8" y="connsiteY8"/>
+              </a:cxn>
+              <a:cxn ang="0">
+                <a:pos x="connsiteX9" y="connsiteY9"/>
+              </a:cxn>
+              <a:cxn ang="0">
+                <a:pos x="connsiteX10" y="connsiteY10"/>
+              </a:cxn>
+              <a:cxn ang="0">
+                <a:pos x="connsiteX11" y="connsiteY11"/>
+              </a:cxn>
+              <a:cxn ang="0">
+                <a:pos x="connsiteX12" y="connsiteY12"/>
+              </a:cxn>
+              <a:cxn ang="0">
+                <a:pos x="connsiteX13" y="connsiteY13"/>
+              </a:cxn>
+              <a:cxn ang="0">
+                <a:pos x="connsiteX14" y="connsiteY14"/>
+              </a:cxn>
+              <a:cxn ang="0">
+                <a:pos x="connsiteX15" y="connsiteY15"/>
+              </a:cxn>
+              <a:cxn ang="0">
+                <a:pos x="connsiteX16" y="connsiteY16"/>
+              </a:cxn>
+              <a:cxn ang="0">
+                <a:pos x="connsiteX17" y="connsiteY17"/>
+              </a:cxn>
+              <a:cxn ang="0">
+                <a:pos x="connsiteX18" y="connsiteY18"/>
+              </a:cxn>
+              <a:cxn ang="0">
+                <a:pos x="connsiteX19" y="connsiteY19"/>
+              </a:cxn>
+              <a:cxn ang="0">
+                <a:pos x="connsiteX20" y="connsiteY20"/>
+              </a:cxn>
+              <a:cxn ang="0">
+                <a:pos x="connsiteX21" y="connsiteY21"/>
+              </a:cxn>
+              <a:cxn ang="0">
+                <a:pos x="connsiteX22" y="connsiteY22"/>
+              </a:cxn>
+              <a:cxn ang="0">
+                <a:pos x="connsiteX23" y="connsiteY23"/>
+              </a:cxn>
+              <a:cxn ang="0">
+                <a:pos x="connsiteX24" y="connsiteY24"/>
+              </a:cxn>
+              <a:cxn ang="0">
+                <a:pos x="connsiteX25" y="connsiteY25"/>
+              </a:cxn>
+              <a:cxn ang="0">
+                <a:pos x="connsiteX26" y="connsiteY26"/>
+              </a:cxn>
+              <a:cxn ang="0">
+                <a:pos x="connsiteX27" y="connsiteY27"/>
+              </a:cxn>
+              <a:cxn ang="0">
+                <a:pos x="connsiteX28" y="connsiteY28"/>
+              </a:cxn>
+              <a:cxn ang="0">
+                <a:pos x="connsiteX29" y="connsiteY29"/>
+              </a:cxn>
+              <a:cxn ang="0">
+                <a:pos x="connsiteX30" y="connsiteY30"/>
+              </a:cxn>
+              <a:cxn ang="0">
+                <a:pos x="connsiteX31" y="connsiteY31"/>
+              </a:cxn>
+              <a:cxn ang="0">
+                <a:pos x="connsiteX32" y="connsiteY32"/>
+              </a:cxn>
+              <a:cxn ang="0">
+                <a:pos x="connsiteX33" y="connsiteY33"/>
+              </a:cxn>
+              <a:cxn ang="0">
+                <a:pos x="connsiteX34" y="connsiteY34"/>
+              </a:cxn>
+              <a:cxn ang="0">
+                <a:pos x="connsiteX35" y="connsiteY35"/>
+              </a:cxn>
+              <a:cxn ang="0">
+                <a:pos x="connsiteX36" y="connsiteY36"/>
+              </a:cxn>
+              <a:cxn ang="0">
+                <a:pos x="connsiteX37" y="connsiteY37"/>
+              </a:cxn>
+              <a:cxn ang="0">
+                <a:pos x="connsiteX38" y="connsiteY38"/>
+              </a:cxn>
+              <a:cxn ang="0">
+                <a:pos x="connsiteX39" y="connsiteY39"/>
+              </a:cxn>
+              <a:cxn ang="0">
+                <a:pos x="connsiteX40" y="connsiteY40"/>
+              </a:cxn>
+              <a:cxn ang="0">
+                <a:pos x="connsiteX41" y="connsiteY41"/>
+              </a:cxn>
+              <a:cxn ang="0">
+                <a:pos x="connsiteX42" y="connsiteY42"/>
+              </a:cxn>
+              <a:cxn ang="0">
+                <a:pos x="connsiteX43" y="connsiteY43"/>
+              </a:cxn>
+              <a:cxn ang="0">
+                <a:pos x="connsiteX44" y="connsiteY44"/>
+              </a:cxn>
+              <a:cxn ang="0">
+                <a:pos x="connsiteX45" y="connsiteY45"/>
+              </a:cxn>
+              <a:cxn ang="0">
+                <a:pos x="connsiteX46" y="connsiteY46"/>
+              </a:cxn>
+              <a:cxn ang="0">
+                <a:pos x="connsiteX47" y="connsiteY47"/>
+              </a:cxn>
+              <a:cxn ang="0">
+                <a:pos x="connsiteX48" y="connsiteY48"/>
+              </a:cxn>
+              <a:cxn ang="0">
+                <a:pos x="connsiteX49" y="connsiteY49"/>
+              </a:cxn>
+              <a:cxn ang="0">
+                <a:pos x="connsiteX50" y="connsiteY50"/>
+              </a:cxn>
+              <a:cxn ang="0">
+                <a:pos x="connsiteX51" y="connsiteY51"/>
+              </a:cxn>
+            </a:cxnLst>
+            <a:rect l="l" t="t" r="r" b="b"/>
+            <a:pathLst>
+              <a:path w="6053670" h="5581866">
+                <a:moveTo>
+                  <a:pt x="6053670" y="1098"/>
+                </a:moveTo>
+                <a:lnTo>
+                  <a:pt x="6053670" y="514028"/>
+                </a:lnTo>
+                <a:lnTo>
+                  <a:pt x="6053670" y="1254558"/>
+                </a:lnTo>
+                <a:lnTo>
+                  <a:pt x="6053670" y="5581866"/>
+                </a:lnTo>
+                <a:lnTo>
+                  <a:pt x="0" y="5581866"/>
+                </a:lnTo>
+                <a:lnTo>
+                  <a:pt x="0" y="1249853"/>
+                </a:lnTo>
+                <a:lnTo>
+                  <a:pt x="0" y="514028"/>
+                </a:lnTo>
+                <a:lnTo>
+                  <a:pt x="0" y="0"/>
+                </a:lnTo>
+                <a:lnTo>
+                  <a:pt x="35717" y="5488"/>
+                </a:lnTo>
+                <a:lnTo>
+                  <a:pt x="140445" y="21641"/>
+                </a:lnTo>
+                <a:lnTo>
+                  <a:pt x="216722" y="32932"/>
+                </a:lnTo>
+                <a:lnTo>
+                  <a:pt x="307527" y="44850"/>
+                </a:lnTo>
+                <a:lnTo>
+                  <a:pt x="415282" y="59121"/>
+                </a:lnTo>
+                <a:lnTo>
+                  <a:pt x="534539" y="74175"/>
+                </a:lnTo>
+                <a:lnTo>
+                  <a:pt x="668931" y="90014"/>
+                </a:lnTo>
+                <a:lnTo>
+                  <a:pt x="815430" y="106794"/>
+                </a:lnTo>
+                <a:lnTo>
+                  <a:pt x="974641" y="123574"/>
+                </a:lnTo>
+                <a:lnTo>
+                  <a:pt x="1144144" y="140667"/>
+                </a:lnTo>
+                <a:lnTo>
+                  <a:pt x="1326965" y="156506"/>
+                </a:lnTo>
+                <a:lnTo>
+                  <a:pt x="1518261" y="171717"/>
+                </a:lnTo>
+                <a:lnTo>
+                  <a:pt x="1720453" y="185518"/>
+                </a:lnTo>
+                <a:lnTo>
+                  <a:pt x="1931121" y="198690"/>
+                </a:lnTo>
+                <a:lnTo>
+                  <a:pt x="2150869" y="211079"/>
+                </a:lnTo>
+                <a:lnTo>
+                  <a:pt x="2263467" y="215470"/>
+                </a:lnTo>
+                <a:lnTo>
+                  <a:pt x="2378487" y="220332"/>
+                </a:lnTo>
+                <a:lnTo>
+                  <a:pt x="2495323" y="224879"/>
+                </a:lnTo>
+                <a:lnTo>
+                  <a:pt x="2612764" y="227859"/>
+                </a:lnTo>
+                <a:lnTo>
+                  <a:pt x="2732627" y="230525"/>
+                </a:lnTo>
+                <a:lnTo>
+                  <a:pt x="2853700" y="233348"/>
+                </a:lnTo>
+                <a:lnTo>
+                  <a:pt x="2977195" y="235229"/>
+                </a:lnTo>
+                <a:lnTo>
+                  <a:pt x="3101900" y="235229"/>
+                </a:lnTo>
+                <a:lnTo>
+                  <a:pt x="3227817" y="236170"/>
+                </a:lnTo>
+                <a:lnTo>
+                  <a:pt x="3354944" y="235229"/>
+                </a:lnTo>
+                <a:lnTo>
+                  <a:pt x="3483887" y="233348"/>
+                </a:lnTo>
+                <a:lnTo>
+                  <a:pt x="3612830" y="231623"/>
+                </a:lnTo>
+                <a:lnTo>
+                  <a:pt x="3743589" y="227859"/>
+                </a:lnTo>
+                <a:lnTo>
+                  <a:pt x="3875559" y="223938"/>
+                </a:lnTo>
+                <a:lnTo>
+                  <a:pt x="4007529" y="219391"/>
+                </a:lnTo>
+                <a:lnTo>
+                  <a:pt x="4140710" y="212961"/>
+                </a:lnTo>
+                <a:lnTo>
+                  <a:pt x="4275102" y="205277"/>
+                </a:lnTo>
+                <a:lnTo>
+                  <a:pt x="4410098" y="197907"/>
+                </a:lnTo>
+                <a:lnTo>
+                  <a:pt x="4545096" y="188498"/>
+                </a:lnTo>
+                <a:lnTo>
+                  <a:pt x="4681909" y="177207"/>
+                </a:lnTo>
+                <a:lnTo>
+                  <a:pt x="4816905" y="165916"/>
+                </a:lnTo>
+                <a:lnTo>
+                  <a:pt x="4954323" y="152899"/>
+                </a:lnTo>
+                <a:lnTo>
+                  <a:pt x="5092347" y="138629"/>
+                </a:lnTo>
+                <a:lnTo>
+                  <a:pt x="5228555" y="123574"/>
+                </a:lnTo>
+                <a:lnTo>
+                  <a:pt x="5366578" y="106010"/>
+                </a:lnTo>
+                <a:lnTo>
+                  <a:pt x="5503997" y="87192"/>
+                </a:lnTo>
+                <a:lnTo>
+                  <a:pt x="5642020" y="68530"/>
+                </a:lnTo>
+                <a:lnTo>
+                  <a:pt x="5779438" y="46733"/>
+                </a:lnTo>
+                <a:lnTo>
+                  <a:pt x="5916251" y="24464"/>
+                </a:lnTo>
+                <a:close/>
+              </a:path>
+            </a:pathLst>
+          </a:custGeom>
+          <a:solidFill>
+            <a:schemeClr val="tx1"/>
+          </a:solidFill>
+          <a:ln>
+            <a:noFill/>
+          </a:ln>
+        </p:spPr>
+      </p:sp>
+      <p:sp>
+        <p:nvSpPr>
+          <p:cNvPr id="33" name="Freeform 5">
+            <a:extLst>
+              <a:ext uri="{FF2B5EF4-FFF2-40B4-BE49-F238E27FC236}">
+                <a16:creationId xmlns:a16="http://schemas.microsoft.com/office/drawing/2014/main" id="{B5C860C9-D4F9-4350-80DA-0D1CD36C7741}"/>
+              </a:ext>
+              <a:ext uri="{C183D7F6-B498-43B3-948B-1728B52AA6E4}">
+                <adec:decorative xmlns:adec="http://schemas.microsoft.com/office/drawing/2017/decorative" val="1"/>
+              </a:ext>
+            </a:extLst>
+          </p:cNvPr>
+          <p:cNvSpPr>
+            <a:spLocks noGrp="1" noRot="1" noChangeAspect="1" noMove="1" noResize="1" noEditPoints="1" noAdjustHandles="1" noChangeArrowheads="1" noChangeShapeType="1" noTextEdit="1"/>
+          </p:cNvSpPr>
+          <p:nvPr>
+            <p:extLst>
+              <p:ext uri="{386F3935-93C4-4BCD-93E2-E3B085C9AB24}">
+                <p16:designElem xmlns:p16="http://schemas.microsoft.com/office/powerpoint/2015/main" val="1"/>
+              </p:ext>
+            </p:extLst>
+          </p:nvPr>
+        </p:nvSpPr>
+        <p:spPr bwMode="gray">
+          <a:xfrm>
+            <a:off x="0" y="1587"/>
+            <a:ext cx="12192000" cy="6856413"/>
+          </a:xfrm>
+          <a:custGeom>
+            <a:avLst/>
+            <a:gdLst/>
+            <a:ahLst/>
+            <a:cxnLst/>
+            <a:rect l="0" t="0" r="r" b="b"/>
+            <a:pathLst>
+              <a:path w="15356" h="8638">
+                <a:moveTo>
+                  <a:pt x="0" y="0"/>
+                </a:moveTo>
+                <a:lnTo>
+                  <a:pt x="0" y="8638"/>
+                </a:lnTo>
+                <a:lnTo>
+                  <a:pt x="15356" y="8638"/>
+                </a:lnTo>
+                <a:lnTo>
+                  <a:pt x="15356" y="0"/>
+                </a:lnTo>
+                <a:lnTo>
+                  <a:pt x="0" y="0"/>
+                </a:lnTo>
+                <a:close/>
+                <a:moveTo>
+                  <a:pt x="14748" y="8038"/>
+                </a:moveTo>
+                <a:lnTo>
+                  <a:pt x="600" y="8038"/>
+                </a:lnTo>
+                <a:lnTo>
+                  <a:pt x="600" y="592"/>
+                </a:lnTo>
+                <a:lnTo>
+                  <a:pt x="14748" y="592"/>
+                </a:lnTo>
+                <a:lnTo>
+                  <a:pt x="14748" y="8038"/>
+                </a:lnTo>
+                <a:close/>
+              </a:path>
+            </a:pathLst>
+          </a:custGeom>
+          <a:solidFill>
+            <a:schemeClr val="tx1"/>
+          </a:solidFill>
+          <a:ln>
+            <a:noFill/>
+          </a:ln>
+        </p:spPr>
+      </p:sp>
+      <p:sp>
+        <p:nvSpPr>
+          <p:cNvPr id="2" name="Title 1">
+            <a:extLst>
+              <a:ext uri="{FF2B5EF4-FFF2-40B4-BE49-F238E27FC236}">
+                <a16:creationId xmlns:a16="http://schemas.microsoft.com/office/drawing/2014/main" id="{CB012FBC-D401-4A92-BEF6-9A6BCD99B742}"/>
+              </a:ext>
+            </a:extLst>
+          </p:cNvPr>
+          <p:cNvSpPr>
+            <a:spLocks noGrp="1"/>
+          </p:cNvSpPr>
+          <p:nvPr>
+            <p:ph type="title"/>
+          </p:nvPr>
+        </p:nvSpPr>
+        <p:spPr>
+          <a:xfrm>
+            <a:off x="639098" y="629265"/>
+            <a:ext cx="5132438" cy="1622322"/>
+          </a:xfrm>
+        </p:spPr>
+        <p:txBody>
+          <a:bodyPr>
+            <a:normAutofit/>
+          </a:bodyPr>
+          <a:lstStyle/>
+          <a:p>
+            <a:r>
+              <a:rPr lang="en-US" dirty="0">
+                <a:solidFill>
+                  <a:srgbClr val="EBEBEB"/>
+                </a:solidFill>
+              </a:rPr>
+              <a:t>Third step: Website development</a:t>
+            </a:r>
+          </a:p>
+        </p:txBody>
+      </p:sp>
+      <p:pic>
+        <p:nvPicPr>
+          <p:cNvPr id="7" name="Picture 6">
+            <a:extLst>
+              <a:ext uri="{FF2B5EF4-FFF2-40B4-BE49-F238E27FC236}">
+                <a16:creationId xmlns:a16="http://schemas.microsoft.com/office/drawing/2014/main" id="{B205948A-D160-4A35-8C49-87779FEABD98}"/>
+              </a:ext>
+            </a:extLst>
+          </p:cNvPr>
+          <p:cNvPicPr>
+            <a:picLocks noChangeAspect="1"/>
+          </p:cNvPicPr>
+          <p:nvPr/>
+        </p:nvPicPr>
+        <p:blipFill>
+          <a:blip r:embed="rId2">
+            <a:extLst>
+              <a:ext uri="{28A0092B-C50C-407E-A947-70E740481C1C}">
+                <a14:useLocalDpi xmlns:a14="http://schemas.microsoft.com/office/drawing/2010/main" val="0"/>
+              </a:ext>
+            </a:extLst>
+          </a:blip>
+          <a:stretch>
+            <a:fillRect/>
+          </a:stretch>
+        </p:blipFill>
+        <p:spPr>
+          <a:xfrm>
+            <a:off x="6714836" y="1826210"/>
+            <a:ext cx="4828707" cy="3223161"/>
+          </a:xfrm>
+          <a:prstGeom prst="rect">
+            <a:avLst/>
+          </a:prstGeom>
+        </p:spPr>
+      </p:pic>
+      <p:sp>
+        <p:nvSpPr>
+          <p:cNvPr id="35" name="Rectangle 34">
+            <a:extLst>
+              <a:ext uri="{FF2B5EF4-FFF2-40B4-BE49-F238E27FC236}">
+                <a16:creationId xmlns:a16="http://schemas.microsoft.com/office/drawing/2014/main" id="{538A90C8-AE0E-4EBA-9AF8-EEDB206020E0}"/>
+              </a:ext>
+              <a:ext uri="{C183D7F6-B498-43B3-948B-1728B52AA6E4}">
+                <adec:decorative xmlns:adec="http://schemas.microsoft.com/office/drawing/2017/decorative" val="1"/>
+              </a:ext>
+            </a:extLst>
+          </p:cNvPr>
+          <p:cNvSpPr>
+            <a:spLocks noGrp="1" noRot="1" noChangeAspect="1" noMove="1" noResize="1" noEditPoints="1" noAdjustHandles="1" noChangeArrowheads="1" noChangeShapeType="1" noTextEdit="1"/>
+          </p:cNvSpPr>
+          <p:nvPr>
+            <p:extLst>
+              <p:ext uri="{386F3935-93C4-4BCD-93E2-E3B085C9AB24}">
+                <p16:designElem xmlns:p16="http://schemas.microsoft.com/office/powerpoint/2015/main" val="1"/>
+              </p:ext>
+            </p:extLst>
+          </p:nvPr>
+        </p:nvSpPr>
+        <p:spPr>
+          <a:xfrm>
+            <a:off x="10437812" y="0"/>
+            <a:ext cx="685800" cy="1143000"/>
+          </a:xfrm>
+          <a:prstGeom prst="rect">
+            <a:avLst/>
+          </a:prstGeom>
+          <a:solidFill>
+            <a:schemeClr val="accent1"/>
+          </a:solidFill>
+          <a:ln>
+            <a:noFill/>
+          </a:ln>
+        </p:spPr>
+        <p:style>
+          <a:lnRef idx="1">
+            <a:schemeClr val="accent1"/>
+          </a:lnRef>
+          <a:fillRef idx="3">
+            <a:schemeClr val="accent1"/>
+          </a:fillRef>
+          <a:effectRef idx="2">
+            <a:schemeClr val="accent1"/>
+          </a:effectRef>
+          <a:fontRef idx="minor">
+            <a:schemeClr val="lt1"/>
+          </a:fontRef>
+        </p:style>
+      </p:sp>
+      <p:sp>
+        <p:nvSpPr>
+          <p:cNvPr id="3" name="Content Placeholder 2">
+            <a:extLst>
+              <a:ext uri="{FF2B5EF4-FFF2-40B4-BE49-F238E27FC236}">
+                <a16:creationId xmlns:a16="http://schemas.microsoft.com/office/drawing/2014/main" id="{BECBD6DB-B94D-490B-B770-1A454AA07DB6}"/>
+              </a:ext>
+            </a:extLst>
+          </p:cNvPr>
+          <p:cNvSpPr>
+            <a:spLocks noGrp="1"/>
+          </p:cNvSpPr>
+          <p:nvPr>
+            <p:ph idx="1"/>
+          </p:nvPr>
+        </p:nvSpPr>
+        <p:spPr>
+          <a:xfrm>
+            <a:off x="639098" y="2418735"/>
+            <a:ext cx="5132439" cy="3811742"/>
+          </a:xfrm>
+        </p:spPr>
+        <p:txBody>
+          <a:bodyPr anchor="ctr">
+            <a:normAutofit/>
+          </a:bodyPr>
+          <a:lstStyle/>
+          <a:p>
+            <a:r>
+              <a:rPr lang="en-US" dirty="0">
+                <a:solidFill>
+                  <a:srgbClr val="FFFFFF"/>
+                </a:solidFill>
+              </a:rPr>
+              <a:t>Putting together the website using files created in second step.</a:t>
+            </a:r>
+          </a:p>
+          <a:p>
+            <a:r>
+              <a:rPr lang="en-US" dirty="0">
+                <a:solidFill>
+                  <a:srgbClr val="FFFFFF"/>
+                </a:solidFill>
+              </a:rPr>
+              <a:t>Used HTML, Flask, </a:t>
+            </a:r>
+            <a:r>
+              <a:rPr lang="en-US" dirty="0" err="1">
+                <a:solidFill>
+                  <a:srgbClr val="FFFFFF"/>
+                </a:solidFill>
+              </a:rPr>
+              <a:t>Javascript</a:t>
+            </a:r>
+            <a:r>
+              <a:rPr lang="en-US" dirty="0">
+                <a:solidFill>
+                  <a:srgbClr val="FFFFFF"/>
+                </a:solidFill>
+              </a:rPr>
+              <a:t>, CSS, D3 and SQLite.</a:t>
+            </a:r>
+          </a:p>
+        </p:txBody>
+      </p:sp>
+    </p:spTree>
+    <p:extLst>
+      <p:ext uri="{BB962C8B-B14F-4D97-AF65-F5344CB8AC3E}">
+        <p14:creationId xmlns:p14="http://schemas.microsoft.com/office/powerpoint/2010/main" val="2233771488"/>
+      </p:ext>
+    </p:extLst>
+  </p:cSld>
+  <p:clrMapOvr>
+    <a:overrideClrMapping bg1="dk1" tx1="lt1" bg2="dk2" tx2="lt2" accent1="accent1" accent2="accent2" accent3="accent3" accent4="accent4" accent5="accent5" accent6="accent6" hlink="hlink" folHlink="folHlink"/>
+  </p:clrMapOvr>
+</p:sld>
+</file>
+
+<file path=ppt/slides/slide8.xml><?xml version="1.0" encoding="utf-8"?>
+<p:sld xmlns:a="http://schemas.openxmlformats.org/drawingml/2006/main" xmlns:r="http://schemas.openxmlformats.org/officeDocument/2006/relationships" xmlns:p="http://schemas.openxmlformats.org/presentationml/2006/main">
+  <p:cSld>
+    <p:bg>
+      <p:bgPr>
+        <a:solidFill>
+          <a:schemeClr val="bg1"/>
+        </a:solidFill>
+        <a:effectLst/>
+      </p:bgPr>
+    </p:bg>
+    <p:spTree>
+      <p:nvGrpSpPr>
+        <p:cNvPr id="1" name=""/>
+        <p:cNvGrpSpPr/>
+        <p:nvPr/>
+      </p:nvGrpSpPr>
+      <p:grpSpPr>
+        <a:xfrm>
+          <a:off x="0" y="0"/>
+          <a:ext cx="0" cy="0"/>
+          <a:chOff x="0" y="0"/>
+          <a:chExt cx="0" cy="0"/>
+        </a:xfrm>
+      </p:grpSpPr>
+      <p:sp>
+        <p:nvSpPr>
+          <p:cNvPr id="27" name="Rectangle 26">
+            <a:extLst>
+              <a:ext uri="{FF2B5EF4-FFF2-40B4-BE49-F238E27FC236}">
+                <a16:creationId xmlns:a16="http://schemas.microsoft.com/office/drawing/2014/main" id="{F70C2B8F-6B1B-46D5-86E6-40F36C695FC2}"/>
+              </a:ext>
+              <a:ext uri="{C183D7F6-B498-43B3-948B-1728B52AA6E4}">
+                <adec:decorative xmlns:adec="http://schemas.microsoft.com/office/drawing/2017/decorative" val="1"/>
+              </a:ext>
+            </a:extLst>
+          </p:cNvPr>
+          <p:cNvSpPr>
+            <a:spLocks noGrp="1" noRot="1" noChangeAspect="1" noMove="1" noResize="1" noEditPoints="1" noAdjustHandles="1" noChangeArrowheads="1" noChangeShapeType="1" noTextEdit="1"/>
+          </p:cNvSpPr>
+          <p:nvPr>
+            <p:extLst>
+              <p:ext uri="{386F3935-93C4-4BCD-93E2-E3B085C9AB24}">
+                <p16:designElem xmlns:p16="http://schemas.microsoft.com/office/powerpoint/2015/main" val="1"/>
+              </p:ext>
+            </p:extLst>
+          </p:nvPr>
+        </p:nvSpPr>
+        <p:spPr>
+          <a:xfrm>
+            <a:off x="0" y="0"/>
+            <a:ext cx="12192000" cy="6858000"/>
+          </a:xfrm>
+          <a:prstGeom prst="rect">
+            <a:avLst/>
+          </a:prstGeom>
+          <a:ln>
+            <a:noFill/>
+          </a:ln>
+        </p:spPr>
+        <p:style>
+          <a:lnRef idx="2">
+            <a:schemeClr val="accent1">
+              <a:shade val="50000"/>
+            </a:schemeClr>
+          </a:lnRef>
+          <a:fillRef idx="1003">
+            <a:schemeClr val="dk2"/>
+          </a:fillRef>
+          <a:effectRef idx="0">
+            <a:schemeClr val="accent1"/>
+          </a:effectRef>
+          <a:fontRef idx="minor">
+            <a:schemeClr val="lt1"/>
+          </a:fontRef>
+        </p:style>
+      </p:sp>
+      <p:sp>
+        <p:nvSpPr>
+          <p:cNvPr id="29" name="Freeform 5">
+            <a:extLst>
+              <a:ext uri="{FF2B5EF4-FFF2-40B4-BE49-F238E27FC236}">
+                <a16:creationId xmlns:a16="http://schemas.microsoft.com/office/drawing/2014/main" id="{DB521824-592C-476A-AB0A-CA0C6D1F3407}"/>
+              </a:ext>
+              <a:ext uri="{C183D7F6-B498-43B3-948B-1728B52AA6E4}">
+                <adec:decorative xmlns:adec="http://schemas.microsoft.com/office/drawing/2017/decorative" val="1"/>
+              </a:ext>
+            </a:extLst>
+          </p:cNvPr>
+          <p:cNvSpPr>
+            <a:spLocks noGrp="1" noRot="1" noChangeAspect="1" noMove="1" noResize="1" noEditPoints="1" noAdjustHandles="1" noChangeArrowheads="1" noChangeShapeType="1" noTextEdit="1"/>
+          </p:cNvSpPr>
+          <p:nvPr>
+            <p:extLst>
+              <p:ext uri="{386F3935-93C4-4BCD-93E2-E3B085C9AB24}">
+                <p16:designElem xmlns:p16="http://schemas.microsoft.com/office/powerpoint/2015/main" val="1"/>
+              </p:ext>
+            </p:extLst>
+          </p:nvPr>
+        </p:nvSpPr>
+        <p:spPr bwMode="gray">
+          <a:xfrm rot="15922489">
+            <a:off x="4698352" y="1826078"/>
+            <a:ext cx="3299407" cy="440924"/>
+          </a:xfrm>
+          <a:custGeom>
+            <a:avLst/>
+            <a:gdLst/>
+            <a:ahLst/>
+            <a:cxnLst/>
+            <a:rect l="l" t="t" r="r" b="b"/>
+            <a:pathLst>
+              <a:path w="10000" h="5291">
+                <a:moveTo>
+                  <a:pt x="85" y="2532"/>
+                </a:moveTo>
+                <a:cubicBezTo>
+                  <a:pt x="1736" y="3911"/>
+                  <a:pt x="7524" y="5298"/>
+                  <a:pt x="9958" y="5291"/>
+                </a:cubicBezTo>
+                <a:cubicBezTo>
+                  <a:pt x="9989" y="1958"/>
+                  <a:pt x="9969" y="3333"/>
+                  <a:pt x="10000" y="0"/>
+                </a:cubicBezTo>
+                <a:lnTo>
+                  <a:pt x="10000" y="0"/>
+                </a:lnTo>
+                <a:lnTo>
+                  <a:pt x="9667" y="204"/>
+                </a:lnTo>
+                <a:lnTo>
+                  <a:pt x="9334" y="400"/>
+                </a:lnTo>
+                <a:lnTo>
+                  <a:pt x="9001" y="590"/>
+                </a:lnTo>
+                <a:lnTo>
+                  <a:pt x="8667" y="753"/>
+                </a:lnTo>
+                <a:lnTo>
+                  <a:pt x="8333" y="917"/>
+                </a:lnTo>
+                <a:lnTo>
+                  <a:pt x="7999" y="1071"/>
+                </a:lnTo>
+                <a:lnTo>
+                  <a:pt x="7669" y="1202"/>
+                </a:lnTo>
+                <a:lnTo>
+                  <a:pt x="7333" y="1325"/>
+                </a:lnTo>
+                <a:lnTo>
+                  <a:pt x="7000" y="1440"/>
+                </a:lnTo>
+                <a:lnTo>
+                  <a:pt x="6673" y="1538"/>
+                </a:lnTo>
+                <a:lnTo>
+                  <a:pt x="6340" y="1636"/>
+                </a:lnTo>
+                <a:lnTo>
+                  <a:pt x="6013" y="1719"/>
+                </a:lnTo>
+                <a:lnTo>
+                  <a:pt x="5686" y="1784"/>
+                </a:lnTo>
+                <a:lnTo>
+                  <a:pt x="5359" y="1850"/>
+                </a:lnTo>
+                <a:lnTo>
+                  <a:pt x="5036" y="1906"/>
+                </a:lnTo>
+                <a:lnTo>
+                  <a:pt x="4717" y="1948"/>
+                </a:lnTo>
+                <a:lnTo>
+                  <a:pt x="4396" y="1980"/>
+                </a:lnTo>
+                <a:lnTo>
+                  <a:pt x="4079" y="2013"/>
+                </a:lnTo>
+                <a:lnTo>
+                  <a:pt x="3766" y="2029"/>
+                </a:lnTo>
+                <a:lnTo>
+                  <a:pt x="3454" y="2046"/>
+                </a:lnTo>
+                <a:lnTo>
+                  <a:pt x="3145" y="2053"/>
+                </a:lnTo>
+                <a:lnTo>
+                  <a:pt x="2839" y="2046"/>
+                </a:lnTo>
+                <a:lnTo>
+                  <a:pt x="2537" y="2046"/>
+                </a:lnTo>
+                <a:lnTo>
+                  <a:pt x="2238" y="2029"/>
+                </a:lnTo>
+                <a:lnTo>
+                  <a:pt x="1943" y="2004"/>
+                </a:lnTo>
+                <a:lnTo>
+                  <a:pt x="1653" y="1980"/>
+                </a:lnTo>
+                <a:lnTo>
+                  <a:pt x="1368" y="1955"/>
+                </a:lnTo>
+                <a:lnTo>
+                  <a:pt x="1085" y="1915"/>
+                </a:lnTo>
+                <a:lnTo>
+                  <a:pt x="806" y="1873"/>
+                </a:lnTo>
+                <a:lnTo>
+                  <a:pt x="533" y="1833"/>
+                </a:lnTo>
+                <a:lnTo>
+                  <a:pt x="0" y="1726"/>
+                </a:lnTo>
+                <a:cubicBezTo>
+                  <a:pt x="28" y="1995"/>
+                  <a:pt x="57" y="2263"/>
+                  <a:pt x="85" y="2532"/>
+                </a:cubicBezTo>
+                <a:close/>
+              </a:path>
+            </a:pathLst>
+          </a:custGeom>
+          <a:solidFill>
+            <a:schemeClr val="tx1">
+              <a:alpha val="20000"/>
+            </a:schemeClr>
+          </a:solidFill>
+          <a:ln>
+            <a:noFill/>
+          </a:ln>
+        </p:spPr>
+      </p:sp>
+      <p:sp>
+        <p:nvSpPr>
+          <p:cNvPr id="31" name="Freeform: Shape 30">
+            <a:extLst>
+              <a:ext uri="{FF2B5EF4-FFF2-40B4-BE49-F238E27FC236}">
+                <a16:creationId xmlns:a16="http://schemas.microsoft.com/office/drawing/2014/main" id="{A2749EFA-8EE4-4EB8-9424-8E593B9320AD}"/>
+              </a:ext>
+              <a:ext uri="{C183D7F6-B498-43B3-948B-1728B52AA6E4}">
+                <adec:decorative xmlns:adec="http://schemas.microsoft.com/office/drawing/2017/decorative" val="1"/>
+              </a:ext>
+            </a:extLst>
+          </p:cNvPr>
+          <p:cNvSpPr>
+            <a:spLocks noGrp="1" noRot="1" noChangeAspect="1" noMove="1" noResize="1" noEditPoints="1" noAdjustHandles="1" noChangeArrowheads="1" noChangeShapeType="1" noTextEdit="1"/>
+          </p:cNvSpPr>
+          <p:nvPr>
+            <p:extLst>
+              <p:ext uri="{386F3935-93C4-4BCD-93E2-E3B085C9AB24}">
+                <p16:designElem xmlns:p16="http://schemas.microsoft.com/office/powerpoint/2015/main" val="1"/>
+              </p:ext>
+            </p:extLst>
+          </p:nvPr>
+        </p:nvSpPr>
+        <p:spPr bwMode="gray">
+          <a:xfrm rot="16200000">
+            <a:off x="5950898" y="638067"/>
+            <a:ext cx="6053670" cy="5581866"/>
+          </a:xfrm>
+          <a:custGeom>
+            <a:avLst/>
+            <a:gdLst>
+              <a:gd name="connsiteX0" fmla="*/ 6053670 w 6053670"/>
+              <a:gd name="connsiteY0" fmla="*/ 1098 h 5581866"/>
+              <a:gd name="connsiteX1" fmla="*/ 6053670 w 6053670"/>
+              <a:gd name="connsiteY1" fmla="*/ 514028 h 5581866"/>
+              <a:gd name="connsiteX2" fmla="*/ 6053670 w 6053670"/>
+              <a:gd name="connsiteY2" fmla="*/ 1254558 h 5581866"/>
+              <a:gd name="connsiteX3" fmla="*/ 6053670 w 6053670"/>
+              <a:gd name="connsiteY3" fmla="*/ 5581866 h 5581866"/>
+              <a:gd name="connsiteX4" fmla="*/ 0 w 6053670"/>
+              <a:gd name="connsiteY4" fmla="*/ 5581866 h 5581866"/>
+              <a:gd name="connsiteX5" fmla="*/ 0 w 6053670"/>
+              <a:gd name="connsiteY5" fmla="*/ 1249853 h 5581866"/>
+              <a:gd name="connsiteX6" fmla="*/ 0 w 6053670"/>
+              <a:gd name="connsiteY6" fmla="*/ 514028 h 5581866"/>
+              <a:gd name="connsiteX7" fmla="*/ 0 w 6053670"/>
+              <a:gd name="connsiteY7" fmla="*/ 0 h 5581866"/>
+              <a:gd name="connsiteX8" fmla="*/ 35717 w 6053670"/>
+              <a:gd name="connsiteY8" fmla="*/ 5488 h 5581866"/>
+              <a:gd name="connsiteX9" fmla="*/ 140445 w 6053670"/>
+              <a:gd name="connsiteY9" fmla="*/ 21641 h 5581866"/>
+              <a:gd name="connsiteX10" fmla="*/ 216722 w 6053670"/>
+              <a:gd name="connsiteY10" fmla="*/ 32932 h 5581866"/>
+              <a:gd name="connsiteX11" fmla="*/ 307527 w 6053670"/>
+              <a:gd name="connsiteY11" fmla="*/ 44850 h 5581866"/>
+              <a:gd name="connsiteX12" fmla="*/ 415282 w 6053670"/>
+              <a:gd name="connsiteY12" fmla="*/ 59121 h 5581866"/>
+              <a:gd name="connsiteX13" fmla="*/ 534539 w 6053670"/>
+              <a:gd name="connsiteY13" fmla="*/ 74175 h 5581866"/>
+              <a:gd name="connsiteX14" fmla="*/ 668931 w 6053670"/>
+              <a:gd name="connsiteY14" fmla="*/ 90014 h 5581866"/>
+              <a:gd name="connsiteX15" fmla="*/ 815430 w 6053670"/>
+              <a:gd name="connsiteY15" fmla="*/ 106794 h 5581866"/>
+              <a:gd name="connsiteX16" fmla="*/ 974641 w 6053670"/>
+              <a:gd name="connsiteY16" fmla="*/ 123574 h 5581866"/>
+              <a:gd name="connsiteX17" fmla="*/ 1144144 w 6053670"/>
+              <a:gd name="connsiteY17" fmla="*/ 140667 h 5581866"/>
+              <a:gd name="connsiteX18" fmla="*/ 1326965 w 6053670"/>
+              <a:gd name="connsiteY18" fmla="*/ 156506 h 5581866"/>
+              <a:gd name="connsiteX19" fmla="*/ 1518261 w 6053670"/>
+              <a:gd name="connsiteY19" fmla="*/ 171717 h 5581866"/>
+              <a:gd name="connsiteX20" fmla="*/ 1720453 w 6053670"/>
+              <a:gd name="connsiteY20" fmla="*/ 185518 h 5581866"/>
+              <a:gd name="connsiteX21" fmla="*/ 1931121 w 6053670"/>
+              <a:gd name="connsiteY21" fmla="*/ 198690 h 5581866"/>
+              <a:gd name="connsiteX22" fmla="*/ 2150869 w 6053670"/>
+              <a:gd name="connsiteY22" fmla="*/ 211079 h 5581866"/>
+              <a:gd name="connsiteX23" fmla="*/ 2263467 w 6053670"/>
+              <a:gd name="connsiteY23" fmla="*/ 215470 h 5581866"/>
+              <a:gd name="connsiteX24" fmla="*/ 2378487 w 6053670"/>
+              <a:gd name="connsiteY24" fmla="*/ 220332 h 5581866"/>
+              <a:gd name="connsiteX25" fmla="*/ 2495323 w 6053670"/>
+              <a:gd name="connsiteY25" fmla="*/ 224879 h 5581866"/>
+              <a:gd name="connsiteX26" fmla="*/ 2612764 w 6053670"/>
+              <a:gd name="connsiteY26" fmla="*/ 227859 h 5581866"/>
+              <a:gd name="connsiteX27" fmla="*/ 2732627 w 6053670"/>
+              <a:gd name="connsiteY27" fmla="*/ 230525 h 5581866"/>
+              <a:gd name="connsiteX28" fmla="*/ 2853700 w 6053670"/>
+              <a:gd name="connsiteY28" fmla="*/ 233348 h 5581866"/>
+              <a:gd name="connsiteX29" fmla="*/ 2977195 w 6053670"/>
+              <a:gd name="connsiteY29" fmla="*/ 235229 h 5581866"/>
+              <a:gd name="connsiteX30" fmla="*/ 3101900 w 6053670"/>
+              <a:gd name="connsiteY30" fmla="*/ 235229 h 5581866"/>
+              <a:gd name="connsiteX31" fmla="*/ 3227817 w 6053670"/>
+              <a:gd name="connsiteY31" fmla="*/ 236170 h 5581866"/>
+              <a:gd name="connsiteX32" fmla="*/ 3354944 w 6053670"/>
+              <a:gd name="connsiteY32" fmla="*/ 235229 h 5581866"/>
+              <a:gd name="connsiteX33" fmla="*/ 3483887 w 6053670"/>
+              <a:gd name="connsiteY33" fmla="*/ 233348 h 5581866"/>
+              <a:gd name="connsiteX34" fmla="*/ 3612830 w 6053670"/>
+              <a:gd name="connsiteY34" fmla="*/ 231623 h 5581866"/>
+              <a:gd name="connsiteX35" fmla="*/ 3743589 w 6053670"/>
+              <a:gd name="connsiteY35" fmla="*/ 227859 h 5581866"/>
+              <a:gd name="connsiteX36" fmla="*/ 3875559 w 6053670"/>
+              <a:gd name="connsiteY36" fmla="*/ 223938 h 5581866"/>
+              <a:gd name="connsiteX37" fmla="*/ 4007529 w 6053670"/>
+              <a:gd name="connsiteY37" fmla="*/ 219391 h 5581866"/>
+              <a:gd name="connsiteX38" fmla="*/ 4140710 w 6053670"/>
+              <a:gd name="connsiteY38" fmla="*/ 212961 h 5581866"/>
+              <a:gd name="connsiteX39" fmla="*/ 4275102 w 6053670"/>
+              <a:gd name="connsiteY39" fmla="*/ 205277 h 5581866"/>
+              <a:gd name="connsiteX40" fmla="*/ 4410098 w 6053670"/>
+              <a:gd name="connsiteY40" fmla="*/ 197907 h 5581866"/>
+              <a:gd name="connsiteX41" fmla="*/ 4545096 w 6053670"/>
+              <a:gd name="connsiteY41" fmla="*/ 188498 h 5581866"/>
+              <a:gd name="connsiteX42" fmla="*/ 4681909 w 6053670"/>
+              <a:gd name="connsiteY42" fmla="*/ 177207 h 5581866"/>
+              <a:gd name="connsiteX43" fmla="*/ 4816905 w 6053670"/>
+              <a:gd name="connsiteY43" fmla="*/ 165916 h 5581866"/>
+              <a:gd name="connsiteX44" fmla="*/ 4954323 w 6053670"/>
+              <a:gd name="connsiteY44" fmla="*/ 152899 h 5581866"/>
+              <a:gd name="connsiteX45" fmla="*/ 5092347 w 6053670"/>
+              <a:gd name="connsiteY45" fmla="*/ 138629 h 5581866"/>
+              <a:gd name="connsiteX46" fmla="*/ 5228555 w 6053670"/>
+              <a:gd name="connsiteY46" fmla="*/ 123574 h 5581866"/>
+              <a:gd name="connsiteX47" fmla="*/ 5366578 w 6053670"/>
+              <a:gd name="connsiteY47" fmla="*/ 106010 h 5581866"/>
+              <a:gd name="connsiteX48" fmla="*/ 5503997 w 6053670"/>
+              <a:gd name="connsiteY48" fmla="*/ 87192 h 5581866"/>
+              <a:gd name="connsiteX49" fmla="*/ 5642020 w 6053670"/>
+              <a:gd name="connsiteY49" fmla="*/ 68530 h 5581866"/>
+              <a:gd name="connsiteX50" fmla="*/ 5779438 w 6053670"/>
+              <a:gd name="connsiteY50" fmla="*/ 46733 h 5581866"/>
+              <a:gd name="connsiteX51" fmla="*/ 5916251 w 6053670"/>
+              <a:gd name="connsiteY51" fmla="*/ 24464 h 5581866"/>
+            </a:gdLst>
+            <a:ahLst/>
+            <a:cxnLst>
+              <a:cxn ang="0">
+                <a:pos x="connsiteX0" y="connsiteY0"/>
+              </a:cxn>
+              <a:cxn ang="0">
+                <a:pos x="connsiteX1" y="connsiteY1"/>
+              </a:cxn>
+              <a:cxn ang="0">
+                <a:pos x="connsiteX2" y="connsiteY2"/>
+              </a:cxn>
+              <a:cxn ang="0">
+                <a:pos x="connsiteX3" y="connsiteY3"/>
+              </a:cxn>
+              <a:cxn ang="0">
+                <a:pos x="connsiteX4" y="connsiteY4"/>
+              </a:cxn>
+              <a:cxn ang="0">
+                <a:pos x="connsiteX5" y="connsiteY5"/>
+              </a:cxn>
+              <a:cxn ang="0">
+                <a:pos x="connsiteX6" y="connsiteY6"/>
+              </a:cxn>
+              <a:cxn ang="0">
+                <a:pos x="connsiteX7" y="connsiteY7"/>
+              </a:cxn>
+              <a:cxn ang="0">
+                <a:pos x="connsiteX8" y="connsiteY8"/>
+              </a:cxn>
+              <a:cxn ang="0">
+                <a:pos x="connsiteX9" y="connsiteY9"/>
+              </a:cxn>
+              <a:cxn ang="0">
+                <a:pos x="connsiteX10" y="connsiteY10"/>
+              </a:cxn>
+              <a:cxn ang="0">
+                <a:pos x="connsiteX11" y="connsiteY11"/>
+              </a:cxn>
+              <a:cxn ang="0">
+                <a:pos x="connsiteX12" y="connsiteY12"/>
+              </a:cxn>
+              <a:cxn ang="0">
+                <a:pos x="connsiteX13" y="connsiteY13"/>
+              </a:cxn>
+              <a:cxn ang="0">
+                <a:pos x="connsiteX14" y="connsiteY14"/>
+              </a:cxn>
+              <a:cxn ang="0">
+                <a:pos x="connsiteX15" y="connsiteY15"/>
+              </a:cxn>
+              <a:cxn ang="0">
+                <a:pos x="connsiteX16" y="connsiteY16"/>
+              </a:cxn>
+              <a:cxn ang="0">
+                <a:pos x="connsiteX17" y="connsiteY17"/>
+              </a:cxn>
+              <a:cxn ang="0">
+                <a:pos x="connsiteX18" y="connsiteY18"/>
+              </a:cxn>
+              <a:cxn ang="0">
+                <a:pos x="connsiteX19" y="connsiteY19"/>
+              </a:cxn>
+              <a:cxn ang="0">
+                <a:pos x="connsiteX20" y="connsiteY20"/>
+              </a:cxn>
+              <a:cxn ang="0">
+                <a:pos x="connsiteX21" y="connsiteY21"/>
+              </a:cxn>
+              <a:cxn ang="0">
+                <a:pos x="connsiteX22" y="connsiteY22"/>
+              </a:cxn>
+              <a:cxn ang="0">
+                <a:pos x="connsiteX23" y="connsiteY23"/>
+              </a:cxn>
+              <a:cxn ang="0">
+                <a:pos x="connsiteX24" y="connsiteY24"/>
+              </a:cxn>
+              <a:cxn ang="0">
+                <a:pos x="connsiteX25" y="connsiteY25"/>
+              </a:cxn>
+              <a:cxn ang="0">
+                <a:pos x="connsiteX26" y="connsiteY26"/>
+              </a:cxn>
+              <a:cxn ang="0">
+                <a:pos x="connsiteX27" y="connsiteY27"/>
+              </a:cxn>
+              <a:cxn ang="0">
+                <a:pos x="connsiteX28" y="connsiteY28"/>
+              </a:cxn>
+              <a:cxn ang="0">
+                <a:pos x="connsiteX29" y="connsiteY29"/>
+              </a:cxn>
+              <a:cxn ang="0">
+                <a:pos x="connsiteX30" y="connsiteY30"/>
+              </a:cxn>
+              <a:cxn ang="0">
+                <a:pos x="connsiteX31" y="connsiteY31"/>
+              </a:cxn>
+              <a:cxn ang="0">
+                <a:pos x="connsiteX32" y="connsiteY32"/>
+              </a:cxn>
+              <a:cxn ang="0">
+                <a:pos x="connsiteX33" y="connsiteY33"/>
+              </a:cxn>
+              <a:cxn ang="0">
+                <a:pos x="connsiteX34" y="connsiteY34"/>
+              </a:cxn>
+              <a:cxn ang="0">
+                <a:pos x="connsiteX35" y="connsiteY35"/>
+              </a:cxn>
+              <a:cxn ang="0">
+                <a:pos x="connsiteX36" y="connsiteY36"/>
+              </a:cxn>
+              <a:cxn ang="0">
+                <a:pos x="connsiteX37" y="connsiteY37"/>
+              </a:cxn>
+              <a:cxn ang="0">
+                <a:pos x="connsiteX38" y="connsiteY38"/>
+              </a:cxn>
+              <a:cxn ang="0">
+                <a:pos x="connsiteX39" y="connsiteY39"/>
+              </a:cxn>
+              <a:cxn ang="0">
+                <a:pos x="connsiteX40" y="connsiteY40"/>
+              </a:cxn>
+              <a:cxn ang="0">
+                <a:pos x="connsiteX41" y="connsiteY41"/>
+              </a:cxn>
+              <a:cxn ang="0">
+                <a:pos x="connsiteX42" y="connsiteY42"/>
+              </a:cxn>
+              <a:cxn ang="0">
+                <a:pos x="connsiteX43" y="connsiteY43"/>
+              </a:cxn>
+              <a:cxn ang="0">
+                <a:pos x="connsiteX44" y="connsiteY44"/>
+              </a:cxn>
+              <a:cxn ang="0">
+                <a:pos x="connsiteX45" y="connsiteY45"/>
+              </a:cxn>
+              <a:cxn ang="0">
+                <a:pos x="connsiteX46" y="connsiteY46"/>
+              </a:cxn>
+              <a:cxn ang="0">
+                <a:pos x="connsiteX47" y="connsiteY47"/>
+              </a:cxn>
+              <a:cxn ang="0">
+                <a:pos x="connsiteX48" y="connsiteY48"/>
+              </a:cxn>
+              <a:cxn ang="0">
+                <a:pos x="connsiteX49" y="connsiteY49"/>
+              </a:cxn>
+              <a:cxn ang="0">
+                <a:pos x="connsiteX50" y="connsiteY50"/>
+              </a:cxn>
+              <a:cxn ang="0">
+                <a:pos x="connsiteX51" y="connsiteY51"/>
+              </a:cxn>
+            </a:cxnLst>
+            <a:rect l="l" t="t" r="r" b="b"/>
+            <a:pathLst>
+              <a:path w="6053670" h="5581866">
+                <a:moveTo>
+                  <a:pt x="6053670" y="1098"/>
+                </a:moveTo>
+                <a:lnTo>
+                  <a:pt x="6053670" y="514028"/>
+                </a:lnTo>
+                <a:lnTo>
+                  <a:pt x="6053670" y="1254558"/>
+                </a:lnTo>
+                <a:lnTo>
+                  <a:pt x="6053670" y="5581866"/>
+                </a:lnTo>
+                <a:lnTo>
+                  <a:pt x="0" y="5581866"/>
+                </a:lnTo>
+                <a:lnTo>
+                  <a:pt x="0" y="1249853"/>
+                </a:lnTo>
+                <a:lnTo>
+                  <a:pt x="0" y="514028"/>
+                </a:lnTo>
+                <a:lnTo>
+                  <a:pt x="0" y="0"/>
+                </a:lnTo>
+                <a:lnTo>
+                  <a:pt x="35717" y="5488"/>
+                </a:lnTo>
+                <a:lnTo>
+                  <a:pt x="140445" y="21641"/>
+                </a:lnTo>
+                <a:lnTo>
+                  <a:pt x="216722" y="32932"/>
+                </a:lnTo>
+                <a:lnTo>
+                  <a:pt x="307527" y="44850"/>
+                </a:lnTo>
+                <a:lnTo>
+                  <a:pt x="415282" y="59121"/>
+                </a:lnTo>
+                <a:lnTo>
+                  <a:pt x="534539" y="74175"/>
+                </a:lnTo>
+                <a:lnTo>
+                  <a:pt x="668931" y="90014"/>
+                </a:lnTo>
+                <a:lnTo>
+                  <a:pt x="815430" y="106794"/>
+                </a:lnTo>
+                <a:lnTo>
+                  <a:pt x="974641" y="123574"/>
+                </a:lnTo>
+                <a:lnTo>
+                  <a:pt x="1144144" y="140667"/>
+                </a:lnTo>
+                <a:lnTo>
+                  <a:pt x="1326965" y="156506"/>
+                </a:lnTo>
+                <a:lnTo>
+                  <a:pt x="1518261" y="171717"/>
+                </a:lnTo>
+                <a:lnTo>
+                  <a:pt x="1720453" y="185518"/>
+                </a:lnTo>
+                <a:lnTo>
+                  <a:pt x="1931121" y="198690"/>
+                </a:lnTo>
+                <a:lnTo>
+                  <a:pt x="2150869" y="211079"/>
+                </a:lnTo>
+                <a:lnTo>
+                  <a:pt x="2263467" y="215470"/>
+                </a:lnTo>
+                <a:lnTo>
+                  <a:pt x="2378487" y="220332"/>
+                </a:lnTo>
+                <a:lnTo>
+                  <a:pt x="2495323" y="224879"/>
+                </a:lnTo>
+                <a:lnTo>
+                  <a:pt x="2612764" y="227859"/>
+                </a:lnTo>
+                <a:lnTo>
+                  <a:pt x="2732627" y="230525"/>
+                </a:lnTo>
+                <a:lnTo>
+                  <a:pt x="2853700" y="233348"/>
+                </a:lnTo>
+                <a:lnTo>
+                  <a:pt x="2977195" y="235229"/>
+                </a:lnTo>
+                <a:lnTo>
+                  <a:pt x="3101900" y="235229"/>
+                </a:lnTo>
+                <a:lnTo>
+                  <a:pt x="3227817" y="236170"/>
+                </a:lnTo>
+                <a:lnTo>
+                  <a:pt x="3354944" y="235229"/>
+                </a:lnTo>
+                <a:lnTo>
+                  <a:pt x="3483887" y="233348"/>
+                </a:lnTo>
+                <a:lnTo>
+                  <a:pt x="3612830" y="231623"/>
+                </a:lnTo>
+                <a:lnTo>
+                  <a:pt x="3743589" y="227859"/>
+                </a:lnTo>
+                <a:lnTo>
+                  <a:pt x="3875559" y="223938"/>
+                </a:lnTo>
+                <a:lnTo>
+                  <a:pt x="4007529" y="219391"/>
+                </a:lnTo>
+                <a:lnTo>
+                  <a:pt x="4140710" y="212961"/>
+                </a:lnTo>
+                <a:lnTo>
+                  <a:pt x="4275102" y="205277"/>
+                </a:lnTo>
+                <a:lnTo>
+                  <a:pt x="4410098" y="197907"/>
+                </a:lnTo>
+                <a:lnTo>
+                  <a:pt x="4545096" y="188498"/>
+                </a:lnTo>
+                <a:lnTo>
+                  <a:pt x="4681909" y="177207"/>
+                </a:lnTo>
+                <a:lnTo>
+                  <a:pt x="4816905" y="165916"/>
+                </a:lnTo>
+                <a:lnTo>
+                  <a:pt x="4954323" y="152899"/>
+                </a:lnTo>
+                <a:lnTo>
+                  <a:pt x="5092347" y="138629"/>
+                </a:lnTo>
+                <a:lnTo>
+                  <a:pt x="5228555" y="123574"/>
+                </a:lnTo>
+                <a:lnTo>
+                  <a:pt x="5366578" y="106010"/>
+                </a:lnTo>
+                <a:lnTo>
+                  <a:pt x="5503997" y="87192"/>
+                </a:lnTo>
+                <a:lnTo>
+                  <a:pt x="5642020" y="68530"/>
+                </a:lnTo>
+                <a:lnTo>
+                  <a:pt x="5779438" y="46733"/>
+                </a:lnTo>
+                <a:lnTo>
+                  <a:pt x="5916251" y="24464"/>
+                </a:lnTo>
+                <a:close/>
+              </a:path>
+            </a:pathLst>
+          </a:custGeom>
+          <a:solidFill>
+            <a:schemeClr val="tx1"/>
+          </a:solidFill>
+          <a:ln>
+            <a:noFill/>
+          </a:ln>
+        </p:spPr>
+      </p:sp>
+      <p:sp>
+        <p:nvSpPr>
+          <p:cNvPr id="33" name="Freeform 5">
+            <a:extLst>
+              <a:ext uri="{FF2B5EF4-FFF2-40B4-BE49-F238E27FC236}">
+                <a16:creationId xmlns:a16="http://schemas.microsoft.com/office/drawing/2014/main" id="{B5C860C9-D4F9-4350-80DA-0D1CD36C7741}"/>
+              </a:ext>
+              <a:ext uri="{C183D7F6-B498-43B3-948B-1728B52AA6E4}">
+                <adec:decorative xmlns:adec="http://schemas.microsoft.com/office/drawing/2017/decorative" val="1"/>
+              </a:ext>
+            </a:extLst>
+          </p:cNvPr>
+          <p:cNvSpPr>
+            <a:spLocks noGrp="1" noRot="1" noChangeAspect="1" noMove="1" noResize="1" noEditPoints="1" noAdjustHandles="1" noChangeArrowheads="1" noChangeShapeType="1" noTextEdit="1"/>
+          </p:cNvSpPr>
+          <p:nvPr>
+            <p:extLst>
+              <p:ext uri="{386F3935-93C4-4BCD-93E2-E3B085C9AB24}">
+                <p16:designElem xmlns:p16="http://schemas.microsoft.com/office/powerpoint/2015/main" val="1"/>
+              </p:ext>
+            </p:extLst>
+          </p:nvPr>
+        </p:nvSpPr>
+        <p:spPr bwMode="gray">
+          <a:xfrm>
+            <a:off x="0" y="1587"/>
+            <a:ext cx="12192000" cy="6856413"/>
+          </a:xfrm>
+          <a:custGeom>
+            <a:avLst/>
+            <a:gdLst/>
+            <a:ahLst/>
+            <a:cxnLst/>
+            <a:rect l="0" t="0" r="r" b="b"/>
+            <a:pathLst>
+              <a:path w="15356" h="8638">
+                <a:moveTo>
+                  <a:pt x="0" y="0"/>
+                </a:moveTo>
+                <a:lnTo>
+                  <a:pt x="0" y="8638"/>
+                </a:lnTo>
+                <a:lnTo>
+                  <a:pt x="15356" y="8638"/>
+                </a:lnTo>
+                <a:lnTo>
+                  <a:pt x="15356" y="0"/>
+                </a:lnTo>
+                <a:lnTo>
+                  <a:pt x="0" y="0"/>
+                </a:lnTo>
+                <a:close/>
+                <a:moveTo>
+                  <a:pt x="14748" y="8038"/>
+                </a:moveTo>
+                <a:lnTo>
+                  <a:pt x="600" y="8038"/>
+                </a:lnTo>
+                <a:lnTo>
+                  <a:pt x="600" y="592"/>
+                </a:lnTo>
+                <a:lnTo>
+                  <a:pt x="14748" y="592"/>
+                </a:lnTo>
+                <a:lnTo>
+                  <a:pt x="14748" y="8038"/>
+                </a:lnTo>
+                <a:close/>
+              </a:path>
+            </a:pathLst>
+          </a:custGeom>
+          <a:solidFill>
+            <a:schemeClr val="tx1"/>
+          </a:solidFill>
+          <a:ln>
+            <a:noFill/>
+          </a:ln>
+        </p:spPr>
+      </p:sp>
+      <p:sp>
+        <p:nvSpPr>
+          <p:cNvPr id="2" name="Title 1">
+            <a:extLst>
+              <a:ext uri="{FF2B5EF4-FFF2-40B4-BE49-F238E27FC236}">
+                <a16:creationId xmlns:a16="http://schemas.microsoft.com/office/drawing/2014/main" id="{CB012FBC-D401-4A92-BEF6-9A6BCD99B742}"/>
+              </a:ext>
+            </a:extLst>
+          </p:cNvPr>
+          <p:cNvSpPr>
+            <a:spLocks noGrp="1"/>
+          </p:cNvSpPr>
+          <p:nvPr>
+            <p:ph type="title"/>
+          </p:nvPr>
+        </p:nvSpPr>
+        <p:spPr>
+          <a:xfrm>
+            <a:off x="639098" y="629265"/>
+            <a:ext cx="5132438" cy="1622322"/>
+          </a:xfrm>
+        </p:spPr>
+        <p:txBody>
+          <a:bodyPr>
+            <a:normAutofit/>
+          </a:bodyPr>
+          <a:lstStyle/>
+          <a:p>
+            <a:r>
+              <a:rPr lang="en-US" dirty="0">
+                <a:solidFill>
+                  <a:srgbClr val="EBEBEB"/>
+                </a:solidFill>
+              </a:rPr>
+              <a:t>Fourth step: Hosting our website</a:t>
+            </a:r>
+          </a:p>
+        </p:txBody>
+      </p:sp>
+      <p:pic>
+        <p:nvPicPr>
+          <p:cNvPr id="7" name="Picture 6">
+            <a:extLst>
+              <a:ext uri="{FF2B5EF4-FFF2-40B4-BE49-F238E27FC236}">
+                <a16:creationId xmlns:a16="http://schemas.microsoft.com/office/drawing/2014/main" id="{B205948A-D160-4A35-8C49-87779FEABD98}"/>
+              </a:ext>
+            </a:extLst>
+          </p:cNvPr>
+          <p:cNvPicPr>
+            <a:picLocks noChangeAspect="1"/>
+          </p:cNvPicPr>
+          <p:nvPr/>
+        </p:nvPicPr>
+        <p:blipFill>
+          <a:blip r:embed="rId2">
+            <a:extLst>
+              <a:ext uri="{28A0092B-C50C-407E-A947-70E740481C1C}">
+                <a14:useLocalDpi xmlns:a14="http://schemas.microsoft.com/office/drawing/2010/main" val="0"/>
+              </a:ext>
+            </a:extLst>
+          </a:blip>
+          <a:stretch>
+            <a:fillRect/>
+          </a:stretch>
+        </p:blipFill>
+        <p:spPr>
+          <a:xfrm>
+            <a:off x="6714836" y="1826210"/>
+            <a:ext cx="4828707" cy="3223161"/>
+          </a:xfrm>
+          <a:prstGeom prst="rect">
+            <a:avLst/>
+          </a:prstGeom>
+        </p:spPr>
+      </p:pic>
+      <p:sp>
+        <p:nvSpPr>
+          <p:cNvPr id="35" name="Rectangle 34">
+            <a:extLst>
+              <a:ext uri="{FF2B5EF4-FFF2-40B4-BE49-F238E27FC236}">
+                <a16:creationId xmlns:a16="http://schemas.microsoft.com/office/drawing/2014/main" id="{538A90C8-AE0E-4EBA-9AF8-EEDB206020E0}"/>
+              </a:ext>
+              <a:ext uri="{C183D7F6-B498-43B3-948B-1728B52AA6E4}">
+                <adec:decorative xmlns:adec="http://schemas.microsoft.com/office/drawing/2017/decorative" val="1"/>
+              </a:ext>
+            </a:extLst>
+          </p:cNvPr>
+          <p:cNvSpPr>
+            <a:spLocks noGrp="1" noRot="1" noChangeAspect="1" noMove="1" noResize="1" noEditPoints="1" noAdjustHandles="1" noChangeArrowheads="1" noChangeShapeType="1" noTextEdit="1"/>
+          </p:cNvSpPr>
+          <p:nvPr>
+            <p:extLst>
+              <p:ext uri="{386F3935-93C4-4BCD-93E2-E3B085C9AB24}">
+                <p16:designElem xmlns:p16="http://schemas.microsoft.com/office/powerpoint/2015/main" val="1"/>
+              </p:ext>
+            </p:extLst>
+          </p:nvPr>
+        </p:nvSpPr>
+        <p:spPr>
+          <a:xfrm>
+            <a:off x="10437812" y="0"/>
+            <a:ext cx="685800" cy="1143000"/>
+          </a:xfrm>
+          <a:prstGeom prst="rect">
+            <a:avLst/>
+          </a:prstGeom>
+          <a:solidFill>
+            <a:schemeClr val="accent1"/>
+          </a:solidFill>
+          <a:ln>
+            <a:noFill/>
+          </a:ln>
+        </p:spPr>
+        <p:style>
+          <a:lnRef idx="1">
+            <a:schemeClr val="accent1"/>
+          </a:lnRef>
+          <a:fillRef idx="3">
+            <a:schemeClr val="accent1"/>
+          </a:fillRef>
+          <a:effectRef idx="2">
+            <a:schemeClr val="accent1"/>
+          </a:effectRef>
+          <a:fontRef idx="minor">
+            <a:schemeClr val="lt1"/>
+          </a:fontRef>
+        </p:style>
+      </p:sp>
+      <p:sp>
+        <p:nvSpPr>
+          <p:cNvPr id="3" name="Content Placeholder 2">
+            <a:extLst>
+              <a:ext uri="{FF2B5EF4-FFF2-40B4-BE49-F238E27FC236}">
+                <a16:creationId xmlns:a16="http://schemas.microsoft.com/office/drawing/2014/main" id="{BECBD6DB-B94D-490B-B770-1A454AA07DB6}"/>
+              </a:ext>
+            </a:extLst>
+          </p:cNvPr>
+          <p:cNvSpPr>
+            <a:spLocks noGrp="1"/>
+          </p:cNvSpPr>
+          <p:nvPr>
+            <p:ph idx="1"/>
+          </p:nvPr>
+        </p:nvSpPr>
+        <p:spPr>
+          <a:xfrm>
+            <a:off x="639098" y="2418735"/>
+            <a:ext cx="5132439" cy="2458065"/>
+          </a:xfrm>
+        </p:spPr>
+        <p:txBody>
+          <a:bodyPr anchor="ctr">
+            <a:normAutofit/>
+          </a:bodyPr>
+          <a:lstStyle/>
+          <a:p>
+            <a:r>
+              <a:rPr lang="en-US" dirty="0">
+                <a:solidFill>
+                  <a:srgbClr val="FFFFFF"/>
+                </a:solidFill>
+              </a:rPr>
+              <a:t>Uploaded all files to GitHub with proper formatting needed for Heroku.</a:t>
+            </a:r>
+          </a:p>
+          <a:p>
+            <a:r>
+              <a:rPr lang="en-US" dirty="0">
+                <a:solidFill>
+                  <a:srgbClr val="FFFFFF"/>
+                </a:solidFill>
+              </a:rPr>
+              <a:t>Uploaded and linked to Heroku.</a:t>
+            </a:r>
+          </a:p>
+        </p:txBody>
+      </p:sp>
+    </p:spTree>
+    <p:extLst>
+      <p:ext uri="{BB962C8B-B14F-4D97-AF65-F5344CB8AC3E}">
+        <p14:creationId xmlns:p14="http://schemas.microsoft.com/office/powerpoint/2010/main" val="2195568906"/>
+      </p:ext>
+    </p:extLst>
+  </p:cSld>
+  <p:clrMapOvr>
+    <a:overrideClrMapping bg1="dk1" tx1="lt1" bg2="dk2" tx2="lt2" accent1="accent1" accent2="accent2" accent3="accent3" accent4="accent4" accent5="accent5" accent6="accent6" hlink="hlink" folHlink="folHlink"/>
+  </p:clrMapOvr>
+</p:sld>
+</file>
+
 <file path=ppt/theme/theme1.xml><?xml version="1.0" encoding="utf-8"?>
 <a:theme xmlns:a="http://schemas.openxmlformats.org/drawingml/2006/main" name="Ion Boardroom">
   <a:themeElements>

--- a/Wine App.pptx
+++ b/Wine App.pptx
@@ -9,10 +9,14 @@
     <p:sldId id="257" r:id="rId3"/>
     <p:sldId id="258" r:id="rId4"/>
     <p:sldId id="259" r:id="rId5"/>
-    <p:sldId id="260" r:id="rId6"/>
-    <p:sldId id="261" r:id="rId7"/>
-    <p:sldId id="262" r:id="rId8"/>
-    <p:sldId id="263" r:id="rId9"/>
+    <p:sldId id="264" r:id="rId6"/>
+    <p:sldId id="260" r:id="rId7"/>
+    <p:sldId id="261" r:id="rId8"/>
+    <p:sldId id="262" r:id="rId9"/>
+    <p:sldId id="263" r:id="rId10"/>
+    <p:sldId id="265" r:id="rId11"/>
+    <p:sldId id="267" r:id="rId12"/>
+    <p:sldId id="266" r:id="rId13"/>
   </p:sldIdLst>
   <p:sldSz cx="12192000" cy="6858000"/>
   <p:notesSz cx="6858000" cy="9144000"/>
@@ -454,7 +458,7 @@
           <a:p>
             <a:fld id="{F80CFB3B-218C-407D-8318-067EA0BD0AEE}" type="datetimeFigureOut">
               <a:rPr lang="en-US" smtClean="0"/>
-              <a:t>9/21/2019</a:t>
+              <a:t>9/23/2019</a:t>
             </a:fld>
             <a:endParaRPr lang="en-US"/>
           </a:p>
@@ -1542,7 +1546,7 @@
           <a:p>
             <a:fld id="{F80CFB3B-218C-407D-8318-067EA0BD0AEE}" type="datetimeFigureOut">
               <a:rPr lang="en-US" smtClean="0"/>
-              <a:t>9/21/2019</a:t>
+              <a:t>9/23/2019</a:t>
             </a:fld>
             <a:endParaRPr lang="en-US"/>
           </a:p>
@@ -2522,7 +2526,7 @@
           <a:p>
             <a:fld id="{F80CFB3B-218C-407D-8318-067EA0BD0AEE}" type="datetimeFigureOut">
               <a:rPr lang="en-US" smtClean="0"/>
-              <a:t>9/21/2019</a:t>
+              <a:t>9/23/2019</a:t>
             </a:fld>
             <a:endParaRPr lang="en-US"/>
           </a:p>
@@ -3656,7 +3660,7 @@
           <a:p>
             <a:fld id="{F80CFB3B-218C-407D-8318-067EA0BD0AEE}" type="datetimeFigureOut">
               <a:rPr lang="en-US" smtClean="0"/>
-              <a:t>9/21/2019</a:t>
+              <a:t>9/23/2019</a:t>
             </a:fld>
             <a:endParaRPr lang="en-US"/>
           </a:p>
@@ -4689,7 +4693,7 @@
           <a:p>
             <a:fld id="{F80CFB3B-218C-407D-8318-067EA0BD0AEE}" type="datetimeFigureOut">
               <a:rPr lang="en-US" smtClean="0"/>
-              <a:t>9/21/2019</a:t>
+              <a:t>9/23/2019</a:t>
             </a:fld>
             <a:endParaRPr lang="en-US"/>
           </a:p>
@@ -5349,7 +5353,7 @@
           <a:p>
             <a:fld id="{F80CFB3B-218C-407D-8318-067EA0BD0AEE}" type="datetimeFigureOut">
               <a:rPr lang="en-US" smtClean="0"/>
-              <a:t>9/21/2019</a:t>
+              <a:t>9/23/2019</a:t>
             </a:fld>
             <a:endParaRPr lang="en-US"/>
           </a:p>
@@ -6210,7 +6214,7 @@
           <a:p>
             <a:fld id="{F80CFB3B-218C-407D-8318-067EA0BD0AEE}" type="datetimeFigureOut">
               <a:rPr lang="en-US" smtClean="0"/>
-              <a:t>9/21/2019</a:t>
+              <a:t>9/23/2019</a:t>
             </a:fld>
             <a:endParaRPr lang="en-US"/>
           </a:p>
@@ -6400,7 +6404,7 @@
           <a:p>
             <a:fld id="{F80CFB3B-218C-407D-8318-067EA0BD0AEE}" type="datetimeFigureOut">
               <a:rPr lang="en-US" smtClean="0"/>
-              <a:t>9/21/2019</a:t>
+              <a:t>9/23/2019</a:t>
             </a:fld>
             <a:endParaRPr lang="en-US"/>
           </a:p>
@@ -7372,7 +7376,7 @@
           <a:p>
             <a:fld id="{F80CFB3B-218C-407D-8318-067EA0BD0AEE}" type="datetimeFigureOut">
               <a:rPr lang="en-US" smtClean="0"/>
-              <a:t>9/21/2019</a:t>
+              <a:t>9/23/2019</a:t>
             </a:fld>
             <a:endParaRPr lang="en-US"/>
           </a:p>
@@ -7583,7 +7587,7 @@
           <a:p>
             <a:fld id="{F80CFB3B-218C-407D-8318-067EA0BD0AEE}" type="datetimeFigureOut">
               <a:rPr lang="en-US" smtClean="0"/>
-              <a:t>9/21/2019</a:t>
+              <a:t>9/23/2019</a:t>
             </a:fld>
             <a:endParaRPr lang="en-US"/>
           </a:p>
@@ -8617,7 +8621,7 @@
           <a:p>
             <a:fld id="{F80CFB3B-218C-407D-8318-067EA0BD0AEE}" type="datetimeFigureOut">
               <a:rPr lang="en-US" smtClean="0"/>
-              <a:t>9/21/2019</a:t>
+              <a:t>9/23/2019</a:t>
             </a:fld>
             <a:endParaRPr lang="en-US"/>
           </a:p>
@@ -8889,7 +8893,7 @@
           <a:p>
             <a:fld id="{F80CFB3B-218C-407D-8318-067EA0BD0AEE}" type="datetimeFigureOut">
               <a:rPr lang="en-US" smtClean="0"/>
-              <a:t>9/21/2019</a:t>
+              <a:t>9/23/2019</a:t>
             </a:fld>
             <a:endParaRPr lang="en-US"/>
           </a:p>
@@ -9299,7 +9303,7 @@
           <a:p>
             <a:fld id="{F80CFB3B-218C-407D-8318-067EA0BD0AEE}" type="datetimeFigureOut">
               <a:rPr lang="en-US" smtClean="0"/>
-              <a:t>9/21/2019</a:t>
+              <a:t>9/23/2019</a:t>
             </a:fld>
             <a:endParaRPr lang="en-US"/>
           </a:p>
@@ -9426,7 +9430,7 @@
           <a:p>
             <a:fld id="{F80CFB3B-218C-407D-8318-067EA0BD0AEE}" type="datetimeFigureOut">
               <a:rPr lang="en-US" smtClean="0"/>
-              <a:t>9/21/2019</a:t>
+              <a:t>9/23/2019</a:t>
             </a:fld>
             <a:endParaRPr lang="en-US"/>
           </a:p>
@@ -9521,7 +9525,7 @@
           <a:p>
             <a:fld id="{F80CFB3B-218C-407D-8318-067EA0BD0AEE}" type="datetimeFigureOut">
               <a:rPr lang="en-US" smtClean="0"/>
-              <a:t>9/21/2019</a:t>
+              <a:t>9/23/2019</a:t>
             </a:fld>
             <a:endParaRPr lang="en-US"/>
           </a:p>
@@ -10602,7 +10606,7 @@
           <a:p>
             <a:fld id="{F80CFB3B-218C-407D-8318-067EA0BD0AEE}" type="datetimeFigureOut">
               <a:rPr lang="en-US" smtClean="0"/>
-              <a:t>9/21/2019</a:t>
+              <a:t>9/23/2019</a:t>
             </a:fld>
             <a:endParaRPr lang="en-US"/>
           </a:p>
@@ -11710,7 +11714,7 @@
           <a:p>
             <a:fld id="{F80CFB3B-218C-407D-8318-067EA0BD0AEE}" type="datetimeFigureOut">
               <a:rPr lang="en-US" smtClean="0"/>
-              <a:t>9/21/2019</a:t>
+              <a:t>9/23/2019</a:t>
             </a:fld>
             <a:endParaRPr lang="en-US"/>
           </a:p>
@@ -12707,7 +12711,7 @@
           <a:p>
             <a:fld id="{F80CFB3B-218C-407D-8318-067EA0BD0AEE}" type="datetimeFigureOut">
               <a:rPr lang="en-US" smtClean="0"/>
-              <a:t>9/21/2019</a:t>
+              <a:t>9/23/2019</a:t>
             </a:fld>
             <a:endParaRPr lang="en-US"/>
           </a:p>
@@ -13372,6 +13376,1577 @@
   </p:cSld>
   <p:clrMapOvr>
     <a:masterClrMapping/>
+  </p:clrMapOvr>
+</p:sld>
+</file>
+
+<file path=ppt/slides/slide10.xml><?xml version="1.0" encoding="utf-8"?>
+<p:sld xmlns:a="http://schemas.openxmlformats.org/drawingml/2006/main" xmlns:r="http://schemas.openxmlformats.org/officeDocument/2006/relationships" xmlns:p="http://schemas.openxmlformats.org/presentationml/2006/main">
+  <p:cSld>
+    <p:bg>
+      <p:bgPr>
+        <a:solidFill>
+          <a:schemeClr val="bg1"/>
+        </a:solidFill>
+        <a:effectLst/>
+      </p:bgPr>
+    </p:bg>
+    <p:spTree>
+      <p:nvGrpSpPr>
+        <p:cNvPr id="1" name=""/>
+        <p:cNvGrpSpPr/>
+        <p:nvPr/>
+      </p:nvGrpSpPr>
+      <p:grpSpPr>
+        <a:xfrm>
+          <a:off x="0" y="0"/>
+          <a:ext cx="0" cy="0"/>
+          <a:chOff x="0" y="0"/>
+          <a:chExt cx="0" cy="0"/>
+        </a:xfrm>
+      </p:grpSpPr>
+      <p:sp>
+        <p:nvSpPr>
+          <p:cNvPr id="40" name="Rectangle 39">
+            <a:extLst>
+              <a:ext uri="{FF2B5EF4-FFF2-40B4-BE49-F238E27FC236}">
+                <a16:creationId xmlns:a16="http://schemas.microsoft.com/office/drawing/2014/main" id="{F70C2B8F-6B1B-46D5-86E6-40F36C695FC2}"/>
+              </a:ext>
+              <a:ext uri="{C183D7F6-B498-43B3-948B-1728B52AA6E4}">
+                <adec:decorative xmlns:adec="http://schemas.microsoft.com/office/drawing/2017/decorative" val="1"/>
+              </a:ext>
+            </a:extLst>
+          </p:cNvPr>
+          <p:cNvSpPr>
+            <a:spLocks noGrp="1" noRot="1" noChangeAspect="1" noMove="1" noResize="1" noEditPoints="1" noAdjustHandles="1" noChangeArrowheads="1" noChangeShapeType="1" noTextEdit="1"/>
+          </p:cNvSpPr>
+          <p:nvPr>
+            <p:extLst>
+              <p:ext uri="{386F3935-93C4-4BCD-93E2-E3B085C9AB24}">
+                <p16:designElem xmlns:p16="http://schemas.microsoft.com/office/powerpoint/2015/main" val="1"/>
+              </p:ext>
+            </p:extLst>
+          </p:nvPr>
+        </p:nvSpPr>
+        <p:spPr>
+          <a:xfrm>
+            <a:off x="0" y="0"/>
+            <a:ext cx="12192000" cy="6858000"/>
+          </a:xfrm>
+          <a:prstGeom prst="rect">
+            <a:avLst/>
+          </a:prstGeom>
+          <a:ln>
+            <a:noFill/>
+          </a:ln>
+        </p:spPr>
+        <p:style>
+          <a:lnRef idx="2">
+            <a:schemeClr val="accent1">
+              <a:shade val="50000"/>
+            </a:schemeClr>
+          </a:lnRef>
+          <a:fillRef idx="1003">
+            <a:schemeClr val="dk2"/>
+          </a:fillRef>
+          <a:effectRef idx="0">
+            <a:schemeClr val="accent1"/>
+          </a:effectRef>
+          <a:fontRef idx="minor">
+            <a:schemeClr val="lt1"/>
+          </a:fontRef>
+        </p:style>
+      </p:sp>
+      <p:sp>
+        <p:nvSpPr>
+          <p:cNvPr id="42" name="Freeform 5">
+            <a:extLst>
+              <a:ext uri="{FF2B5EF4-FFF2-40B4-BE49-F238E27FC236}">
+                <a16:creationId xmlns:a16="http://schemas.microsoft.com/office/drawing/2014/main" id="{DB521824-592C-476A-AB0A-CA0C6D1F3407}"/>
+              </a:ext>
+              <a:ext uri="{C183D7F6-B498-43B3-948B-1728B52AA6E4}">
+                <adec:decorative xmlns:adec="http://schemas.microsoft.com/office/drawing/2017/decorative" val="1"/>
+              </a:ext>
+            </a:extLst>
+          </p:cNvPr>
+          <p:cNvSpPr>
+            <a:spLocks noGrp="1" noRot="1" noChangeAspect="1" noMove="1" noResize="1" noEditPoints="1" noAdjustHandles="1" noChangeArrowheads="1" noChangeShapeType="1" noTextEdit="1"/>
+          </p:cNvSpPr>
+          <p:nvPr>
+            <p:extLst>
+              <p:ext uri="{386F3935-93C4-4BCD-93E2-E3B085C9AB24}">
+                <p16:designElem xmlns:p16="http://schemas.microsoft.com/office/powerpoint/2015/main" val="1"/>
+              </p:ext>
+            </p:extLst>
+          </p:nvPr>
+        </p:nvSpPr>
+        <p:spPr bwMode="gray">
+          <a:xfrm rot="15922489">
+            <a:off x="4698352" y="1826078"/>
+            <a:ext cx="3299407" cy="440924"/>
+          </a:xfrm>
+          <a:custGeom>
+            <a:avLst/>
+            <a:gdLst/>
+            <a:ahLst/>
+            <a:cxnLst/>
+            <a:rect l="l" t="t" r="r" b="b"/>
+            <a:pathLst>
+              <a:path w="10000" h="5291">
+                <a:moveTo>
+                  <a:pt x="85" y="2532"/>
+                </a:moveTo>
+                <a:cubicBezTo>
+                  <a:pt x="1736" y="3911"/>
+                  <a:pt x="7524" y="5298"/>
+                  <a:pt x="9958" y="5291"/>
+                </a:cubicBezTo>
+                <a:cubicBezTo>
+                  <a:pt x="9989" y="1958"/>
+                  <a:pt x="9969" y="3333"/>
+                  <a:pt x="10000" y="0"/>
+                </a:cubicBezTo>
+                <a:lnTo>
+                  <a:pt x="10000" y="0"/>
+                </a:lnTo>
+                <a:lnTo>
+                  <a:pt x="9667" y="204"/>
+                </a:lnTo>
+                <a:lnTo>
+                  <a:pt x="9334" y="400"/>
+                </a:lnTo>
+                <a:lnTo>
+                  <a:pt x="9001" y="590"/>
+                </a:lnTo>
+                <a:lnTo>
+                  <a:pt x="8667" y="753"/>
+                </a:lnTo>
+                <a:lnTo>
+                  <a:pt x="8333" y="917"/>
+                </a:lnTo>
+                <a:lnTo>
+                  <a:pt x="7999" y="1071"/>
+                </a:lnTo>
+                <a:lnTo>
+                  <a:pt x="7669" y="1202"/>
+                </a:lnTo>
+                <a:lnTo>
+                  <a:pt x="7333" y="1325"/>
+                </a:lnTo>
+                <a:lnTo>
+                  <a:pt x="7000" y="1440"/>
+                </a:lnTo>
+                <a:lnTo>
+                  <a:pt x="6673" y="1538"/>
+                </a:lnTo>
+                <a:lnTo>
+                  <a:pt x="6340" y="1636"/>
+                </a:lnTo>
+                <a:lnTo>
+                  <a:pt x="6013" y="1719"/>
+                </a:lnTo>
+                <a:lnTo>
+                  <a:pt x="5686" y="1784"/>
+                </a:lnTo>
+                <a:lnTo>
+                  <a:pt x="5359" y="1850"/>
+                </a:lnTo>
+                <a:lnTo>
+                  <a:pt x="5036" y="1906"/>
+                </a:lnTo>
+                <a:lnTo>
+                  <a:pt x="4717" y="1948"/>
+                </a:lnTo>
+                <a:lnTo>
+                  <a:pt x="4396" y="1980"/>
+                </a:lnTo>
+                <a:lnTo>
+                  <a:pt x="4079" y="2013"/>
+                </a:lnTo>
+                <a:lnTo>
+                  <a:pt x="3766" y="2029"/>
+                </a:lnTo>
+                <a:lnTo>
+                  <a:pt x="3454" y="2046"/>
+                </a:lnTo>
+                <a:lnTo>
+                  <a:pt x="3145" y="2053"/>
+                </a:lnTo>
+                <a:lnTo>
+                  <a:pt x="2839" y="2046"/>
+                </a:lnTo>
+                <a:lnTo>
+                  <a:pt x="2537" y="2046"/>
+                </a:lnTo>
+                <a:lnTo>
+                  <a:pt x="2238" y="2029"/>
+                </a:lnTo>
+                <a:lnTo>
+                  <a:pt x="1943" y="2004"/>
+                </a:lnTo>
+                <a:lnTo>
+                  <a:pt x="1653" y="1980"/>
+                </a:lnTo>
+                <a:lnTo>
+                  <a:pt x="1368" y="1955"/>
+                </a:lnTo>
+                <a:lnTo>
+                  <a:pt x="1085" y="1915"/>
+                </a:lnTo>
+                <a:lnTo>
+                  <a:pt x="806" y="1873"/>
+                </a:lnTo>
+                <a:lnTo>
+                  <a:pt x="533" y="1833"/>
+                </a:lnTo>
+                <a:lnTo>
+                  <a:pt x="0" y="1726"/>
+                </a:lnTo>
+                <a:cubicBezTo>
+                  <a:pt x="28" y="1995"/>
+                  <a:pt x="57" y="2263"/>
+                  <a:pt x="85" y="2532"/>
+                </a:cubicBezTo>
+                <a:close/>
+              </a:path>
+            </a:pathLst>
+          </a:custGeom>
+          <a:solidFill>
+            <a:schemeClr val="tx1">
+              <a:alpha val="20000"/>
+            </a:schemeClr>
+          </a:solidFill>
+          <a:ln>
+            <a:noFill/>
+          </a:ln>
+        </p:spPr>
+      </p:sp>
+      <p:sp>
+        <p:nvSpPr>
+          <p:cNvPr id="44" name="Freeform: Shape 43">
+            <a:extLst>
+              <a:ext uri="{FF2B5EF4-FFF2-40B4-BE49-F238E27FC236}">
+                <a16:creationId xmlns:a16="http://schemas.microsoft.com/office/drawing/2014/main" id="{A2749EFA-8EE4-4EB8-9424-8E593B9320AD}"/>
+              </a:ext>
+              <a:ext uri="{C183D7F6-B498-43B3-948B-1728B52AA6E4}">
+                <adec:decorative xmlns:adec="http://schemas.microsoft.com/office/drawing/2017/decorative" val="1"/>
+              </a:ext>
+            </a:extLst>
+          </p:cNvPr>
+          <p:cNvSpPr>
+            <a:spLocks noGrp="1" noRot="1" noChangeAspect="1" noMove="1" noResize="1" noEditPoints="1" noAdjustHandles="1" noChangeArrowheads="1" noChangeShapeType="1" noTextEdit="1"/>
+          </p:cNvSpPr>
+          <p:nvPr>
+            <p:extLst>
+              <p:ext uri="{386F3935-93C4-4BCD-93E2-E3B085C9AB24}">
+                <p16:designElem xmlns:p16="http://schemas.microsoft.com/office/powerpoint/2015/main" val="1"/>
+              </p:ext>
+            </p:extLst>
+          </p:nvPr>
+        </p:nvSpPr>
+        <p:spPr bwMode="gray">
+          <a:xfrm rot="16200000">
+            <a:off x="5950898" y="638067"/>
+            <a:ext cx="6053670" cy="5581866"/>
+          </a:xfrm>
+          <a:custGeom>
+            <a:avLst/>
+            <a:gdLst>
+              <a:gd name="connsiteX0" fmla="*/ 6053670 w 6053670"/>
+              <a:gd name="connsiteY0" fmla="*/ 1098 h 5581866"/>
+              <a:gd name="connsiteX1" fmla="*/ 6053670 w 6053670"/>
+              <a:gd name="connsiteY1" fmla="*/ 514028 h 5581866"/>
+              <a:gd name="connsiteX2" fmla="*/ 6053670 w 6053670"/>
+              <a:gd name="connsiteY2" fmla="*/ 1254558 h 5581866"/>
+              <a:gd name="connsiteX3" fmla="*/ 6053670 w 6053670"/>
+              <a:gd name="connsiteY3" fmla="*/ 5581866 h 5581866"/>
+              <a:gd name="connsiteX4" fmla="*/ 0 w 6053670"/>
+              <a:gd name="connsiteY4" fmla="*/ 5581866 h 5581866"/>
+              <a:gd name="connsiteX5" fmla="*/ 0 w 6053670"/>
+              <a:gd name="connsiteY5" fmla="*/ 1249853 h 5581866"/>
+              <a:gd name="connsiteX6" fmla="*/ 0 w 6053670"/>
+              <a:gd name="connsiteY6" fmla="*/ 514028 h 5581866"/>
+              <a:gd name="connsiteX7" fmla="*/ 0 w 6053670"/>
+              <a:gd name="connsiteY7" fmla="*/ 0 h 5581866"/>
+              <a:gd name="connsiteX8" fmla="*/ 35717 w 6053670"/>
+              <a:gd name="connsiteY8" fmla="*/ 5488 h 5581866"/>
+              <a:gd name="connsiteX9" fmla="*/ 140445 w 6053670"/>
+              <a:gd name="connsiteY9" fmla="*/ 21641 h 5581866"/>
+              <a:gd name="connsiteX10" fmla="*/ 216722 w 6053670"/>
+              <a:gd name="connsiteY10" fmla="*/ 32932 h 5581866"/>
+              <a:gd name="connsiteX11" fmla="*/ 307527 w 6053670"/>
+              <a:gd name="connsiteY11" fmla="*/ 44850 h 5581866"/>
+              <a:gd name="connsiteX12" fmla="*/ 415282 w 6053670"/>
+              <a:gd name="connsiteY12" fmla="*/ 59121 h 5581866"/>
+              <a:gd name="connsiteX13" fmla="*/ 534539 w 6053670"/>
+              <a:gd name="connsiteY13" fmla="*/ 74175 h 5581866"/>
+              <a:gd name="connsiteX14" fmla="*/ 668931 w 6053670"/>
+              <a:gd name="connsiteY14" fmla="*/ 90014 h 5581866"/>
+              <a:gd name="connsiteX15" fmla="*/ 815430 w 6053670"/>
+              <a:gd name="connsiteY15" fmla="*/ 106794 h 5581866"/>
+              <a:gd name="connsiteX16" fmla="*/ 974641 w 6053670"/>
+              <a:gd name="connsiteY16" fmla="*/ 123574 h 5581866"/>
+              <a:gd name="connsiteX17" fmla="*/ 1144144 w 6053670"/>
+              <a:gd name="connsiteY17" fmla="*/ 140667 h 5581866"/>
+              <a:gd name="connsiteX18" fmla="*/ 1326965 w 6053670"/>
+              <a:gd name="connsiteY18" fmla="*/ 156506 h 5581866"/>
+              <a:gd name="connsiteX19" fmla="*/ 1518261 w 6053670"/>
+              <a:gd name="connsiteY19" fmla="*/ 171717 h 5581866"/>
+              <a:gd name="connsiteX20" fmla="*/ 1720453 w 6053670"/>
+              <a:gd name="connsiteY20" fmla="*/ 185518 h 5581866"/>
+              <a:gd name="connsiteX21" fmla="*/ 1931121 w 6053670"/>
+              <a:gd name="connsiteY21" fmla="*/ 198690 h 5581866"/>
+              <a:gd name="connsiteX22" fmla="*/ 2150869 w 6053670"/>
+              <a:gd name="connsiteY22" fmla="*/ 211079 h 5581866"/>
+              <a:gd name="connsiteX23" fmla="*/ 2263467 w 6053670"/>
+              <a:gd name="connsiteY23" fmla="*/ 215470 h 5581866"/>
+              <a:gd name="connsiteX24" fmla="*/ 2378487 w 6053670"/>
+              <a:gd name="connsiteY24" fmla="*/ 220332 h 5581866"/>
+              <a:gd name="connsiteX25" fmla="*/ 2495323 w 6053670"/>
+              <a:gd name="connsiteY25" fmla="*/ 224879 h 5581866"/>
+              <a:gd name="connsiteX26" fmla="*/ 2612764 w 6053670"/>
+              <a:gd name="connsiteY26" fmla="*/ 227859 h 5581866"/>
+              <a:gd name="connsiteX27" fmla="*/ 2732627 w 6053670"/>
+              <a:gd name="connsiteY27" fmla="*/ 230525 h 5581866"/>
+              <a:gd name="connsiteX28" fmla="*/ 2853700 w 6053670"/>
+              <a:gd name="connsiteY28" fmla="*/ 233348 h 5581866"/>
+              <a:gd name="connsiteX29" fmla="*/ 2977195 w 6053670"/>
+              <a:gd name="connsiteY29" fmla="*/ 235229 h 5581866"/>
+              <a:gd name="connsiteX30" fmla="*/ 3101900 w 6053670"/>
+              <a:gd name="connsiteY30" fmla="*/ 235229 h 5581866"/>
+              <a:gd name="connsiteX31" fmla="*/ 3227817 w 6053670"/>
+              <a:gd name="connsiteY31" fmla="*/ 236170 h 5581866"/>
+              <a:gd name="connsiteX32" fmla="*/ 3354944 w 6053670"/>
+              <a:gd name="connsiteY32" fmla="*/ 235229 h 5581866"/>
+              <a:gd name="connsiteX33" fmla="*/ 3483887 w 6053670"/>
+              <a:gd name="connsiteY33" fmla="*/ 233348 h 5581866"/>
+              <a:gd name="connsiteX34" fmla="*/ 3612830 w 6053670"/>
+              <a:gd name="connsiteY34" fmla="*/ 231623 h 5581866"/>
+              <a:gd name="connsiteX35" fmla="*/ 3743589 w 6053670"/>
+              <a:gd name="connsiteY35" fmla="*/ 227859 h 5581866"/>
+              <a:gd name="connsiteX36" fmla="*/ 3875559 w 6053670"/>
+              <a:gd name="connsiteY36" fmla="*/ 223938 h 5581866"/>
+              <a:gd name="connsiteX37" fmla="*/ 4007529 w 6053670"/>
+              <a:gd name="connsiteY37" fmla="*/ 219391 h 5581866"/>
+              <a:gd name="connsiteX38" fmla="*/ 4140710 w 6053670"/>
+              <a:gd name="connsiteY38" fmla="*/ 212961 h 5581866"/>
+              <a:gd name="connsiteX39" fmla="*/ 4275102 w 6053670"/>
+              <a:gd name="connsiteY39" fmla="*/ 205277 h 5581866"/>
+              <a:gd name="connsiteX40" fmla="*/ 4410098 w 6053670"/>
+              <a:gd name="connsiteY40" fmla="*/ 197907 h 5581866"/>
+              <a:gd name="connsiteX41" fmla="*/ 4545096 w 6053670"/>
+              <a:gd name="connsiteY41" fmla="*/ 188498 h 5581866"/>
+              <a:gd name="connsiteX42" fmla="*/ 4681909 w 6053670"/>
+              <a:gd name="connsiteY42" fmla="*/ 177207 h 5581866"/>
+              <a:gd name="connsiteX43" fmla="*/ 4816905 w 6053670"/>
+              <a:gd name="connsiteY43" fmla="*/ 165916 h 5581866"/>
+              <a:gd name="connsiteX44" fmla="*/ 4954323 w 6053670"/>
+              <a:gd name="connsiteY44" fmla="*/ 152899 h 5581866"/>
+              <a:gd name="connsiteX45" fmla="*/ 5092347 w 6053670"/>
+              <a:gd name="connsiteY45" fmla="*/ 138629 h 5581866"/>
+              <a:gd name="connsiteX46" fmla="*/ 5228555 w 6053670"/>
+              <a:gd name="connsiteY46" fmla="*/ 123574 h 5581866"/>
+              <a:gd name="connsiteX47" fmla="*/ 5366578 w 6053670"/>
+              <a:gd name="connsiteY47" fmla="*/ 106010 h 5581866"/>
+              <a:gd name="connsiteX48" fmla="*/ 5503997 w 6053670"/>
+              <a:gd name="connsiteY48" fmla="*/ 87192 h 5581866"/>
+              <a:gd name="connsiteX49" fmla="*/ 5642020 w 6053670"/>
+              <a:gd name="connsiteY49" fmla="*/ 68530 h 5581866"/>
+              <a:gd name="connsiteX50" fmla="*/ 5779438 w 6053670"/>
+              <a:gd name="connsiteY50" fmla="*/ 46733 h 5581866"/>
+              <a:gd name="connsiteX51" fmla="*/ 5916251 w 6053670"/>
+              <a:gd name="connsiteY51" fmla="*/ 24464 h 5581866"/>
+            </a:gdLst>
+            <a:ahLst/>
+            <a:cxnLst>
+              <a:cxn ang="0">
+                <a:pos x="connsiteX0" y="connsiteY0"/>
+              </a:cxn>
+              <a:cxn ang="0">
+                <a:pos x="connsiteX1" y="connsiteY1"/>
+              </a:cxn>
+              <a:cxn ang="0">
+                <a:pos x="connsiteX2" y="connsiteY2"/>
+              </a:cxn>
+              <a:cxn ang="0">
+                <a:pos x="connsiteX3" y="connsiteY3"/>
+              </a:cxn>
+              <a:cxn ang="0">
+                <a:pos x="connsiteX4" y="connsiteY4"/>
+              </a:cxn>
+              <a:cxn ang="0">
+                <a:pos x="connsiteX5" y="connsiteY5"/>
+              </a:cxn>
+              <a:cxn ang="0">
+                <a:pos x="connsiteX6" y="connsiteY6"/>
+              </a:cxn>
+              <a:cxn ang="0">
+                <a:pos x="connsiteX7" y="connsiteY7"/>
+              </a:cxn>
+              <a:cxn ang="0">
+                <a:pos x="connsiteX8" y="connsiteY8"/>
+              </a:cxn>
+              <a:cxn ang="0">
+                <a:pos x="connsiteX9" y="connsiteY9"/>
+              </a:cxn>
+              <a:cxn ang="0">
+                <a:pos x="connsiteX10" y="connsiteY10"/>
+              </a:cxn>
+              <a:cxn ang="0">
+                <a:pos x="connsiteX11" y="connsiteY11"/>
+              </a:cxn>
+              <a:cxn ang="0">
+                <a:pos x="connsiteX12" y="connsiteY12"/>
+              </a:cxn>
+              <a:cxn ang="0">
+                <a:pos x="connsiteX13" y="connsiteY13"/>
+              </a:cxn>
+              <a:cxn ang="0">
+                <a:pos x="connsiteX14" y="connsiteY14"/>
+              </a:cxn>
+              <a:cxn ang="0">
+                <a:pos x="connsiteX15" y="connsiteY15"/>
+              </a:cxn>
+              <a:cxn ang="0">
+                <a:pos x="connsiteX16" y="connsiteY16"/>
+              </a:cxn>
+              <a:cxn ang="0">
+                <a:pos x="connsiteX17" y="connsiteY17"/>
+              </a:cxn>
+              <a:cxn ang="0">
+                <a:pos x="connsiteX18" y="connsiteY18"/>
+              </a:cxn>
+              <a:cxn ang="0">
+                <a:pos x="connsiteX19" y="connsiteY19"/>
+              </a:cxn>
+              <a:cxn ang="0">
+                <a:pos x="connsiteX20" y="connsiteY20"/>
+              </a:cxn>
+              <a:cxn ang="0">
+                <a:pos x="connsiteX21" y="connsiteY21"/>
+              </a:cxn>
+              <a:cxn ang="0">
+                <a:pos x="connsiteX22" y="connsiteY22"/>
+              </a:cxn>
+              <a:cxn ang="0">
+                <a:pos x="connsiteX23" y="connsiteY23"/>
+              </a:cxn>
+              <a:cxn ang="0">
+                <a:pos x="connsiteX24" y="connsiteY24"/>
+              </a:cxn>
+              <a:cxn ang="0">
+                <a:pos x="connsiteX25" y="connsiteY25"/>
+              </a:cxn>
+              <a:cxn ang="0">
+                <a:pos x="connsiteX26" y="connsiteY26"/>
+              </a:cxn>
+              <a:cxn ang="0">
+                <a:pos x="connsiteX27" y="connsiteY27"/>
+              </a:cxn>
+              <a:cxn ang="0">
+                <a:pos x="connsiteX28" y="connsiteY28"/>
+              </a:cxn>
+              <a:cxn ang="0">
+                <a:pos x="connsiteX29" y="connsiteY29"/>
+              </a:cxn>
+              <a:cxn ang="0">
+                <a:pos x="connsiteX30" y="connsiteY30"/>
+              </a:cxn>
+              <a:cxn ang="0">
+                <a:pos x="connsiteX31" y="connsiteY31"/>
+              </a:cxn>
+              <a:cxn ang="0">
+                <a:pos x="connsiteX32" y="connsiteY32"/>
+              </a:cxn>
+              <a:cxn ang="0">
+                <a:pos x="connsiteX33" y="connsiteY33"/>
+              </a:cxn>
+              <a:cxn ang="0">
+                <a:pos x="connsiteX34" y="connsiteY34"/>
+              </a:cxn>
+              <a:cxn ang="0">
+                <a:pos x="connsiteX35" y="connsiteY35"/>
+              </a:cxn>
+              <a:cxn ang="0">
+                <a:pos x="connsiteX36" y="connsiteY36"/>
+              </a:cxn>
+              <a:cxn ang="0">
+                <a:pos x="connsiteX37" y="connsiteY37"/>
+              </a:cxn>
+              <a:cxn ang="0">
+                <a:pos x="connsiteX38" y="connsiteY38"/>
+              </a:cxn>
+              <a:cxn ang="0">
+                <a:pos x="connsiteX39" y="connsiteY39"/>
+              </a:cxn>
+              <a:cxn ang="0">
+                <a:pos x="connsiteX40" y="connsiteY40"/>
+              </a:cxn>
+              <a:cxn ang="0">
+                <a:pos x="connsiteX41" y="connsiteY41"/>
+              </a:cxn>
+              <a:cxn ang="0">
+                <a:pos x="connsiteX42" y="connsiteY42"/>
+              </a:cxn>
+              <a:cxn ang="0">
+                <a:pos x="connsiteX43" y="connsiteY43"/>
+              </a:cxn>
+              <a:cxn ang="0">
+                <a:pos x="connsiteX44" y="connsiteY44"/>
+              </a:cxn>
+              <a:cxn ang="0">
+                <a:pos x="connsiteX45" y="connsiteY45"/>
+              </a:cxn>
+              <a:cxn ang="0">
+                <a:pos x="connsiteX46" y="connsiteY46"/>
+              </a:cxn>
+              <a:cxn ang="0">
+                <a:pos x="connsiteX47" y="connsiteY47"/>
+              </a:cxn>
+              <a:cxn ang="0">
+                <a:pos x="connsiteX48" y="connsiteY48"/>
+              </a:cxn>
+              <a:cxn ang="0">
+                <a:pos x="connsiteX49" y="connsiteY49"/>
+              </a:cxn>
+              <a:cxn ang="0">
+                <a:pos x="connsiteX50" y="connsiteY50"/>
+              </a:cxn>
+              <a:cxn ang="0">
+                <a:pos x="connsiteX51" y="connsiteY51"/>
+              </a:cxn>
+            </a:cxnLst>
+            <a:rect l="l" t="t" r="r" b="b"/>
+            <a:pathLst>
+              <a:path w="6053670" h="5581866">
+                <a:moveTo>
+                  <a:pt x="6053670" y="1098"/>
+                </a:moveTo>
+                <a:lnTo>
+                  <a:pt x="6053670" y="514028"/>
+                </a:lnTo>
+                <a:lnTo>
+                  <a:pt x="6053670" y="1254558"/>
+                </a:lnTo>
+                <a:lnTo>
+                  <a:pt x="6053670" y="5581866"/>
+                </a:lnTo>
+                <a:lnTo>
+                  <a:pt x="0" y="5581866"/>
+                </a:lnTo>
+                <a:lnTo>
+                  <a:pt x="0" y="1249853"/>
+                </a:lnTo>
+                <a:lnTo>
+                  <a:pt x="0" y="514028"/>
+                </a:lnTo>
+                <a:lnTo>
+                  <a:pt x="0" y="0"/>
+                </a:lnTo>
+                <a:lnTo>
+                  <a:pt x="35717" y="5488"/>
+                </a:lnTo>
+                <a:lnTo>
+                  <a:pt x="140445" y="21641"/>
+                </a:lnTo>
+                <a:lnTo>
+                  <a:pt x="216722" y="32932"/>
+                </a:lnTo>
+                <a:lnTo>
+                  <a:pt x="307527" y="44850"/>
+                </a:lnTo>
+                <a:lnTo>
+                  <a:pt x="415282" y="59121"/>
+                </a:lnTo>
+                <a:lnTo>
+                  <a:pt x="534539" y="74175"/>
+                </a:lnTo>
+                <a:lnTo>
+                  <a:pt x="668931" y="90014"/>
+                </a:lnTo>
+                <a:lnTo>
+                  <a:pt x="815430" y="106794"/>
+                </a:lnTo>
+                <a:lnTo>
+                  <a:pt x="974641" y="123574"/>
+                </a:lnTo>
+                <a:lnTo>
+                  <a:pt x="1144144" y="140667"/>
+                </a:lnTo>
+                <a:lnTo>
+                  <a:pt x="1326965" y="156506"/>
+                </a:lnTo>
+                <a:lnTo>
+                  <a:pt x="1518261" y="171717"/>
+                </a:lnTo>
+                <a:lnTo>
+                  <a:pt x="1720453" y="185518"/>
+                </a:lnTo>
+                <a:lnTo>
+                  <a:pt x="1931121" y="198690"/>
+                </a:lnTo>
+                <a:lnTo>
+                  <a:pt x="2150869" y="211079"/>
+                </a:lnTo>
+                <a:lnTo>
+                  <a:pt x="2263467" y="215470"/>
+                </a:lnTo>
+                <a:lnTo>
+                  <a:pt x="2378487" y="220332"/>
+                </a:lnTo>
+                <a:lnTo>
+                  <a:pt x="2495323" y="224879"/>
+                </a:lnTo>
+                <a:lnTo>
+                  <a:pt x="2612764" y="227859"/>
+                </a:lnTo>
+                <a:lnTo>
+                  <a:pt x="2732627" y="230525"/>
+                </a:lnTo>
+                <a:lnTo>
+                  <a:pt x="2853700" y="233348"/>
+                </a:lnTo>
+                <a:lnTo>
+                  <a:pt x="2977195" y="235229"/>
+                </a:lnTo>
+                <a:lnTo>
+                  <a:pt x="3101900" y="235229"/>
+                </a:lnTo>
+                <a:lnTo>
+                  <a:pt x="3227817" y="236170"/>
+                </a:lnTo>
+                <a:lnTo>
+                  <a:pt x="3354944" y="235229"/>
+                </a:lnTo>
+                <a:lnTo>
+                  <a:pt x="3483887" y="233348"/>
+                </a:lnTo>
+                <a:lnTo>
+                  <a:pt x="3612830" y="231623"/>
+                </a:lnTo>
+                <a:lnTo>
+                  <a:pt x="3743589" y="227859"/>
+                </a:lnTo>
+                <a:lnTo>
+                  <a:pt x="3875559" y="223938"/>
+                </a:lnTo>
+                <a:lnTo>
+                  <a:pt x="4007529" y="219391"/>
+                </a:lnTo>
+                <a:lnTo>
+                  <a:pt x="4140710" y="212961"/>
+                </a:lnTo>
+                <a:lnTo>
+                  <a:pt x="4275102" y="205277"/>
+                </a:lnTo>
+                <a:lnTo>
+                  <a:pt x="4410098" y="197907"/>
+                </a:lnTo>
+                <a:lnTo>
+                  <a:pt x="4545096" y="188498"/>
+                </a:lnTo>
+                <a:lnTo>
+                  <a:pt x="4681909" y="177207"/>
+                </a:lnTo>
+                <a:lnTo>
+                  <a:pt x="4816905" y="165916"/>
+                </a:lnTo>
+                <a:lnTo>
+                  <a:pt x="4954323" y="152899"/>
+                </a:lnTo>
+                <a:lnTo>
+                  <a:pt x="5092347" y="138629"/>
+                </a:lnTo>
+                <a:lnTo>
+                  <a:pt x="5228555" y="123574"/>
+                </a:lnTo>
+                <a:lnTo>
+                  <a:pt x="5366578" y="106010"/>
+                </a:lnTo>
+                <a:lnTo>
+                  <a:pt x="5503997" y="87192"/>
+                </a:lnTo>
+                <a:lnTo>
+                  <a:pt x="5642020" y="68530"/>
+                </a:lnTo>
+                <a:lnTo>
+                  <a:pt x="5779438" y="46733"/>
+                </a:lnTo>
+                <a:lnTo>
+                  <a:pt x="5916251" y="24464"/>
+                </a:lnTo>
+                <a:close/>
+              </a:path>
+            </a:pathLst>
+          </a:custGeom>
+          <a:solidFill>
+            <a:schemeClr val="tx1"/>
+          </a:solidFill>
+          <a:ln>
+            <a:noFill/>
+          </a:ln>
+        </p:spPr>
+      </p:sp>
+      <p:sp>
+        <p:nvSpPr>
+          <p:cNvPr id="46" name="Freeform 5">
+            <a:extLst>
+              <a:ext uri="{FF2B5EF4-FFF2-40B4-BE49-F238E27FC236}">
+                <a16:creationId xmlns:a16="http://schemas.microsoft.com/office/drawing/2014/main" id="{B5C860C9-D4F9-4350-80DA-0D1CD36C7741}"/>
+              </a:ext>
+              <a:ext uri="{C183D7F6-B498-43B3-948B-1728B52AA6E4}">
+                <adec:decorative xmlns:adec="http://schemas.microsoft.com/office/drawing/2017/decorative" val="1"/>
+              </a:ext>
+            </a:extLst>
+          </p:cNvPr>
+          <p:cNvSpPr>
+            <a:spLocks noGrp="1" noRot="1" noChangeAspect="1" noMove="1" noResize="1" noEditPoints="1" noAdjustHandles="1" noChangeArrowheads="1" noChangeShapeType="1" noTextEdit="1"/>
+          </p:cNvSpPr>
+          <p:nvPr>
+            <p:extLst>
+              <p:ext uri="{386F3935-93C4-4BCD-93E2-E3B085C9AB24}">
+                <p16:designElem xmlns:p16="http://schemas.microsoft.com/office/powerpoint/2015/main" val="1"/>
+              </p:ext>
+            </p:extLst>
+          </p:nvPr>
+        </p:nvSpPr>
+        <p:spPr bwMode="gray">
+          <a:xfrm>
+            <a:off x="0" y="1587"/>
+            <a:ext cx="12192000" cy="6856413"/>
+          </a:xfrm>
+          <a:custGeom>
+            <a:avLst/>
+            <a:gdLst/>
+            <a:ahLst/>
+            <a:cxnLst/>
+            <a:rect l="0" t="0" r="r" b="b"/>
+            <a:pathLst>
+              <a:path w="15356" h="8638">
+                <a:moveTo>
+                  <a:pt x="0" y="0"/>
+                </a:moveTo>
+                <a:lnTo>
+                  <a:pt x="0" y="8638"/>
+                </a:lnTo>
+                <a:lnTo>
+                  <a:pt x="15356" y="8638"/>
+                </a:lnTo>
+                <a:lnTo>
+                  <a:pt x="15356" y="0"/>
+                </a:lnTo>
+                <a:lnTo>
+                  <a:pt x="0" y="0"/>
+                </a:lnTo>
+                <a:close/>
+                <a:moveTo>
+                  <a:pt x="14748" y="8038"/>
+                </a:moveTo>
+                <a:lnTo>
+                  <a:pt x="600" y="8038"/>
+                </a:lnTo>
+                <a:lnTo>
+                  <a:pt x="600" y="592"/>
+                </a:lnTo>
+                <a:lnTo>
+                  <a:pt x="14748" y="592"/>
+                </a:lnTo>
+                <a:lnTo>
+                  <a:pt x="14748" y="8038"/>
+                </a:lnTo>
+                <a:close/>
+              </a:path>
+            </a:pathLst>
+          </a:custGeom>
+          <a:solidFill>
+            <a:schemeClr val="tx1"/>
+          </a:solidFill>
+          <a:ln>
+            <a:noFill/>
+          </a:ln>
+        </p:spPr>
+      </p:sp>
+      <p:sp>
+        <p:nvSpPr>
+          <p:cNvPr id="2" name="Title 1">
+            <a:extLst>
+              <a:ext uri="{FF2B5EF4-FFF2-40B4-BE49-F238E27FC236}">
+                <a16:creationId xmlns:a16="http://schemas.microsoft.com/office/drawing/2014/main" id="{CB012FBC-D401-4A92-BEF6-9A6BCD99B742}"/>
+              </a:ext>
+            </a:extLst>
+          </p:cNvPr>
+          <p:cNvSpPr>
+            <a:spLocks noGrp="1"/>
+          </p:cNvSpPr>
+          <p:nvPr>
+            <p:ph type="title"/>
+          </p:nvPr>
+        </p:nvSpPr>
+        <p:spPr>
+          <a:xfrm>
+            <a:off x="639098" y="629265"/>
+            <a:ext cx="5132438" cy="1622322"/>
+          </a:xfrm>
+        </p:spPr>
+        <p:txBody>
+          <a:bodyPr>
+            <a:normAutofit/>
+          </a:bodyPr>
+          <a:lstStyle/>
+          <a:p>
+            <a:r>
+              <a:rPr lang="en-US" dirty="0">
+                <a:solidFill>
+                  <a:srgbClr val="EBEBEB"/>
+                </a:solidFill>
+              </a:rPr>
+              <a:t>Fourth step: Deploy to Heroku</a:t>
+            </a:r>
+          </a:p>
+        </p:txBody>
+      </p:sp>
+      <p:pic>
+        <p:nvPicPr>
+          <p:cNvPr id="5" name="Picture 4">
+            <a:extLst>
+              <a:ext uri="{FF2B5EF4-FFF2-40B4-BE49-F238E27FC236}">
+                <a16:creationId xmlns:a16="http://schemas.microsoft.com/office/drawing/2014/main" id="{E32461A6-42AC-4457-9F78-66DD5AE415F5}"/>
+              </a:ext>
+            </a:extLst>
+          </p:cNvPr>
+          <p:cNvPicPr>
+            <a:picLocks noChangeAspect="1"/>
+          </p:cNvPicPr>
+          <p:nvPr/>
+        </p:nvPicPr>
+        <p:blipFill>
+          <a:blip r:embed="rId2">
+            <a:extLst>
+              <a:ext uri="{28A0092B-C50C-407E-A947-70E740481C1C}">
+                <a14:useLocalDpi xmlns:a14="http://schemas.microsoft.com/office/drawing/2010/main" val="0"/>
+              </a:ext>
+            </a:extLst>
+          </a:blip>
+          <a:stretch>
+            <a:fillRect/>
+          </a:stretch>
+        </p:blipFill>
+        <p:spPr>
+          <a:xfrm>
+            <a:off x="6714836" y="791924"/>
+            <a:ext cx="4828707" cy="5291733"/>
+          </a:xfrm>
+          <a:prstGeom prst="rect">
+            <a:avLst/>
+          </a:prstGeom>
+        </p:spPr>
+      </p:pic>
+      <p:sp>
+        <p:nvSpPr>
+          <p:cNvPr id="48" name="Rectangle 47">
+            <a:extLst>
+              <a:ext uri="{FF2B5EF4-FFF2-40B4-BE49-F238E27FC236}">
+                <a16:creationId xmlns:a16="http://schemas.microsoft.com/office/drawing/2014/main" id="{538A90C8-AE0E-4EBA-9AF8-EEDB206020E0}"/>
+              </a:ext>
+              <a:ext uri="{C183D7F6-B498-43B3-948B-1728B52AA6E4}">
+                <adec:decorative xmlns:adec="http://schemas.microsoft.com/office/drawing/2017/decorative" val="1"/>
+              </a:ext>
+            </a:extLst>
+          </p:cNvPr>
+          <p:cNvSpPr>
+            <a:spLocks noGrp="1" noRot="1" noChangeAspect="1" noMove="1" noResize="1" noEditPoints="1" noAdjustHandles="1" noChangeArrowheads="1" noChangeShapeType="1" noTextEdit="1"/>
+          </p:cNvSpPr>
+          <p:nvPr>
+            <p:extLst>
+              <p:ext uri="{386F3935-93C4-4BCD-93E2-E3B085C9AB24}">
+                <p16:designElem xmlns:p16="http://schemas.microsoft.com/office/powerpoint/2015/main" val="1"/>
+              </p:ext>
+            </p:extLst>
+          </p:nvPr>
+        </p:nvSpPr>
+        <p:spPr>
+          <a:xfrm>
+            <a:off x="10437812" y="0"/>
+            <a:ext cx="685800" cy="1143000"/>
+          </a:xfrm>
+          <a:prstGeom prst="rect">
+            <a:avLst/>
+          </a:prstGeom>
+          <a:solidFill>
+            <a:schemeClr val="accent1"/>
+          </a:solidFill>
+          <a:ln>
+            <a:noFill/>
+          </a:ln>
+        </p:spPr>
+        <p:style>
+          <a:lnRef idx="1">
+            <a:schemeClr val="accent1"/>
+          </a:lnRef>
+          <a:fillRef idx="3">
+            <a:schemeClr val="accent1"/>
+          </a:fillRef>
+          <a:effectRef idx="2">
+            <a:schemeClr val="accent1"/>
+          </a:effectRef>
+          <a:fontRef idx="minor">
+            <a:schemeClr val="lt1"/>
+          </a:fontRef>
+        </p:style>
+      </p:sp>
+      <p:sp>
+        <p:nvSpPr>
+          <p:cNvPr id="3" name="Content Placeholder 2">
+            <a:extLst>
+              <a:ext uri="{FF2B5EF4-FFF2-40B4-BE49-F238E27FC236}">
+                <a16:creationId xmlns:a16="http://schemas.microsoft.com/office/drawing/2014/main" id="{BECBD6DB-B94D-490B-B770-1A454AA07DB6}"/>
+              </a:ext>
+            </a:extLst>
+          </p:cNvPr>
+          <p:cNvSpPr>
+            <a:spLocks noGrp="1"/>
+          </p:cNvSpPr>
+          <p:nvPr>
+            <p:ph idx="1"/>
+          </p:nvPr>
+        </p:nvSpPr>
+        <p:spPr>
+          <a:xfrm>
+            <a:off x="639098" y="2418735"/>
+            <a:ext cx="5132439" cy="3811742"/>
+          </a:xfrm>
+        </p:spPr>
+        <p:txBody>
+          <a:bodyPr anchor="ctr">
+            <a:normAutofit/>
+          </a:bodyPr>
+          <a:lstStyle/>
+          <a:p>
+            <a:r>
+              <a:rPr lang="en-US" dirty="0">
+                <a:solidFill>
+                  <a:srgbClr val="FFFFFF"/>
+                </a:solidFill>
+              </a:rPr>
+              <a:t>Uploaded all files to GitHub with proper formatting needed for Heroku.</a:t>
+            </a:r>
+          </a:p>
+          <a:p>
+            <a:r>
+              <a:rPr lang="en-US" dirty="0">
+                <a:solidFill>
+                  <a:srgbClr val="FFFFFF"/>
+                </a:solidFill>
+              </a:rPr>
+              <a:t>Uploaded and linked to Heroku.</a:t>
+            </a:r>
+          </a:p>
+        </p:txBody>
+      </p:sp>
+    </p:spTree>
+    <p:extLst>
+      <p:ext uri="{BB962C8B-B14F-4D97-AF65-F5344CB8AC3E}">
+        <p14:creationId xmlns:p14="http://schemas.microsoft.com/office/powerpoint/2010/main" val="2201907584"/>
+      </p:ext>
+    </p:extLst>
+  </p:cSld>
+  <p:clrMapOvr>
+    <a:overrideClrMapping bg1="dk1" tx1="lt1" bg2="dk2" tx2="lt2" accent1="accent1" accent2="accent2" accent3="accent3" accent4="accent4" accent5="accent5" accent6="accent6" hlink="hlink" folHlink="folHlink"/>
+  </p:clrMapOvr>
+</p:sld>
+</file>
+
+<file path=ppt/slides/slide11.xml><?xml version="1.0" encoding="utf-8"?>
+<p:sld xmlns:a="http://schemas.openxmlformats.org/drawingml/2006/main" xmlns:r="http://schemas.openxmlformats.org/officeDocument/2006/relationships" xmlns:p="http://schemas.openxmlformats.org/presentationml/2006/main">
+  <p:cSld>
+    <p:spTree>
+      <p:nvGrpSpPr>
+        <p:cNvPr id="1" name=""/>
+        <p:cNvGrpSpPr/>
+        <p:nvPr/>
+      </p:nvGrpSpPr>
+      <p:grpSpPr>
+        <a:xfrm>
+          <a:off x="0" y="0"/>
+          <a:ext cx="0" cy="0"/>
+          <a:chOff x="0" y="0"/>
+          <a:chExt cx="0" cy="0"/>
+        </a:xfrm>
+      </p:grpSpPr>
+      <p:sp>
+        <p:nvSpPr>
+          <p:cNvPr id="2" name="Title 1">
+            <a:extLst>
+              <a:ext uri="{FF2B5EF4-FFF2-40B4-BE49-F238E27FC236}">
+                <a16:creationId xmlns:a16="http://schemas.microsoft.com/office/drawing/2014/main" id="{32E8079C-7768-4C9D-9164-82036CCBEC10}"/>
+              </a:ext>
+            </a:extLst>
+          </p:cNvPr>
+          <p:cNvSpPr>
+            <a:spLocks noGrp="1"/>
+          </p:cNvSpPr>
+          <p:nvPr>
+            <p:ph type="title"/>
+          </p:nvPr>
+        </p:nvSpPr>
+        <p:spPr/>
+        <p:txBody>
+          <a:bodyPr/>
+          <a:lstStyle/>
+          <a:p>
+            <a:r>
+              <a:rPr lang="en-US" dirty="0"/>
+              <a:t>Technologies used</a:t>
+            </a:r>
+          </a:p>
+        </p:txBody>
+      </p:sp>
+      <p:sp>
+        <p:nvSpPr>
+          <p:cNvPr id="3" name="Content Placeholder 2">
+            <a:extLst>
+              <a:ext uri="{FF2B5EF4-FFF2-40B4-BE49-F238E27FC236}">
+                <a16:creationId xmlns:a16="http://schemas.microsoft.com/office/drawing/2014/main" id="{C787BA95-7D61-4C8A-846D-FFE481615B3B}"/>
+              </a:ext>
+            </a:extLst>
+          </p:cNvPr>
+          <p:cNvSpPr>
+            <a:spLocks noGrp="1"/>
+          </p:cNvSpPr>
+          <p:nvPr>
+            <p:ph idx="1"/>
+          </p:nvPr>
+        </p:nvSpPr>
+        <p:spPr/>
+        <p:txBody>
+          <a:bodyPr/>
+          <a:lstStyle/>
+          <a:p>
+            <a:r>
+              <a:rPr lang="en-US" dirty="0"/>
+              <a:t>Python, Pandas, </a:t>
+            </a:r>
+            <a:r>
+              <a:rPr lang="en-US" dirty="0" err="1"/>
+              <a:t>Jupyter</a:t>
+            </a:r>
+            <a:r>
+              <a:rPr lang="en-US" dirty="0"/>
+              <a:t> Notebook, PostgreSQL, Flask, </a:t>
+            </a:r>
+            <a:r>
+              <a:rPr lang="en-US" dirty="0" err="1"/>
+              <a:t>Javascript</a:t>
+            </a:r>
+            <a:r>
+              <a:rPr lang="en-US" dirty="0"/>
+              <a:t>, D3,CSS Heroku</a:t>
+            </a:r>
+          </a:p>
+        </p:txBody>
+      </p:sp>
+    </p:spTree>
+    <p:extLst>
+      <p:ext uri="{BB962C8B-B14F-4D97-AF65-F5344CB8AC3E}">
+        <p14:creationId xmlns:p14="http://schemas.microsoft.com/office/powerpoint/2010/main" val="1550632609"/>
+      </p:ext>
+    </p:extLst>
+  </p:cSld>
+  <p:clrMapOvr>
+    <a:masterClrMapping/>
+  </p:clrMapOvr>
+</p:sld>
+</file>
+
+<file path=ppt/slides/slide12.xml><?xml version="1.0" encoding="utf-8"?>
+<p:sld xmlns:a="http://schemas.openxmlformats.org/drawingml/2006/main" xmlns:r="http://schemas.openxmlformats.org/officeDocument/2006/relationships" xmlns:p="http://schemas.openxmlformats.org/presentationml/2006/main">
+  <p:cSld>
+    <p:bg>
+      <p:bgPr>
+        <a:solidFill>
+          <a:schemeClr val="bg1"/>
+        </a:solidFill>
+        <a:effectLst/>
+      </p:bgPr>
+    </p:bg>
+    <p:spTree>
+      <p:nvGrpSpPr>
+        <p:cNvPr id="1" name=""/>
+        <p:cNvGrpSpPr/>
+        <p:nvPr/>
+      </p:nvGrpSpPr>
+      <p:grpSpPr>
+        <a:xfrm>
+          <a:off x="0" y="0"/>
+          <a:ext cx="0" cy="0"/>
+          <a:chOff x="0" y="0"/>
+          <a:chExt cx="0" cy="0"/>
+        </a:xfrm>
+      </p:grpSpPr>
+      <p:grpSp>
+        <p:nvGrpSpPr>
+          <p:cNvPr id="10" name="Group 9">
+            <a:extLst>
+              <a:ext uri="{FF2B5EF4-FFF2-40B4-BE49-F238E27FC236}">
+                <a16:creationId xmlns:a16="http://schemas.microsoft.com/office/drawing/2014/main" id="{4091D54B-59AB-4A5E-8E9E-0421BD66D4FB}"/>
+              </a:ext>
+              <a:ext uri="{C183D7F6-B498-43B3-948B-1728B52AA6E4}">
+                <adec:decorative xmlns:adec="http://schemas.microsoft.com/office/drawing/2017/decorative" val="1"/>
+              </a:ext>
+            </a:extLst>
+          </p:cNvPr>
+          <p:cNvGrpSpPr>
+            <a:grpSpLocks noGrp="1" noUngrp="1" noRot="1" noChangeAspect="1" noMove="1" noResize="1"/>
+          </p:cNvGrpSpPr>
+          <p:nvPr>
+            <p:extLst>
+              <p:ext uri="{386F3935-93C4-4BCD-93E2-E3B085C9AB24}">
+                <p16:designElem xmlns:p16="http://schemas.microsoft.com/office/powerpoint/2015/main" val="1"/>
+              </p:ext>
+            </p:extLst>
+          </p:nvPr>
+        </p:nvGrpSpPr>
+        <p:grpSpPr>
+          <a:xfrm>
+            <a:off x="0" y="0"/>
+            <a:ext cx="12192000" cy="6858000"/>
+            <a:chOff x="0" y="0"/>
+            <a:chExt cx="12192000" cy="6858000"/>
+          </a:xfrm>
+        </p:grpSpPr>
+        <p:sp>
+          <p:nvSpPr>
+            <p:cNvPr id="11" name="Rectangle 10">
+              <a:extLst>
+                <a:ext uri="{FF2B5EF4-FFF2-40B4-BE49-F238E27FC236}">
+                  <a16:creationId xmlns:a16="http://schemas.microsoft.com/office/drawing/2014/main" id="{547CE62E-FFFD-4A1F-BA78-C3B89C36FCA5}"/>
+                </a:ext>
+                <a:ext uri="{C183D7F6-B498-43B3-948B-1728B52AA6E4}">
+                  <adec:decorative xmlns:adec="http://schemas.microsoft.com/office/drawing/2017/decorative" val="1"/>
+                </a:ext>
+              </a:extLst>
+            </p:cNvPr>
+            <p:cNvSpPr/>
+            <p:nvPr>
+              <p:extLst>
+                <p:ext uri="{386F3935-93C4-4BCD-93E2-E3B085C9AB24}">
+                  <p16:designElem xmlns:p16="http://schemas.microsoft.com/office/powerpoint/2015/main" val="1"/>
+                </p:ext>
+              </p:extLst>
+            </p:nvPr>
+          </p:nvSpPr>
+          <p:spPr>
+            <a:xfrm>
+              <a:off x="0" y="0"/>
+              <a:ext cx="12192000" cy="6858000"/>
+            </a:xfrm>
+            <a:prstGeom prst="rect">
+              <a:avLst/>
+            </a:prstGeom>
+            <a:blipFill>
+              <a:blip r:embed="rId2">
+                <a:duotone>
+                  <a:schemeClr val="dk2">
+                    <a:shade val="69000"/>
+                    <a:hueMod val="91000"/>
+                    <a:satMod val="164000"/>
+                    <a:lumMod val="74000"/>
+                  </a:schemeClr>
+                  <a:schemeClr val="dk2">
+                    <a:hueMod val="124000"/>
+                    <a:satMod val="140000"/>
+                    <a:lumMod val="142000"/>
+                  </a:schemeClr>
+                </a:duotone>
+              </a:blip>
+              <a:stretch>
+                <a:fillRect/>
+              </a:stretch>
+            </a:blipFill>
+            <a:ln>
+              <a:noFill/>
+            </a:ln>
+          </p:spPr>
+          <p:style>
+            <a:lnRef idx="2">
+              <a:schemeClr val="accent1">
+                <a:shade val="50000"/>
+              </a:schemeClr>
+            </a:lnRef>
+            <a:fillRef idx="1">
+              <a:schemeClr val="accent1"/>
+            </a:fillRef>
+            <a:effectRef idx="0">
+              <a:schemeClr val="accent1"/>
+            </a:effectRef>
+            <a:fontRef idx="minor">
+              <a:schemeClr val="lt1"/>
+            </a:fontRef>
+          </p:style>
+        </p:sp>
+        <p:sp>
+          <p:nvSpPr>
+            <p:cNvPr id="12" name="Freeform 5">
+              <a:extLst>
+                <a:ext uri="{FF2B5EF4-FFF2-40B4-BE49-F238E27FC236}">
+                  <a16:creationId xmlns:a16="http://schemas.microsoft.com/office/drawing/2014/main" id="{AE51FD27-6B6A-4D21-BF22-245DA9BD0B3E}"/>
+                </a:ext>
+                <a:ext uri="{C183D7F6-B498-43B3-948B-1728B52AA6E4}">
+                  <adec:decorative xmlns:adec="http://schemas.microsoft.com/office/drawing/2017/decorative" val="1"/>
+                </a:ext>
+              </a:extLst>
+            </p:cNvPr>
+            <p:cNvSpPr>
+              <a:spLocks noEditPoints="1"/>
+            </p:cNvSpPr>
+            <p:nvPr>
+              <p:extLst>
+                <p:ext uri="{386F3935-93C4-4BCD-93E2-E3B085C9AB24}">
+                  <p16:designElem xmlns:p16="http://schemas.microsoft.com/office/powerpoint/2015/main" val="1"/>
+                </p:ext>
+              </p:extLst>
+            </p:nvPr>
+          </p:nvSpPr>
+          <p:spPr bwMode="gray">
+            <a:xfrm>
+              <a:off x="0" y="1587"/>
+              <a:ext cx="12192000" cy="6856413"/>
+            </a:xfrm>
+            <a:custGeom>
+              <a:avLst/>
+              <a:gdLst/>
+              <a:ahLst/>
+              <a:cxnLst/>
+              <a:rect l="0" t="0" r="r" b="b"/>
+              <a:pathLst>
+                <a:path w="15356" h="8638">
+                  <a:moveTo>
+                    <a:pt x="0" y="0"/>
+                  </a:moveTo>
+                  <a:lnTo>
+                    <a:pt x="0" y="8638"/>
+                  </a:lnTo>
+                  <a:lnTo>
+                    <a:pt x="15356" y="8638"/>
+                  </a:lnTo>
+                  <a:lnTo>
+                    <a:pt x="15356" y="0"/>
+                  </a:lnTo>
+                  <a:lnTo>
+                    <a:pt x="0" y="0"/>
+                  </a:lnTo>
+                  <a:close/>
+                  <a:moveTo>
+                    <a:pt x="14748" y="8038"/>
+                  </a:moveTo>
+                  <a:lnTo>
+                    <a:pt x="600" y="8038"/>
+                  </a:lnTo>
+                  <a:lnTo>
+                    <a:pt x="600" y="592"/>
+                  </a:lnTo>
+                  <a:lnTo>
+                    <a:pt x="14748" y="592"/>
+                  </a:lnTo>
+                  <a:lnTo>
+                    <a:pt x="14748" y="8038"/>
+                  </a:lnTo>
+                  <a:close/>
+                </a:path>
+              </a:pathLst>
+            </a:custGeom>
+            <a:solidFill>
+              <a:schemeClr val="bg1"/>
+            </a:solidFill>
+            <a:ln>
+              <a:noFill/>
+            </a:ln>
+          </p:spPr>
+        </p:sp>
+      </p:grpSp>
+      <p:sp>
+        <p:nvSpPr>
+          <p:cNvPr id="14" name="Rectangle 13">
+            <a:extLst>
+              <a:ext uri="{FF2B5EF4-FFF2-40B4-BE49-F238E27FC236}">
+                <a16:creationId xmlns:a16="http://schemas.microsoft.com/office/drawing/2014/main" id="{B8144315-1C5A-4185-A952-25D98D303D46}"/>
+              </a:ext>
+              <a:ext uri="{C183D7F6-B498-43B3-948B-1728B52AA6E4}">
+                <adec:decorative xmlns:adec="http://schemas.microsoft.com/office/drawing/2017/decorative" val="1"/>
+              </a:ext>
+            </a:extLst>
+          </p:cNvPr>
+          <p:cNvSpPr>
+            <a:spLocks noGrp="1" noRot="1" noChangeAspect="1" noMove="1" noResize="1" noEditPoints="1" noAdjustHandles="1" noChangeArrowheads="1" noChangeShapeType="1" noTextEdit="1"/>
+          </p:cNvSpPr>
+          <p:nvPr>
+            <p:extLst>
+              <p:ext uri="{386F3935-93C4-4BCD-93E2-E3B085C9AB24}">
+                <p16:designElem xmlns:p16="http://schemas.microsoft.com/office/powerpoint/2015/main" val="1"/>
+              </p:ext>
+            </p:extLst>
+          </p:nvPr>
+        </p:nvSpPr>
+        <p:spPr>
+          <a:xfrm>
+            <a:off x="10437812" y="0"/>
+            <a:ext cx="685800" cy="1143000"/>
+          </a:xfrm>
+          <a:prstGeom prst="rect">
+            <a:avLst/>
+          </a:prstGeom>
+          <a:solidFill>
+            <a:schemeClr val="accent1"/>
+          </a:solidFill>
+          <a:ln>
+            <a:noFill/>
+          </a:ln>
+        </p:spPr>
+        <p:style>
+          <a:lnRef idx="1">
+            <a:schemeClr val="accent1"/>
+          </a:lnRef>
+          <a:fillRef idx="3">
+            <a:schemeClr val="accent1"/>
+          </a:fillRef>
+          <a:effectRef idx="2">
+            <a:schemeClr val="accent1"/>
+          </a:effectRef>
+          <a:fontRef idx="minor">
+            <a:schemeClr val="lt1"/>
+          </a:fontRef>
+        </p:style>
+      </p:sp>
+      <p:sp>
+        <p:nvSpPr>
+          <p:cNvPr id="16" name="Freeform 5">
+            <a:extLst>
+              <a:ext uri="{FF2B5EF4-FFF2-40B4-BE49-F238E27FC236}">
+                <a16:creationId xmlns:a16="http://schemas.microsoft.com/office/drawing/2014/main" id="{11CAC6F2-0806-417B-BF5D-5AEF6195FA49}"/>
+              </a:ext>
+              <a:ext uri="{C183D7F6-B498-43B3-948B-1728B52AA6E4}">
+                <adec:decorative xmlns:adec="http://schemas.microsoft.com/office/drawing/2017/decorative" val="1"/>
+              </a:ext>
+            </a:extLst>
+          </p:cNvPr>
+          <p:cNvSpPr>
+            <a:spLocks noGrp="1" noRot="1" noChangeAspect="1" noMove="1" noResize="1" noEditPoints="1" noAdjustHandles="1" noChangeArrowheads="1" noChangeShapeType="1" noTextEdit="1"/>
+          </p:cNvSpPr>
+          <p:nvPr>
+            <p:extLst>
+              <p:ext uri="{386F3935-93C4-4BCD-93E2-E3B085C9AB24}">
+                <p16:designElem xmlns:p16="http://schemas.microsoft.com/office/powerpoint/2015/main" val="1"/>
+              </p:ext>
+            </p:extLst>
+          </p:nvPr>
+        </p:nvSpPr>
+        <p:spPr bwMode="gray">
+          <a:xfrm>
+            <a:off x="0" y="1587"/>
+            <a:ext cx="12192000" cy="6856413"/>
+          </a:xfrm>
+          <a:custGeom>
+            <a:avLst/>
+            <a:gdLst/>
+            <a:ahLst/>
+            <a:cxnLst/>
+            <a:rect l="0" t="0" r="r" b="b"/>
+            <a:pathLst>
+              <a:path w="15356" h="8638">
+                <a:moveTo>
+                  <a:pt x="0" y="0"/>
+                </a:moveTo>
+                <a:lnTo>
+                  <a:pt x="0" y="8638"/>
+                </a:lnTo>
+                <a:lnTo>
+                  <a:pt x="15356" y="8638"/>
+                </a:lnTo>
+                <a:lnTo>
+                  <a:pt x="15356" y="0"/>
+                </a:lnTo>
+                <a:lnTo>
+                  <a:pt x="0" y="0"/>
+                </a:lnTo>
+                <a:close/>
+                <a:moveTo>
+                  <a:pt x="14748" y="8038"/>
+                </a:moveTo>
+                <a:lnTo>
+                  <a:pt x="600" y="8038"/>
+                </a:lnTo>
+                <a:lnTo>
+                  <a:pt x="600" y="592"/>
+                </a:lnTo>
+                <a:lnTo>
+                  <a:pt x="14748" y="592"/>
+                </a:lnTo>
+                <a:lnTo>
+                  <a:pt x="14748" y="8038"/>
+                </a:lnTo>
+                <a:close/>
+              </a:path>
+            </a:pathLst>
+          </a:custGeom>
+          <a:solidFill>
+            <a:schemeClr val="tx1"/>
+          </a:solidFill>
+          <a:ln>
+            <a:noFill/>
+          </a:ln>
+        </p:spPr>
+      </p:sp>
+      <p:sp>
+        <p:nvSpPr>
+          <p:cNvPr id="18" name="Rectangle 17">
+            <a:extLst>
+              <a:ext uri="{FF2B5EF4-FFF2-40B4-BE49-F238E27FC236}">
+                <a16:creationId xmlns:a16="http://schemas.microsoft.com/office/drawing/2014/main" id="{D4723B02-0AAB-4F6E-BA41-8ED99D559D93}"/>
+              </a:ext>
+              <a:ext uri="{C183D7F6-B498-43B3-948B-1728B52AA6E4}">
+                <adec:decorative xmlns:adec="http://schemas.microsoft.com/office/drawing/2017/decorative" val="1"/>
+              </a:ext>
+            </a:extLst>
+          </p:cNvPr>
+          <p:cNvSpPr>
+            <a:spLocks noGrp="1" noRot="1" noChangeAspect="1" noMove="1" noResize="1" noEditPoints="1" noAdjustHandles="1" noChangeArrowheads="1" noChangeShapeType="1" noTextEdit="1"/>
+          </p:cNvSpPr>
+          <p:nvPr>
+            <p:extLst>
+              <p:ext uri="{386F3935-93C4-4BCD-93E2-E3B085C9AB24}">
+                <p16:designElem xmlns:p16="http://schemas.microsoft.com/office/powerpoint/2015/main" val="1"/>
+              </p:ext>
+            </p:extLst>
+          </p:nvPr>
+        </p:nvSpPr>
+        <p:spPr>
+          <a:xfrm>
+            <a:off x="10437812" y="0"/>
+            <a:ext cx="685800" cy="1143000"/>
+          </a:xfrm>
+          <a:prstGeom prst="rect">
+            <a:avLst/>
+          </a:prstGeom>
+          <a:solidFill>
+            <a:schemeClr val="accent1"/>
+          </a:solidFill>
+          <a:ln>
+            <a:noFill/>
+          </a:ln>
+        </p:spPr>
+        <p:style>
+          <a:lnRef idx="1">
+            <a:schemeClr val="accent1"/>
+          </a:lnRef>
+          <a:fillRef idx="3">
+            <a:schemeClr val="accent1"/>
+          </a:fillRef>
+          <a:effectRef idx="2">
+            <a:schemeClr val="accent1"/>
+          </a:effectRef>
+          <a:fontRef idx="minor">
+            <a:schemeClr val="lt1"/>
+          </a:fontRef>
+        </p:style>
+      </p:sp>
+      <p:sp>
+        <p:nvSpPr>
+          <p:cNvPr id="2" name="Title 1">
+            <a:extLst>
+              <a:ext uri="{FF2B5EF4-FFF2-40B4-BE49-F238E27FC236}">
+                <a16:creationId xmlns:a16="http://schemas.microsoft.com/office/drawing/2014/main" id="{570ACB8E-5A29-491D-BC36-422D24B370EF}"/>
+              </a:ext>
+            </a:extLst>
+          </p:cNvPr>
+          <p:cNvSpPr>
+            <a:spLocks noGrp="1"/>
+          </p:cNvSpPr>
+          <p:nvPr>
+            <p:ph type="title"/>
+          </p:nvPr>
+        </p:nvSpPr>
+        <p:spPr>
+          <a:xfrm>
+            <a:off x="8160773" y="1113062"/>
+            <a:ext cx="3382297" cy="3281957"/>
+          </a:xfrm>
+        </p:spPr>
+        <p:txBody>
+          <a:bodyPr vert="horz" lIns="91440" tIns="45720" rIns="91440" bIns="45720" rtlCol="0" anchor="b">
+            <a:normAutofit/>
+          </a:bodyPr>
+          <a:lstStyle/>
+          <a:p>
+            <a:r>
+              <a:rPr lang="en-US" sz="4600" b="0" i="0" kern="1200">
+                <a:solidFill>
+                  <a:srgbClr val="EBEBEB"/>
+                </a:solidFill>
+                <a:latin typeface="+mj-lt"/>
+                <a:ea typeface="+mj-ea"/>
+                <a:cs typeface="+mj-cs"/>
+              </a:rPr>
+              <a:t>Any questions?</a:t>
+            </a:r>
+          </a:p>
+        </p:txBody>
+      </p:sp>
+      <p:pic>
+        <p:nvPicPr>
+          <p:cNvPr id="5" name="Content Placeholder 4">
+            <a:extLst>
+              <a:ext uri="{FF2B5EF4-FFF2-40B4-BE49-F238E27FC236}">
+                <a16:creationId xmlns:a16="http://schemas.microsoft.com/office/drawing/2014/main" id="{AFFA521D-3FDE-4FE4-8C6C-6049FE7349B6}"/>
+              </a:ext>
+            </a:extLst>
+          </p:cNvPr>
+          <p:cNvPicPr>
+            <a:picLocks noGrp="1" noChangeAspect="1"/>
+          </p:cNvPicPr>
+          <p:nvPr>
+            <p:ph idx="1"/>
+          </p:nvPr>
+        </p:nvPicPr>
+        <p:blipFill>
+          <a:blip r:embed="rId3">
+            <a:extLst>
+              <a:ext uri="{28A0092B-C50C-407E-A947-70E740481C1C}">
+                <a14:useLocalDpi xmlns:a14="http://schemas.microsoft.com/office/drawing/2010/main" val="0"/>
+              </a:ext>
+            </a:extLst>
+          </a:blip>
+          <a:stretch>
+            <a:fillRect/>
+          </a:stretch>
+        </p:blipFill>
+        <p:spPr>
+          <a:xfrm>
+            <a:off x="2030837" y="1113063"/>
+            <a:ext cx="4628758" cy="4628758"/>
+          </a:xfrm>
+          <a:prstGeom prst="roundRect">
+            <a:avLst>
+              <a:gd name="adj" fmla="val 1858"/>
+            </a:avLst>
+          </a:prstGeom>
+          <a:effectLst>
+            <a:outerShdw blurRad="50800" dist="50800" dir="5400000" algn="tl" rotWithShape="0">
+              <a:srgbClr val="000000">
+                <a:alpha val="43000"/>
+              </a:srgbClr>
+            </a:outerShdw>
+          </a:effectLst>
+        </p:spPr>
+      </p:pic>
+    </p:spTree>
+    <p:extLst>
+      <p:ext uri="{BB962C8B-B14F-4D97-AF65-F5344CB8AC3E}">
+        <p14:creationId xmlns:p14="http://schemas.microsoft.com/office/powerpoint/2010/main" val="2957720035"/>
+      </p:ext>
+    </p:extLst>
+  </p:cSld>
+  <p:clrMapOvr>
+    <a:overrideClrMapping bg1="dk1" tx1="lt1" bg2="dk2" tx2="lt2" accent1="accent1" accent2="accent2" accent3="accent3" accent4="accent4" accent5="accent5" accent6="accent6" hlink="hlink" folHlink="folHlink"/>
   </p:clrMapOvr>
 </p:sld>
 </file>
@@ -17042,6 +18617,95 @@
 <file path=ppt/slides/slide5.xml><?xml version="1.0" encoding="utf-8"?>
 <p:sld xmlns:a="http://schemas.openxmlformats.org/drawingml/2006/main" xmlns:r="http://schemas.openxmlformats.org/officeDocument/2006/relationships" xmlns:p="http://schemas.openxmlformats.org/presentationml/2006/main">
   <p:cSld>
+    <p:spTree>
+      <p:nvGrpSpPr>
+        <p:cNvPr id="1" name=""/>
+        <p:cNvGrpSpPr/>
+        <p:nvPr/>
+      </p:nvGrpSpPr>
+      <p:grpSpPr>
+        <a:xfrm>
+          <a:off x="0" y="0"/>
+          <a:ext cx="0" cy="0"/>
+          <a:chOff x="0" y="0"/>
+          <a:chExt cx="0" cy="0"/>
+        </a:xfrm>
+      </p:grpSpPr>
+      <p:sp>
+        <p:nvSpPr>
+          <p:cNvPr id="2" name="Title 1">
+            <a:extLst>
+              <a:ext uri="{FF2B5EF4-FFF2-40B4-BE49-F238E27FC236}">
+                <a16:creationId xmlns:a16="http://schemas.microsoft.com/office/drawing/2014/main" id="{F96A4A0B-7E79-4585-9669-215F9C3D858C}"/>
+              </a:ext>
+            </a:extLst>
+          </p:cNvPr>
+          <p:cNvSpPr>
+            <a:spLocks noGrp="1"/>
+          </p:cNvSpPr>
+          <p:nvPr>
+            <p:ph type="title"/>
+          </p:nvPr>
+        </p:nvSpPr>
+        <p:spPr/>
+        <p:txBody>
+          <a:bodyPr/>
+          <a:lstStyle/>
+          <a:p>
+            <a:r>
+              <a:rPr lang="en-US" dirty="0"/>
+              <a:t>Website Demonstration</a:t>
+            </a:r>
+          </a:p>
+        </p:txBody>
+      </p:sp>
+      <p:sp>
+        <p:nvSpPr>
+          <p:cNvPr id="3" name="Content Placeholder 2">
+            <a:extLst>
+              <a:ext uri="{FF2B5EF4-FFF2-40B4-BE49-F238E27FC236}">
+                <a16:creationId xmlns:a16="http://schemas.microsoft.com/office/drawing/2014/main" id="{51F5D57E-41A2-45EE-A363-432AA11A70E4}"/>
+              </a:ext>
+            </a:extLst>
+          </p:cNvPr>
+          <p:cNvSpPr>
+            <a:spLocks noGrp="1"/>
+          </p:cNvSpPr>
+          <p:nvPr>
+            <p:ph idx="1"/>
+          </p:nvPr>
+        </p:nvSpPr>
+        <p:spPr/>
+        <p:txBody>
+          <a:bodyPr/>
+          <a:lstStyle/>
+          <a:p>
+            <a:r>
+              <a:rPr lang="en-US" dirty="0">
+                <a:hlinkClick r:id="rId2"/>
+              </a:rPr>
+              <a:t>https://wine-recommendations-2017.herokuapp.com</a:t>
+            </a:r>
+            <a:endParaRPr lang="en-US" dirty="0"/>
+          </a:p>
+        </p:txBody>
+      </p:sp>
+    </p:spTree>
+    <p:extLst>
+      <p:ext uri="{BB962C8B-B14F-4D97-AF65-F5344CB8AC3E}">
+        <p14:creationId xmlns:p14="http://schemas.microsoft.com/office/powerpoint/2010/main" val="2056564693"/>
+      </p:ext>
+    </p:extLst>
+  </p:cSld>
+  <p:clrMapOvr>
+    <a:masterClrMapping/>
+  </p:clrMapOvr>
+</p:sld>
+</file>
+
+<file path=ppt/slides/slide6.xml><?xml version="1.0" encoding="utf-8"?>
+<p:sld xmlns:a="http://schemas.openxmlformats.org/drawingml/2006/main" xmlns:r="http://schemas.openxmlformats.org/officeDocument/2006/relationships" xmlns:p="http://schemas.openxmlformats.org/presentationml/2006/main">
+  <p:cSld>
     <p:bg>
       <p:bgPr>
         <a:solidFill>
@@ -18050,7 +19714,7 @@
 </p:sld>
 </file>
 
-<file path=ppt/slides/slide6.xml><?xml version="1.0" encoding="utf-8"?>
+<file path=ppt/slides/slide7.xml><?xml version="1.0" encoding="utf-8"?>
 <p:sld xmlns:a="http://schemas.openxmlformats.org/drawingml/2006/main" xmlns:r="http://schemas.openxmlformats.org/officeDocument/2006/relationships" xmlns:p="http://schemas.openxmlformats.org/presentationml/2006/main">
   <p:cSld>
     <p:bg>
@@ -19077,7 +20741,1199 @@
 </p:sld>
 </file>
 
-<file path=ppt/slides/slide7.xml><?xml version="1.0" encoding="utf-8"?>
+<file path=ppt/slides/slide8.xml><?xml version="1.0" encoding="utf-8"?>
+<p:sld xmlns:a="http://schemas.openxmlformats.org/drawingml/2006/main" xmlns:r="http://schemas.openxmlformats.org/officeDocument/2006/relationships" xmlns:p="http://schemas.openxmlformats.org/presentationml/2006/main">
+  <p:cSld>
+    <p:bg>
+      <p:bgPr>
+        <a:solidFill>
+          <a:schemeClr val="bg1"/>
+        </a:solidFill>
+        <a:effectLst/>
+      </p:bgPr>
+    </p:bg>
+    <p:spTree>
+      <p:nvGrpSpPr>
+        <p:cNvPr id="1" name=""/>
+        <p:cNvGrpSpPr/>
+        <p:nvPr/>
+      </p:nvGrpSpPr>
+      <p:grpSpPr>
+        <a:xfrm>
+          <a:off x="0" y="0"/>
+          <a:ext cx="0" cy="0"/>
+          <a:chOff x="0" y="0"/>
+          <a:chExt cx="0" cy="0"/>
+        </a:xfrm>
+      </p:grpSpPr>
+      <p:sp>
+        <p:nvSpPr>
+          <p:cNvPr id="40" name="Rectangle 39">
+            <a:extLst>
+              <a:ext uri="{FF2B5EF4-FFF2-40B4-BE49-F238E27FC236}">
+                <a16:creationId xmlns:a16="http://schemas.microsoft.com/office/drawing/2014/main" id="{38ABDB68-E3D5-448E-97D3-06FFEF680193}"/>
+              </a:ext>
+              <a:ext uri="{C183D7F6-B498-43B3-948B-1728B52AA6E4}">
+                <adec:decorative xmlns:adec="http://schemas.microsoft.com/office/drawing/2017/decorative" val="1"/>
+              </a:ext>
+            </a:extLst>
+          </p:cNvPr>
+          <p:cNvSpPr>
+            <a:spLocks noGrp="1" noRot="1" noChangeAspect="1" noMove="1" noResize="1" noEditPoints="1" noAdjustHandles="1" noChangeArrowheads="1" noChangeShapeType="1" noTextEdit="1"/>
+          </p:cNvSpPr>
+          <p:nvPr>
+            <p:extLst>
+              <p:ext uri="{386F3935-93C4-4BCD-93E2-E3B085C9AB24}">
+                <p16:designElem xmlns:p16="http://schemas.microsoft.com/office/powerpoint/2015/main" val="1"/>
+              </p:ext>
+            </p:extLst>
+          </p:nvPr>
+        </p:nvSpPr>
+        <p:spPr>
+          <a:xfrm>
+            <a:off x="0" y="0"/>
+            <a:ext cx="12192000" cy="6858000"/>
+          </a:xfrm>
+          <a:prstGeom prst="rect">
+            <a:avLst/>
+          </a:prstGeom>
+          <a:ln>
+            <a:noFill/>
+          </a:ln>
+        </p:spPr>
+        <p:style>
+          <a:lnRef idx="2">
+            <a:schemeClr val="accent1">
+              <a:shade val="50000"/>
+            </a:schemeClr>
+          </a:lnRef>
+          <a:fillRef idx="1003">
+            <a:schemeClr val="dk2"/>
+          </a:fillRef>
+          <a:effectRef idx="0">
+            <a:schemeClr val="accent1"/>
+          </a:effectRef>
+          <a:fontRef idx="minor">
+            <a:schemeClr val="lt1"/>
+          </a:fontRef>
+        </p:style>
+      </p:sp>
+      <p:sp>
+        <p:nvSpPr>
+          <p:cNvPr id="42" name="Freeform 5">
+            <a:extLst>
+              <a:ext uri="{FF2B5EF4-FFF2-40B4-BE49-F238E27FC236}">
+                <a16:creationId xmlns:a16="http://schemas.microsoft.com/office/drawing/2014/main" id="{B8DD7FEB-D9F3-4F5B-982C-36B0664D0205}"/>
+              </a:ext>
+              <a:ext uri="{C183D7F6-B498-43B3-948B-1728B52AA6E4}">
+                <adec:decorative xmlns:adec="http://schemas.microsoft.com/office/drawing/2017/decorative" val="1"/>
+              </a:ext>
+            </a:extLst>
+          </p:cNvPr>
+          <p:cNvSpPr>
+            <a:spLocks noGrp="1" noRot="1" noChangeAspect="1" noMove="1" noResize="1" noEditPoints="1" noAdjustHandles="1" noChangeArrowheads="1" noChangeShapeType="1" noTextEdit="1"/>
+          </p:cNvSpPr>
+          <p:nvPr>
+            <p:extLst>
+              <p:ext uri="{386F3935-93C4-4BCD-93E2-E3B085C9AB24}">
+                <p16:designElem xmlns:p16="http://schemas.microsoft.com/office/powerpoint/2015/main" val="1"/>
+              </p:ext>
+            </p:extLst>
+          </p:nvPr>
+        </p:nvSpPr>
+        <p:spPr bwMode="gray">
+          <a:xfrm rot="15922489">
+            <a:off x="5376762" y="1826078"/>
+            <a:ext cx="3299407" cy="440924"/>
+          </a:xfrm>
+          <a:custGeom>
+            <a:avLst/>
+            <a:gdLst/>
+            <a:ahLst/>
+            <a:cxnLst/>
+            <a:rect l="l" t="t" r="r" b="b"/>
+            <a:pathLst>
+              <a:path w="10000" h="5291">
+                <a:moveTo>
+                  <a:pt x="85" y="2532"/>
+                </a:moveTo>
+                <a:cubicBezTo>
+                  <a:pt x="1736" y="3911"/>
+                  <a:pt x="7524" y="5298"/>
+                  <a:pt x="9958" y="5291"/>
+                </a:cubicBezTo>
+                <a:cubicBezTo>
+                  <a:pt x="9989" y="1958"/>
+                  <a:pt x="9969" y="3333"/>
+                  <a:pt x="10000" y="0"/>
+                </a:cubicBezTo>
+                <a:lnTo>
+                  <a:pt x="10000" y="0"/>
+                </a:lnTo>
+                <a:lnTo>
+                  <a:pt x="9667" y="204"/>
+                </a:lnTo>
+                <a:lnTo>
+                  <a:pt x="9334" y="400"/>
+                </a:lnTo>
+                <a:lnTo>
+                  <a:pt x="9001" y="590"/>
+                </a:lnTo>
+                <a:lnTo>
+                  <a:pt x="8667" y="753"/>
+                </a:lnTo>
+                <a:lnTo>
+                  <a:pt x="8333" y="917"/>
+                </a:lnTo>
+                <a:lnTo>
+                  <a:pt x="7999" y="1071"/>
+                </a:lnTo>
+                <a:lnTo>
+                  <a:pt x="7669" y="1202"/>
+                </a:lnTo>
+                <a:lnTo>
+                  <a:pt x="7333" y="1325"/>
+                </a:lnTo>
+                <a:lnTo>
+                  <a:pt x="7000" y="1440"/>
+                </a:lnTo>
+                <a:lnTo>
+                  <a:pt x="6673" y="1538"/>
+                </a:lnTo>
+                <a:lnTo>
+                  <a:pt x="6340" y="1636"/>
+                </a:lnTo>
+                <a:lnTo>
+                  <a:pt x="6013" y="1719"/>
+                </a:lnTo>
+                <a:lnTo>
+                  <a:pt x="5686" y="1784"/>
+                </a:lnTo>
+                <a:lnTo>
+                  <a:pt x="5359" y="1850"/>
+                </a:lnTo>
+                <a:lnTo>
+                  <a:pt x="5036" y="1906"/>
+                </a:lnTo>
+                <a:lnTo>
+                  <a:pt x="4717" y="1948"/>
+                </a:lnTo>
+                <a:lnTo>
+                  <a:pt x="4396" y="1980"/>
+                </a:lnTo>
+                <a:lnTo>
+                  <a:pt x="4079" y="2013"/>
+                </a:lnTo>
+                <a:lnTo>
+                  <a:pt x="3766" y="2029"/>
+                </a:lnTo>
+                <a:lnTo>
+                  <a:pt x="3454" y="2046"/>
+                </a:lnTo>
+                <a:lnTo>
+                  <a:pt x="3145" y="2053"/>
+                </a:lnTo>
+                <a:lnTo>
+                  <a:pt x="2839" y="2046"/>
+                </a:lnTo>
+                <a:lnTo>
+                  <a:pt x="2537" y="2046"/>
+                </a:lnTo>
+                <a:lnTo>
+                  <a:pt x="2238" y="2029"/>
+                </a:lnTo>
+                <a:lnTo>
+                  <a:pt x="1943" y="2004"/>
+                </a:lnTo>
+                <a:lnTo>
+                  <a:pt x="1653" y="1980"/>
+                </a:lnTo>
+                <a:lnTo>
+                  <a:pt x="1368" y="1955"/>
+                </a:lnTo>
+                <a:lnTo>
+                  <a:pt x="1085" y="1915"/>
+                </a:lnTo>
+                <a:lnTo>
+                  <a:pt x="806" y="1873"/>
+                </a:lnTo>
+                <a:lnTo>
+                  <a:pt x="533" y="1833"/>
+                </a:lnTo>
+                <a:lnTo>
+                  <a:pt x="0" y="1726"/>
+                </a:lnTo>
+                <a:cubicBezTo>
+                  <a:pt x="28" y="1995"/>
+                  <a:pt x="57" y="2263"/>
+                  <a:pt x="85" y="2532"/>
+                </a:cubicBezTo>
+                <a:close/>
+              </a:path>
+            </a:pathLst>
+          </a:custGeom>
+          <a:solidFill>
+            <a:schemeClr val="tx1">
+              <a:alpha val="20000"/>
+            </a:schemeClr>
+          </a:solidFill>
+          <a:ln>
+            <a:noFill/>
+          </a:ln>
+        </p:spPr>
+      </p:sp>
+      <p:sp>
+        <p:nvSpPr>
+          <p:cNvPr id="44" name="Freeform 5">
+            <a:extLst>
+              <a:ext uri="{FF2B5EF4-FFF2-40B4-BE49-F238E27FC236}">
+                <a16:creationId xmlns:a16="http://schemas.microsoft.com/office/drawing/2014/main" id="{96BA11E4-0636-4FA9-A836-2A4FB176449A}"/>
+              </a:ext>
+              <a:ext uri="{C183D7F6-B498-43B3-948B-1728B52AA6E4}">
+                <adec:decorative xmlns:adec="http://schemas.microsoft.com/office/drawing/2017/decorative" val="1"/>
+              </a:ext>
+            </a:extLst>
+          </p:cNvPr>
+          <p:cNvSpPr>
+            <a:spLocks noGrp="1" noRot="1" noChangeAspect="1" noMove="1" noResize="1" noEditPoints="1" noAdjustHandles="1" noChangeArrowheads="1" noChangeShapeType="1" noTextEdit="1"/>
+          </p:cNvSpPr>
+          <p:nvPr>
+            <p:extLst>
+              <p:ext uri="{386F3935-93C4-4BCD-93E2-E3B085C9AB24}">
+                <p16:designElem xmlns:p16="http://schemas.microsoft.com/office/powerpoint/2015/main" val="1"/>
+              </p:ext>
+            </p:extLst>
+          </p:nvPr>
+        </p:nvSpPr>
+        <p:spPr bwMode="gray">
+          <a:xfrm>
+            <a:off x="0" y="1587"/>
+            <a:ext cx="12192000" cy="6856413"/>
+          </a:xfrm>
+          <a:custGeom>
+            <a:avLst/>
+            <a:gdLst/>
+            <a:ahLst/>
+            <a:cxnLst/>
+            <a:rect l="0" t="0" r="r" b="b"/>
+            <a:pathLst>
+              <a:path w="15356" h="8638">
+                <a:moveTo>
+                  <a:pt x="0" y="0"/>
+                </a:moveTo>
+                <a:lnTo>
+                  <a:pt x="0" y="8638"/>
+                </a:lnTo>
+                <a:lnTo>
+                  <a:pt x="15356" y="8638"/>
+                </a:lnTo>
+                <a:lnTo>
+                  <a:pt x="15356" y="0"/>
+                </a:lnTo>
+                <a:lnTo>
+                  <a:pt x="0" y="0"/>
+                </a:lnTo>
+                <a:close/>
+                <a:moveTo>
+                  <a:pt x="14748" y="8038"/>
+                </a:moveTo>
+                <a:lnTo>
+                  <a:pt x="600" y="8038"/>
+                </a:lnTo>
+                <a:lnTo>
+                  <a:pt x="600" y="592"/>
+                </a:lnTo>
+                <a:lnTo>
+                  <a:pt x="14748" y="592"/>
+                </a:lnTo>
+                <a:lnTo>
+                  <a:pt x="14748" y="8038"/>
+                </a:lnTo>
+                <a:close/>
+              </a:path>
+            </a:pathLst>
+          </a:custGeom>
+          <a:solidFill>
+            <a:schemeClr val="tx1"/>
+          </a:solidFill>
+          <a:ln>
+            <a:noFill/>
+          </a:ln>
+        </p:spPr>
+      </p:sp>
+      <p:sp>
+        <p:nvSpPr>
+          <p:cNvPr id="2" name="Title 1">
+            <a:extLst>
+              <a:ext uri="{FF2B5EF4-FFF2-40B4-BE49-F238E27FC236}">
+                <a16:creationId xmlns:a16="http://schemas.microsoft.com/office/drawing/2014/main" id="{CB012FBC-D401-4A92-BEF6-9A6BCD99B742}"/>
+              </a:ext>
+            </a:extLst>
+          </p:cNvPr>
+          <p:cNvSpPr>
+            <a:spLocks noGrp="1"/>
+          </p:cNvSpPr>
+          <p:nvPr>
+            <p:ph type="title"/>
+          </p:nvPr>
+        </p:nvSpPr>
+        <p:spPr>
+          <a:xfrm>
+            <a:off x="639098" y="629265"/>
+            <a:ext cx="6072776" cy="1622322"/>
+          </a:xfrm>
+        </p:spPr>
+        <p:txBody>
+          <a:bodyPr>
+            <a:normAutofit/>
+          </a:bodyPr>
+          <a:lstStyle/>
+          <a:p>
+            <a:r>
+              <a:rPr lang="en-US" dirty="0">
+                <a:solidFill>
+                  <a:srgbClr val="EBEBEB"/>
+                </a:solidFill>
+              </a:rPr>
+              <a:t>Third step: App development</a:t>
+            </a:r>
+          </a:p>
+        </p:txBody>
+      </p:sp>
+      <p:sp>
+        <p:nvSpPr>
+          <p:cNvPr id="46" name="Freeform: Shape 45">
+            <a:extLst>
+              <a:ext uri="{FF2B5EF4-FFF2-40B4-BE49-F238E27FC236}">
+                <a16:creationId xmlns:a16="http://schemas.microsoft.com/office/drawing/2014/main" id="{5681882E-BDD0-4311-AF62-E8019628524D}"/>
+              </a:ext>
+              <a:ext uri="{C183D7F6-B498-43B3-948B-1728B52AA6E4}">
+                <adec:decorative xmlns:adec="http://schemas.microsoft.com/office/drawing/2017/decorative" val="1"/>
+              </a:ext>
+            </a:extLst>
+          </p:cNvPr>
+          <p:cNvSpPr>
+            <a:spLocks noGrp="1" noRot="1" noChangeAspect="1" noMove="1" noResize="1" noEditPoints="1" noAdjustHandles="1" noChangeArrowheads="1" noChangeShapeType="1" noTextEdit="1"/>
+          </p:cNvSpPr>
+          <p:nvPr>
+            <p:extLst>
+              <p:ext uri="{386F3935-93C4-4BCD-93E2-E3B085C9AB24}">
+                <p16:designElem xmlns:p16="http://schemas.microsoft.com/office/powerpoint/2015/main" val="1"/>
+              </p:ext>
+            </p:extLst>
+          </p:nvPr>
+        </p:nvSpPr>
+        <p:spPr bwMode="gray">
+          <a:xfrm rot="16200000">
+            <a:off x="6290102" y="977273"/>
+            <a:ext cx="6053670" cy="4903455"/>
+          </a:xfrm>
+          <a:custGeom>
+            <a:avLst/>
+            <a:gdLst>
+              <a:gd name="connsiteX0" fmla="*/ 6053670 w 6053670"/>
+              <a:gd name="connsiteY0" fmla="*/ 1098 h 4903455"/>
+              <a:gd name="connsiteX1" fmla="*/ 6053670 w 6053670"/>
+              <a:gd name="connsiteY1" fmla="*/ 424590 h 4903455"/>
+              <a:gd name="connsiteX2" fmla="*/ 6053670 w 6053670"/>
+              <a:gd name="connsiteY2" fmla="*/ 1254558 h 4903455"/>
+              <a:gd name="connsiteX3" fmla="*/ 6053670 w 6053670"/>
+              <a:gd name="connsiteY3" fmla="*/ 4903455 h 4903455"/>
+              <a:gd name="connsiteX4" fmla="*/ 0 w 6053670"/>
+              <a:gd name="connsiteY4" fmla="*/ 4903455 h 4903455"/>
+              <a:gd name="connsiteX5" fmla="*/ 0 w 6053670"/>
+              <a:gd name="connsiteY5" fmla="*/ 1249853 h 4903455"/>
+              <a:gd name="connsiteX6" fmla="*/ 0 w 6053670"/>
+              <a:gd name="connsiteY6" fmla="*/ 424590 h 4903455"/>
+              <a:gd name="connsiteX7" fmla="*/ 0 w 6053670"/>
+              <a:gd name="connsiteY7" fmla="*/ 0 h 4903455"/>
+              <a:gd name="connsiteX8" fmla="*/ 35717 w 6053670"/>
+              <a:gd name="connsiteY8" fmla="*/ 5488 h 4903455"/>
+              <a:gd name="connsiteX9" fmla="*/ 140445 w 6053670"/>
+              <a:gd name="connsiteY9" fmla="*/ 21641 h 4903455"/>
+              <a:gd name="connsiteX10" fmla="*/ 216722 w 6053670"/>
+              <a:gd name="connsiteY10" fmla="*/ 32932 h 4903455"/>
+              <a:gd name="connsiteX11" fmla="*/ 307527 w 6053670"/>
+              <a:gd name="connsiteY11" fmla="*/ 44850 h 4903455"/>
+              <a:gd name="connsiteX12" fmla="*/ 415282 w 6053670"/>
+              <a:gd name="connsiteY12" fmla="*/ 59121 h 4903455"/>
+              <a:gd name="connsiteX13" fmla="*/ 534539 w 6053670"/>
+              <a:gd name="connsiteY13" fmla="*/ 74175 h 4903455"/>
+              <a:gd name="connsiteX14" fmla="*/ 668931 w 6053670"/>
+              <a:gd name="connsiteY14" fmla="*/ 90014 h 4903455"/>
+              <a:gd name="connsiteX15" fmla="*/ 815430 w 6053670"/>
+              <a:gd name="connsiteY15" fmla="*/ 106794 h 4903455"/>
+              <a:gd name="connsiteX16" fmla="*/ 974641 w 6053670"/>
+              <a:gd name="connsiteY16" fmla="*/ 123574 h 4903455"/>
+              <a:gd name="connsiteX17" fmla="*/ 1144144 w 6053670"/>
+              <a:gd name="connsiteY17" fmla="*/ 140667 h 4903455"/>
+              <a:gd name="connsiteX18" fmla="*/ 1326965 w 6053670"/>
+              <a:gd name="connsiteY18" fmla="*/ 156506 h 4903455"/>
+              <a:gd name="connsiteX19" fmla="*/ 1518261 w 6053670"/>
+              <a:gd name="connsiteY19" fmla="*/ 171717 h 4903455"/>
+              <a:gd name="connsiteX20" fmla="*/ 1720453 w 6053670"/>
+              <a:gd name="connsiteY20" fmla="*/ 185518 h 4903455"/>
+              <a:gd name="connsiteX21" fmla="*/ 1931121 w 6053670"/>
+              <a:gd name="connsiteY21" fmla="*/ 198690 h 4903455"/>
+              <a:gd name="connsiteX22" fmla="*/ 2150869 w 6053670"/>
+              <a:gd name="connsiteY22" fmla="*/ 211079 h 4903455"/>
+              <a:gd name="connsiteX23" fmla="*/ 2263467 w 6053670"/>
+              <a:gd name="connsiteY23" fmla="*/ 215470 h 4903455"/>
+              <a:gd name="connsiteX24" fmla="*/ 2378487 w 6053670"/>
+              <a:gd name="connsiteY24" fmla="*/ 220332 h 4903455"/>
+              <a:gd name="connsiteX25" fmla="*/ 2495323 w 6053670"/>
+              <a:gd name="connsiteY25" fmla="*/ 224879 h 4903455"/>
+              <a:gd name="connsiteX26" fmla="*/ 2612764 w 6053670"/>
+              <a:gd name="connsiteY26" fmla="*/ 227859 h 4903455"/>
+              <a:gd name="connsiteX27" fmla="*/ 2732627 w 6053670"/>
+              <a:gd name="connsiteY27" fmla="*/ 230525 h 4903455"/>
+              <a:gd name="connsiteX28" fmla="*/ 2853700 w 6053670"/>
+              <a:gd name="connsiteY28" fmla="*/ 233348 h 4903455"/>
+              <a:gd name="connsiteX29" fmla="*/ 2977195 w 6053670"/>
+              <a:gd name="connsiteY29" fmla="*/ 235229 h 4903455"/>
+              <a:gd name="connsiteX30" fmla="*/ 3101900 w 6053670"/>
+              <a:gd name="connsiteY30" fmla="*/ 235229 h 4903455"/>
+              <a:gd name="connsiteX31" fmla="*/ 3227817 w 6053670"/>
+              <a:gd name="connsiteY31" fmla="*/ 236170 h 4903455"/>
+              <a:gd name="connsiteX32" fmla="*/ 3354944 w 6053670"/>
+              <a:gd name="connsiteY32" fmla="*/ 235229 h 4903455"/>
+              <a:gd name="connsiteX33" fmla="*/ 3483887 w 6053670"/>
+              <a:gd name="connsiteY33" fmla="*/ 233348 h 4903455"/>
+              <a:gd name="connsiteX34" fmla="*/ 3612830 w 6053670"/>
+              <a:gd name="connsiteY34" fmla="*/ 231623 h 4903455"/>
+              <a:gd name="connsiteX35" fmla="*/ 3743589 w 6053670"/>
+              <a:gd name="connsiteY35" fmla="*/ 227859 h 4903455"/>
+              <a:gd name="connsiteX36" fmla="*/ 3875559 w 6053670"/>
+              <a:gd name="connsiteY36" fmla="*/ 223938 h 4903455"/>
+              <a:gd name="connsiteX37" fmla="*/ 4007529 w 6053670"/>
+              <a:gd name="connsiteY37" fmla="*/ 219391 h 4903455"/>
+              <a:gd name="connsiteX38" fmla="*/ 4140710 w 6053670"/>
+              <a:gd name="connsiteY38" fmla="*/ 212961 h 4903455"/>
+              <a:gd name="connsiteX39" fmla="*/ 4275102 w 6053670"/>
+              <a:gd name="connsiteY39" fmla="*/ 205277 h 4903455"/>
+              <a:gd name="connsiteX40" fmla="*/ 4410098 w 6053670"/>
+              <a:gd name="connsiteY40" fmla="*/ 197907 h 4903455"/>
+              <a:gd name="connsiteX41" fmla="*/ 4545096 w 6053670"/>
+              <a:gd name="connsiteY41" fmla="*/ 188498 h 4903455"/>
+              <a:gd name="connsiteX42" fmla="*/ 4681909 w 6053670"/>
+              <a:gd name="connsiteY42" fmla="*/ 177207 h 4903455"/>
+              <a:gd name="connsiteX43" fmla="*/ 4816905 w 6053670"/>
+              <a:gd name="connsiteY43" fmla="*/ 165916 h 4903455"/>
+              <a:gd name="connsiteX44" fmla="*/ 4954323 w 6053670"/>
+              <a:gd name="connsiteY44" fmla="*/ 152899 h 4903455"/>
+              <a:gd name="connsiteX45" fmla="*/ 5092347 w 6053670"/>
+              <a:gd name="connsiteY45" fmla="*/ 138629 h 4903455"/>
+              <a:gd name="connsiteX46" fmla="*/ 5228555 w 6053670"/>
+              <a:gd name="connsiteY46" fmla="*/ 123574 h 4903455"/>
+              <a:gd name="connsiteX47" fmla="*/ 5366578 w 6053670"/>
+              <a:gd name="connsiteY47" fmla="*/ 106010 h 4903455"/>
+              <a:gd name="connsiteX48" fmla="*/ 5503997 w 6053670"/>
+              <a:gd name="connsiteY48" fmla="*/ 87192 h 4903455"/>
+              <a:gd name="connsiteX49" fmla="*/ 5642020 w 6053670"/>
+              <a:gd name="connsiteY49" fmla="*/ 68530 h 4903455"/>
+              <a:gd name="connsiteX50" fmla="*/ 5779438 w 6053670"/>
+              <a:gd name="connsiteY50" fmla="*/ 46733 h 4903455"/>
+              <a:gd name="connsiteX51" fmla="*/ 5916251 w 6053670"/>
+              <a:gd name="connsiteY51" fmla="*/ 24464 h 4903455"/>
+            </a:gdLst>
+            <a:ahLst/>
+            <a:cxnLst>
+              <a:cxn ang="0">
+                <a:pos x="connsiteX0" y="connsiteY0"/>
+              </a:cxn>
+              <a:cxn ang="0">
+                <a:pos x="connsiteX1" y="connsiteY1"/>
+              </a:cxn>
+              <a:cxn ang="0">
+                <a:pos x="connsiteX2" y="connsiteY2"/>
+              </a:cxn>
+              <a:cxn ang="0">
+                <a:pos x="connsiteX3" y="connsiteY3"/>
+              </a:cxn>
+              <a:cxn ang="0">
+                <a:pos x="connsiteX4" y="connsiteY4"/>
+              </a:cxn>
+              <a:cxn ang="0">
+                <a:pos x="connsiteX5" y="connsiteY5"/>
+              </a:cxn>
+              <a:cxn ang="0">
+                <a:pos x="connsiteX6" y="connsiteY6"/>
+              </a:cxn>
+              <a:cxn ang="0">
+                <a:pos x="connsiteX7" y="connsiteY7"/>
+              </a:cxn>
+              <a:cxn ang="0">
+                <a:pos x="connsiteX8" y="connsiteY8"/>
+              </a:cxn>
+              <a:cxn ang="0">
+                <a:pos x="connsiteX9" y="connsiteY9"/>
+              </a:cxn>
+              <a:cxn ang="0">
+                <a:pos x="connsiteX10" y="connsiteY10"/>
+              </a:cxn>
+              <a:cxn ang="0">
+                <a:pos x="connsiteX11" y="connsiteY11"/>
+              </a:cxn>
+              <a:cxn ang="0">
+                <a:pos x="connsiteX12" y="connsiteY12"/>
+              </a:cxn>
+              <a:cxn ang="0">
+                <a:pos x="connsiteX13" y="connsiteY13"/>
+              </a:cxn>
+              <a:cxn ang="0">
+                <a:pos x="connsiteX14" y="connsiteY14"/>
+              </a:cxn>
+              <a:cxn ang="0">
+                <a:pos x="connsiteX15" y="connsiteY15"/>
+              </a:cxn>
+              <a:cxn ang="0">
+                <a:pos x="connsiteX16" y="connsiteY16"/>
+              </a:cxn>
+              <a:cxn ang="0">
+                <a:pos x="connsiteX17" y="connsiteY17"/>
+              </a:cxn>
+              <a:cxn ang="0">
+                <a:pos x="connsiteX18" y="connsiteY18"/>
+              </a:cxn>
+              <a:cxn ang="0">
+                <a:pos x="connsiteX19" y="connsiteY19"/>
+              </a:cxn>
+              <a:cxn ang="0">
+                <a:pos x="connsiteX20" y="connsiteY20"/>
+              </a:cxn>
+              <a:cxn ang="0">
+                <a:pos x="connsiteX21" y="connsiteY21"/>
+              </a:cxn>
+              <a:cxn ang="0">
+                <a:pos x="connsiteX22" y="connsiteY22"/>
+              </a:cxn>
+              <a:cxn ang="0">
+                <a:pos x="connsiteX23" y="connsiteY23"/>
+              </a:cxn>
+              <a:cxn ang="0">
+                <a:pos x="connsiteX24" y="connsiteY24"/>
+              </a:cxn>
+              <a:cxn ang="0">
+                <a:pos x="connsiteX25" y="connsiteY25"/>
+              </a:cxn>
+              <a:cxn ang="0">
+                <a:pos x="connsiteX26" y="connsiteY26"/>
+              </a:cxn>
+              <a:cxn ang="0">
+                <a:pos x="connsiteX27" y="connsiteY27"/>
+              </a:cxn>
+              <a:cxn ang="0">
+                <a:pos x="connsiteX28" y="connsiteY28"/>
+              </a:cxn>
+              <a:cxn ang="0">
+                <a:pos x="connsiteX29" y="connsiteY29"/>
+              </a:cxn>
+              <a:cxn ang="0">
+                <a:pos x="connsiteX30" y="connsiteY30"/>
+              </a:cxn>
+              <a:cxn ang="0">
+                <a:pos x="connsiteX31" y="connsiteY31"/>
+              </a:cxn>
+              <a:cxn ang="0">
+                <a:pos x="connsiteX32" y="connsiteY32"/>
+              </a:cxn>
+              <a:cxn ang="0">
+                <a:pos x="connsiteX33" y="connsiteY33"/>
+              </a:cxn>
+              <a:cxn ang="0">
+                <a:pos x="connsiteX34" y="connsiteY34"/>
+              </a:cxn>
+              <a:cxn ang="0">
+                <a:pos x="connsiteX35" y="connsiteY35"/>
+              </a:cxn>
+              <a:cxn ang="0">
+                <a:pos x="connsiteX36" y="connsiteY36"/>
+              </a:cxn>
+              <a:cxn ang="0">
+                <a:pos x="connsiteX37" y="connsiteY37"/>
+              </a:cxn>
+              <a:cxn ang="0">
+                <a:pos x="connsiteX38" y="connsiteY38"/>
+              </a:cxn>
+              <a:cxn ang="0">
+                <a:pos x="connsiteX39" y="connsiteY39"/>
+              </a:cxn>
+              <a:cxn ang="0">
+                <a:pos x="connsiteX40" y="connsiteY40"/>
+              </a:cxn>
+              <a:cxn ang="0">
+                <a:pos x="connsiteX41" y="connsiteY41"/>
+              </a:cxn>
+              <a:cxn ang="0">
+                <a:pos x="connsiteX42" y="connsiteY42"/>
+              </a:cxn>
+              <a:cxn ang="0">
+                <a:pos x="connsiteX43" y="connsiteY43"/>
+              </a:cxn>
+              <a:cxn ang="0">
+                <a:pos x="connsiteX44" y="connsiteY44"/>
+              </a:cxn>
+              <a:cxn ang="0">
+                <a:pos x="connsiteX45" y="connsiteY45"/>
+              </a:cxn>
+              <a:cxn ang="0">
+                <a:pos x="connsiteX46" y="connsiteY46"/>
+              </a:cxn>
+              <a:cxn ang="0">
+                <a:pos x="connsiteX47" y="connsiteY47"/>
+              </a:cxn>
+              <a:cxn ang="0">
+                <a:pos x="connsiteX48" y="connsiteY48"/>
+              </a:cxn>
+              <a:cxn ang="0">
+                <a:pos x="connsiteX49" y="connsiteY49"/>
+              </a:cxn>
+              <a:cxn ang="0">
+                <a:pos x="connsiteX50" y="connsiteY50"/>
+              </a:cxn>
+              <a:cxn ang="0">
+                <a:pos x="connsiteX51" y="connsiteY51"/>
+              </a:cxn>
+            </a:cxnLst>
+            <a:rect l="l" t="t" r="r" b="b"/>
+            <a:pathLst>
+              <a:path w="6053670" h="4903455">
+                <a:moveTo>
+                  <a:pt x="6053670" y="1098"/>
+                </a:moveTo>
+                <a:lnTo>
+                  <a:pt x="6053670" y="424590"/>
+                </a:lnTo>
+                <a:lnTo>
+                  <a:pt x="6053670" y="1254558"/>
+                </a:lnTo>
+                <a:lnTo>
+                  <a:pt x="6053670" y="4903455"/>
+                </a:lnTo>
+                <a:lnTo>
+                  <a:pt x="0" y="4903455"/>
+                </a:lnTo>
+                <a:lnTo>
+                  <a:pt x="0" y="1249853"/>
+                </a:lnTo>
+                <a:lnTo>
+                  <a:pt x="0" y="424590"/>
+                </a:lnTo>
+                <a:lnTo>
+                  <a:pt x="0" y="0"/>
+                </a:lnTo>
+                <a:lnTo>
+                  <a:pt x="35717" y="5488"/>
+                </a:lnTo>
+                <a:lnTo>
+                  <a:pt x="140445" y="21641"/>
+                </a:lnTo>
+                <a:lnTo>
+                  <a:pt x="216722" y="32932"/>
+                </a:lnTo>
+                <a:lnTo>
+                  <a:pt x="307527" y="44850"/>
+                </a:lnTo>
+                <a:lnTo>
+                  <a:pt x="415282" y="59121"/>
+                </a:lnTo>
+                <a:lnTo>
+                  <a:pt x="534539" y="74175"/>
+                </a:lnTo>
+                <a:lnTo>
+                  <a:pt x="668931" y="90014"/>
+                </a:lnTo>
+                <a:lnTo>
+                  <a:pt x="815430" y="106794"/>
+                </a:lnTo>
+                <a:lnTo>
+                  <a:pt x="974641" y="123574"/>
+                </a:lnTo>
+                <a:lnTo>
+                  <a:pt x="1144144" y="140667"/>
+                </a:lnTo>
+                <a:lnTo>
+                  <a:pt x="1326965" y="156506"/>
+                </a:lnTo>
+                <a:lnTo>
+                  <a:pt x="1518261" y="171717"/>
+                </a:lnTo>
+                <a:lnTo>
+                  <a:pt x="1720453" y="185518"/>
+                </a:lnTo>
+                <a:lnTo>
+                  <a:pt x="1931121" y="198690"/>
+                </a:lnTo>
+                <a:lnTo>
+                  <a:pt x="2150869" y="211079"/>
+                </a:lnTo>
+                <a:lnTo>
+                  <a:pt x="2263467" y="215470"/>
+                </a:lnTo>
+                <a:lnTo>
+                  <a:pt x="2378487" y="220332"/>
+                </a:lnTo>
+                <a:lnTo>
+                  <a:pt x="2495323" y="224879"/>
+                </a:lnTo>
+                <a:lnTo>
+                  <a:pt x="2612764" y="227859"/>
+                </a:lnTo>
+                <a:lnTo>
+                  <a:pt x="2732627" y="230525"/>
+                </a:lnTo>
+                <a:lnTo>
+                  <a:pt x="2853700" y="233348"/>
+                </a:lnTo>
+                <a:lnTo>
+                  <a:pt x="2977195" y="235229"/>
+                </a:lnTo>
+                <a:lnTo>
+                  <a:pt x="3101900" y="235229"/>
+                </a:lnTo>
+                <a:lnTo>
+                  <a:pt x="3227817" y="236170"/>
+                </a:lnTo>
+                <a:lnTo>
+                  <a:pt x="3354944" y="235229"/>
+                </a:lnTo>
+                <a:lnTo>
+                  <a:pt x="3483887" y="233348"/>
+                </a:lnTo>
+                <a:lnTo>
+                  <a:pt x="3612830" y="231623"/>
+                </a:lnTo>
+                <a:lnTo>
+                  <a:pt x="3743589" y="227859"/>
+                </a:lnTo>
+                <a:lnTo>
+                  <a:pt x="3875559" y="223938"/>
+                </a:lnTo>
+                <a:lnTo>
+                  <a:pt x="4007529" y="219391"/>
+                </a:lnTo>
+                <a:lnTo>
+                  <a:pt x="4140710" y="212961"/>
+                </a:lnTo>
+                <a:lnTo>
+                  <a:pt x="4275102" y="205277"/>
+                </a:lnTo>
+                <a:lnTo>
+                  <a:pt x="4410098" y="197907"/>
+                </a:lnTo>
+                <a:lnTo>
+                  <a:pt x="4545096" y="188498"/>
+                </a:lnTo>
+                <a:lnTo>
+                  <a:pt x="4681909" y="177207"/>
+                </a:lnTo>
+                <a:lnTo>
+                  <a:pt x="4816905" y="165916"/>
+                </a:lnTo>
+                <a:lnTo>
+                  <a:pt x="4954323" y="152899"/>
+                </a:lnTo>
+                <a:lnTo>
+                  <a:pt x="5092347" y="138629"/>
+                </a:lnTo>
+                <a:lnTo>
+                  <a:pt x="5228555" y="123574"/>
+                </a:lnTo>
+                <a:lnTo>
+                  <a:pt x="5366578" y="106010"/>
+                </a:lnTo>
+                <a:lnTo>
+                  <a:pt x="5503997" y="87192"/>
+                </a:lnTo>
+                <a:lnTo>
+                  <a:pt x="5642020" y="68530"/>
+                </a:lnTo>
+                <a:lnTo>
+                  <a:pt x="5779438" y="46733"/>
+                </a:lnTo>
+                <a:lnTo>
+                  <a:pt x="5916251" y="24464"/>
+                </a:lnTo>
+                <a:close/>
+              </a:path>
+            </a:pathLst>
+          </a:custGeom>
+          <a:solidFill>
+            <a:schemeClr val="tx1"/>
+          </a:solidFill>
+          <a:ln>
+            <a:noFill/>
+          </a:ln>
+        </p:spPr>
+      </p:sp>
+      <p:pic>
+        <p:nvPicPr>
+          <p:cNvPr id="5" name="Picture 4">
+            <a:extLst>
+              <a:ext uri="{FF2B5EF4-FFF2-40B4-BE49-F238E27FC236}">
+                <a16:creationId xmlns:a16="http://schemas.microsoft.com/office/drawing/2014/main" id="{A502EF0E-2D33-43CD-8570-E4F04C69C29A}"/>
+              </a:ext>
+            </a:extLst>
+          </p:cNvPr>
+          <p:cNvPicPr>
+            <a:picLocks noChangeAspect="1"/>
+          </p:cNvPicPr>
+          <p:nvPr/>
+        </p:nvPicPr>
+        <p:blipFill>
+          <a:blip r:embed="rId2">
+            <a:extLst>
+              <a:ext uri="{28A0092B-C50C-407E-A947-70E740481C1C}">
+                <a14:useLocalDpi xmlns:a14="http://schemas.microsoft.com/office/drawing/2010/main" val="0"/>
+              </a:ext>
+            </a:extLst>
+          </a:blip>
+          <a:stretch>
+            <a:fillRect/>
+          </a:stretch>
+        </p:blipFill>
+        <p:spPr>
+          <a:xfrm>
+            <a:off x="7418226" y="732664"/>
+            <a:ext cx="4125317" cy="5410252"/>
+          </a:xfrm>
+          <a:prstGeom prst="rect">
+            <a:avLst/>
+          </a:prstGeom>
+        </p:spPr>
+      </p:pic>
+      <p:sp>
+        <p:nvSpPr>
+          <p:cNvPr id="48" name="Rectangle 47">
+            <a:extLst>
+              <a:ext uri="{FF2B5EF4-FFF2-40B4-BE49-F238E27FC236}">
+                <a16:creationId xmlns:a16="http://schemas.microsoft.com/office/drawing/2014/main" id="{EADD3260-4BDA-459B-A162-5E1B897E38FC}"/>
+              </a:ext>
+              <a:ext uri="{C183D7F6-B498-43B3-948B-1728B52AA6E4}">
+                <adec:decorative xmlns:adec="http://schemas.microsoft.com/office/drawing/2017/decorative" val="1"/>
+              </a:ext>
+            </a:extLst>
+          </p:cNvPr>
+          <p:cNvSpPr>
+            <a:spLocks noGrp="1" noRot="1" noChangeAspect="1" noMove="1" noResize="1" noEditPoints="1" noAdjustHandles="1" noChangeArrowheads="1" noChangeShapeType="1" noTextEdit="1"/>
+          </p:cNvSpPr>
+          <p:nvPr>
+            <p:extLst>
+              <p:ext uri="{386F3935-93C4-4BCD-93E2-E3B085C9AB24}">
+                <p16:designElem xmlns:p16="http://schemas.microsoft.com/office/powerpoint/2015/main" val="1"/>
+              </p:ext>
+            </p:extLst>
+          </p:nvPr>
+        </p:nvSpPr>
+        <p:spPr>
+          <a:xfrm>
+            <a:off x="10437812" y="0"/>
+            <a:ext cx="685800" cy="1143000"/>
+          </a:xfrm>
+          <a:prstGeom prst="rect">
+            <a:avLst/>
+          </a:prstGeom>
+          <a:solidFill>
+            <a:schemeClr val="accent1"/>
+          </a:solidFill>
+          <a:ln>
+            <a:noFill/>
+          </a:ln>
+        </p:spPr>
+        <p:style>
+          <a:lnRef idx="1">
+            <a:schemeClr val="accent1"/>
+          </a:lnRef>
+          <a:fillRef idx="3">
+            <a:schemeClr val="accent1"/>
+          </a:fillRef>
+          <a:effectRef idx="2">
+            <a:schemeClr val="accent1"/>
+          </a:effectRef>
+          <a:fontRef idx="minor">
+            <a:schemeClr val="lt1"/>
+          </a:fontRef>
+        </p:style>
+      </p:sp>
+      <p:sp>
+        <p:nvSpPr>
+          <p:cNvPr id="50" name="Oval 49">
+            <a:extLst>
+              <a:ext uri="{FF2B5EF4-FFF2-40B4-BE49-F238E27FC236}">
+                <a16:creationId xmlns:a16="http://schemas.microsoft.com/office/drawing/2014/main" id="{283DA7DD-CA37-4ED7-8710-48E56B063BA4}"/>
+              </a:ext>
+              <a:ext uri="{C183D7F6-B498-43B3-948B-1728B52AA6E4}">
+                <adec:decorative xmlns:adec="http://schemas.microsoft.com/office/drawing/2017/decorative" val="1"/>
+              </a:ext>
+            </a:extLst>
+          </p:cNvPr>
+          <p:cNvSpPr>
+            <a:spLocks noGrp="1" noRot="1" noChangeAspect="1" noMove="1" noResize="1" noEditPoints="1" noAdjustHandles="1" noChangeArrowheads="1" noChangeShapeType="1" noTextEdit="1"/>
+          </p:cNvSpPr>
+          <p:nvPr>
+            <p:extLst>
+              <p:ext uri="{386F3935-93C4-4BCD-93E2-E3B085C9AB24}">
+                <p16:designElem xmlns:p16="http://schemas.microsoft.com/office/powerpoint/2015/main" val="1"/>
+              </p:ext>
+            </p:extLst>
+          </p:nvPr>
+        </p:nvSpPr>
+        <p:spPr>
+          <a:xfrm>
+            <a:off x="0" y="2667000"/>
+            <a:ext cx="4191000" cy="4191000"/>
+          </a:xfrm>
+          <a:prstGeom prst="ellipse">
+            <a:avLst/>
+          </a:prstGeom>
+          <a:gradFill flip="none" rotWithShape="1">
+            <a:gsLst>
+              <a:gs pos="0">
+                <a:schemeClr val="accent5">
+                  <a:alpha val="11000"/>
+                </a:schemeClr>
+              </a:gs>
+              <a:gs pos="75000">
+                <a:schemeClr val="accent5">
+                  <a:alpha val="0"/>
+                </a:schemeClr>
+              </a:gs>
+              <a:gs pos="36000">
+                <a:schemeClr val="accent5">
+                  <a:alpha val="10000"/>
+                </a:schemeClr>
+              </a:gs>
+            </a:gsLst>
+            <a:path path="circle">
+              <a:fillToRect l="50000" t="50000" r="50000" b="50000"/>
+            </a:path>
+            <a:tileRect/>
+          </a:gradFill>
+          <a:ln>
+            <a:noFill/>
+          </a:ln>
+          <a:effectLst/>
+        </p:spPr>
+        <p:style>
+          <a:lnRef idx="1">
+            <a:schemeClr val="accent1"/>
+          </a:lnRef>
+          <a:fillRef idx="3">
+            <a:schemeClr val="accent1"/>
+          </a:fillRef>
+          <a:effectRef idx="2">
+            <a:schemeClr val="accent1"/>
+          </a:effectRef>
+          <a:fontRef idx="minor">
+            <a:schemeClr val="lt1"/>
+          </a:fontRef>
+        </p:style>
+      </p:sp>
+      <p:sp>
+        <p:nvSpPr>
+          <p:cNvPr id="52" name="Oval 51">
+            <a:extLst>
+              <a:ext uri="{FF2B5EF4-FFF2-40B4-BE49-F238E27FC236}">
+                <a16:creationId xmlns:a16="http://schemas.microsoft.com/office/drawing/2014/main" id="{B92F2E3C-66CD-4DEB-BA14-2A5912B65A21}"/>
+              </a:ext>
+              <a:ext uri="{C183D7F6-B498-43B3-948B-1728B52AA6E4}">
+                <adec:decorative xmlns:adec="http://schemas.microsoft.com/office/drawing/2017/decorative" val="1"/>
+              </a:ext>
+            </a:extLst>
+          </p:cNvPr>
+          <p:cNvSpPr>
+            <a:spLocks noGrp="1" noRot="1" noChangeAspect="1" noMove="1" noResize="1" noEditPoints="1" noAdjustHandles="1" noChangeArrowheads="1" noChangeShapeType="1" noTextEdit="1"/>
+          </p:cNvSpPr>
+          <p:nvPr>
+            <p:extLst>
+              <p:ext uri="{386F3935-93C4-4BCD-93E2-E3B085C9AB24}">
+                <p16:designElem xmlns:p16="http://schemas.microsoft.com/office/powerpoint/2015/main" val="1"/>
+              </p:ext>
+            </p:extLst>
+          </p:nvPr>
+        </p:nvSpPr>
+        <p:spPr>
+          <a:xfrm>
+            <a:off x="0" y="2895600"/>
+            <a:ext cx="2362200" cy="2362200"/>
+          </a:xfrm>
+          <a:prstGeom prst="ellipse">
+            <a:avLst/>
+          </a:prstGeom>
+          <a:gradFill flip="none" rotWithShape="1">
+            <a:gsLst>
+              <a:gs pos="0">
+                <a:schemeClr val="accent5">
+                  <a:alpha val="8000"/>
+                </a:schemeClr>
+              </a:gs>
+              <a:gs pos="72000">
+                <a:schemeClr val="accent5">
+                  <a:alpha val="0"/>
+                </a:schemeClr>
+              </a:gs>
+              <a:gs pos="36000">
+                <a:schemeClr val="accent5">
+                  <a:alpha val="8000"/>
+                </a:schemeClr>
+              </a:gs>
+            </a:gsLst>
+            <a:path path="circle">
+              <a:fillToRect l="50000" t="50000" r="50000" b="50000"/>
+            </a:path>
+            <a:tileRect/>
+          </a:gradFill>
+          <a:ln>
+            <a:noFill/>
+          </a:ln>
+          <a:effectLst/>
+        </p:spPr>
+        <p:style>
+          <a:lnRef idx="1">
+            <a:schemeClr val="accent1"/>
+          </a:lnRef>
+          <a:fillRef idx="3">
+            <a:schemeClr val="accent1"/>
+          </a:fillRef>
+          <a:effectRef idx="2">
+            <a:schemeClr val="accent1"/>
+          </a:effectRef>
+          <a:fontRef idx="minor">
+            <a:schemeClr val="lt1"/>
+          </a:fontRef>
+        </p:style>
+      </p:sp>
+      <p:sp>
+        <p:nvSpPr>
+          <p:cNvPr id="3" name="Content Placeholder 2">
+            <a:extLst>
+              <a:ext uri="{FF2B5EF4-FFF2-40B4-BE49-F238E27FC236}">
+                <a16:creationId xmlns:a16="http://schemas.microsoft.com/office/drawing/2014/main" id="{BECBD6DB-B94D-490B-B770-1A454AA07DB6}"/>
+              </a:ext>
+            </a:extLst>
+          </p:cNvPr>
+          <p:cNvSpPr>
+            <a:spLocks noGrp="1"/>
+          </p:cNvSpPr>
+          <p:nvPr>
+            <p:ph idx="1"/>
+          </p:nvPr>
+        </p:nvSpPr>
+        <p:spPr>
+          <a:xfrm>
+            <a:off x="639098" y="2418735"/>
+            <a:ext cx="6072776" cy="3811740"/>
+          </a:xfrm>
+        </p:spPr>
+        <p:txBody>
+          <a:bodyPr anchor="ctr">
+            <a:normAutofit/>
+          </a:bodyPr>
+          <a:lstStyle/>
+          <a:p>
+            <a:r>
+              <a:rPr lang="en-US" dirty="0">
+                <a:solidFill>
+                  <a:srgbClr val="FFFFFF"/>
+                </a:solidFill>
+              </a:rPr>
+              <a:t>Used HTML, Flask, </a:t>
+            </a:r>
+            <a:r>
+              <a:rPr lang="en-US" dirty="0" err="1">
+                <a:solidFill>
+                  <a:srgbClr val="FFFFFF"/>
+                </a:solidFill>
+              </a:rPr>
+              <a:t>Javascript</a:t>
+            </a:r>
+            <a:r>
+              <a:rPr lang="en-US" dirty="0">
+                <a:solidFill>
+                  <a:srgbClr val="FFFFFF"/>
+                </a:solidFill>
+              </a:rPr>
+              <a:t>, CSS, D3 and SQLite</a:t>
+            </a:r>
+          </a:p>
+          <a:p>
+            <a:r>
+              <a:rPr lang="en-US" dirty="0">
+                <a:solidFill>
+                  <a:srgbClr val="FFFFFF"/>
+                </a:solidFill>
+              </a:rPr>
+              <a:t>Main Visualization: Zoomable Sunburst diagram</a:t>
+            </a:r>
+          </a:p>
+          <a:p>
+            <a:pPr lvl="1"/>
+            <a:r>
+              <a:rPr lang="en-US" dirty="0">
+                <a:solidFill>
+                  <a:srgbClr val="FFFFFF"/>
+                </a:solidFill>
+              </a:rPr>
+              <a:t>Originated by Mike Bostock</a:t>
+            </a:r>
+          </a:p>
+          <a:p>
+            <a:pPr lvl="1"/>
+            <a:r>
+              <a:rPr lang="en-US" dirty="0">
+                <a:solidFill>
+                  <a:srgbClr val="FFFFFF"/>
+                </a:solidFill>
+              </a:rPr>
+              <a:t>Involves a lot of slicing</a:t>
+            </a:r>
+          </a:p>
+          <a:p>
+            <a:pPr lvl="2"/>
+            <a:r>
+              <a:rPr lang="en-US" dirty="0">
+                <a:solidFill>
+                  <a:srgbClr val="FFFFFF"/>
+                </a:solidFill>
+              </a:rPr>
+              <a:t>A LOT of slicing</a:t>
+            </a:r>
+          </a:p>
+          <a:p>
+            <a:pPr lvl="1"/>
+            <a:r>
+              <a:rPr lang="en-US" dirty="0">
+                <a:solidFill>
+                  <a:srgbClr val="FFFFFF"/>
+                </a:solidFill>
+              </a:rPr>
+              <a:t>The backbone is a hierarchical JSON</a:t>
+            </a:r>
+          </a:p>
+          <a:p>
+            <a:pPr lvl="1"/>
+            <a:endParaRPr lang="en-US" dirty="0">
+              <a:solidFill>
+                <a:srgbClr val="FFFFFF"/>
+              </a:solidFill>
+            </a:endParaRPr>
+          </a:p>
+        </p:txBody>
+      </p:sp>
+    </p:spTree>
+    <p:extLst>
+      <p:ext uri="{BB962C8B-B14F-4D97-AF65-F5344CB8AC3E}">
+        <p14:creationId xmlns:p14="http://schemas.microsoft.com/office/powerpoint/2010/main" val="2233771488"/>
+      </p:ext>
+    </p:extLst>
+  </p:cSld>
+  <p:clrMapOvr>
+    <a:overrideClrMapping bg1="dk1" tx1="lt1" bg2="dk2" tx2="lt2" accent1="accent1" accent2="accent2" accent3="accent3" accent4="accent4" accent5="accent5" accent6="accent6" hlink="hlink" folHlink="folHlink"/>
+  </p:clrMapOvr>
+</p:sld>
+</file>
+
+<file path=ppt/slides/slide9.xml><?xml version="1.0" encoding="utf-8"?>
 <p:sld xmlns:a="http://schemas.openxmlformats.org/drawingml/2006/main" xmlns:r="http://schemas.openxmlformats.org/officeDocument/2006/relationships" xmlns:p="http://schemas.openxmlformats.org/presentationml/2006/main">
   <p:cSld>
     <p:bg>
@@ -19897,999 +22753,7 @@
                   <a:srgbClr val="EBEBEB"/>
                 </a:solidFill>
               </a:rPr>
-              <a:t>Third step: Website development</a:t>
-            </a:r>
-          </a:p>
-        </p:txBody>
-      </p:sp>
-      <p:pic>
-        <p:nvPicPr>
-          <p:cNvPr id="7" name="Picture 6">
-            <a:extLst>
-              <a:ext uri="{FF2B5EF4-FFF2-40B4-BE49-F238E27FC236}">
-                <a16:creationId xmlns:a16="http://schemas.microsoft.com/office/drawing/2014/main" id="{B205948A-D160-4A35-8C49-87779FEABD98}"/>
-              </a:ext>
-            </a:extLst>
-          </p:cNvPr>
-          <p:cNvPicPr>
-            <a:picLocks noChangeAspect="1"/>
-          </p:cNvPicPr>
-          <p:nvPr/>
-        </p:nvPicPr>
-        <p:blipFill>
-          <a:blip r:embed="rId2">
-            <a:extLst>
-              <a:ext uri="{28A0092B-C50C-407E-A947-70E740481C1C}">
-                <a14:useLocalDpi xmlns:a14="http://schemas.microsoft.com/office/drawing/2010/main" val="0"/>
-              </a:ext>
-            </a:extLst>
-          </a:blip>
-          <a:stretch>
-            <a:fillRect/>
-          </a:stretch>
-        </p:blipFill>
-        <p:spPr>
-          <a:xfrm>
-            <a:off x="6714836" y="1826210"/>
-            <a:ext cx="4828707" cy="3223161"/>
-          </a:xfrm>
-          <a:prstGeom prst="rect">
-            <a:avLst/>
-          </a:prstGeom>
-        </p:spPr>
-      </p:pic>
-      <p:sp>
-        <p:nvSpPr>
-          <p:cNvPr id="35" name="Rectangle 34">
-            <a:extLst>
-              <a:ext uri="{FF2B5EF4-FFF2-40B4-BE49-F238E27FC236}">
-                <a16:creationId xmlns:a16="http://schemas.microsoft.com/office/drawing/2014/main" id="{538A90C8-AE0E-4EBA-9AF8-EEDB206020E0}"/>
-              </a:ext>
-              <a:ext uri="{C183D7F6-B498-43B3-948B-1728B52AA6E4}">
-                <adec:decorative xmlns:adec="http://schemas.microsoft.com/office/drawing/2017/decorative" val="1"/>
-              </a:ext>
-            </a:extLst>
-          </p:cNvPr>
-          <p:cNvSpPr>
-            <a:spLocks noGrp="1" noRot="1" noChangeAspect="1" noMove="1" noResize="1" noEditPoints="1" noAdjustHandles="1" noChangeArrowheads="1" noChangeShapeType="1" noTextEdit="1"/>
-          </p:cNvSpPr>
-          <p:nvPr>
-            <p:extLst>
-              <p:ext uri="{386F3935-93C4-4BCD-93E2-E3B085C9AB24}">
-                <p16:designElem xmlns:p16="http://schemas.microsoft.com/office/powerpoint/2015/main" val="1"/>
-              </p:ext>
-            </p:extLst>
-          </p:nvPr>
-        </p:nvSpPr>
-        <p:spPr>
-          <a:xfrm>
-            <a:off x="10437812" y="0"/>
-            <a:ext cx="685800" cy="1143000"/>
-          </a:xfrm>
-          <a:prstGeom prst="rect">
-            <a:avLst/>
-          </a:prstGeom>
-          <a:solidFill>
-            <a:schemeClr val="accent1"/>
-          </a:solidFill>
-          <a:ln>
-            <a:noFill/>
-          </a:ln>
-        </p:spPr>
-        <p:style>
-          <a:lnRef idx="1">
-            <a:schemeClr val="accent1"/>
-          </a:lnRef>
-          <a:fillRef idx="3">
-            <a:schemeClr val="accent1"/>
-          </a:fillRef>
-          <a:effectRef idx="2">
-            <a:schemeClr val="accent1"/>
-          </a:effectRef>
-          <a:fontRef idx="minor">
-            <a:schemeClr val="lt1"/>
-          </a:fontRef>
-        </p:style>
-      </p:sp>
-      <p:sp>
-        <p:nvSpPr>
-          <p:cNvPr id="3" name="Content Placeholder 2">
-            <a:extLst>
-              <a:ext uri="{FF2B5EF4-FFF2-40B4-BE49-F238E27FC236}">
-                <a16:creationId xmlns:a16="http://schemas.microsoft.com/office/drawing/2014/main" id="{BECBD6DB-B94D-490B-B770-1A454AA07DB6}"/>
-              </a:ext>
-            </a:extLst>
-          </p:cNvPr>
-          <p:cNvSpPr>
-            <a:spLocks noGrp="1"/>
-          </p:cNvSpPr>
-          <p:nvPr>
-            <p:ph idx="1"/>
-          </p:nvPr>
-        </p:nvSpPr>
-        <p:spPr>
-          <a:xfrm>
-            <a:off x="639098" y="2418735"/>
-            <a:ext cx="5132439" cy="3811742"/>
-          </a:xfrm>
-        </p:spPr>
-        <p:txBody>
-          <a:bodyPr anchor="ctr">
-            <a:normAutofit/>
-          </a:bodyPr>
-          <a:lstStyle/>
-          <a:p>
-            <a:r>
-              <a:rPr lang="en-US" dirty="0">
-                <a:solidFill>
-                  <a:srgbClr val="FFFFFF"/>
-                </a:solidFill>
-              </a:rPr>
-              <a:t>Putting together the website using files created in second step.</a:t>
-            </a:r>
-          </a:p>
-          <a:p>
-            <a:r>
-              <a:rPr lang="en-US" dirty="0">
-                <a:solidFill>
-                  <a:srgbClr val="FFFFFF"/>
-                </a:solidFill>
-              </a:rPr>
-              <a:t>Used HTML, Flask, </a:t>
-            </a:r>
-            <a:r>
-              <a:rPr lang="en-US" dirty="0" err="1">
-                <a:solidFill>
-                  <a:srgbClr val="FFFFFF"/>
-                </a:solidFill>
-              </a:rPr>
-              <a:t>Javascript</a:t>
-            </a:r>
-            <a:r>
-              <a:rPr lang="en-US" dirty="0">
-                <a:solidFill>
-                  <a:srgbClr val="FFFFFF"/>
-                </a:solidFill>
-              </a:rPr>
-              <a:t>, CSS, D3 and SQLite.</a:t>
-            </a:r>
-          </a:p>
-        </p:txBody>
-      </p:sp>
-    </p:spTree>
-    <p:extLst>
-      <p:ext uri="{BB962C8B-B14F-4D97-AF65-F5344CB8AC3E}">
-        <p14:creationId xmlns:p14="http://schemas.microsoft.com/office/powerpoint/2010/main" val="2233771488"/>
-      </p:ext>
-    </p:extLst>
-  </p:cSld>
-  <p:clrMapOvr>
-    <a:overrideClrMapping bg1="dk1" tx1="lt1" bg2="dk2" tx2="lt2" accent1="accent1" accent2="accent2" accent3="accent3" accent4="accent4" accent5="accent5" accent6="accent6" hlink="hlink" folHlink="folHlink"/>
-  </p:clrMapOvr>
-</p:sld>
-</file>
-
-<file path=ppt/slides/slide8.xml><?xml version="1.0" encoding="utf-8"?>
-<p:sld xmlns:a="http://schemas.openxmlformats.org/drawingml/2006/main" xmlns:r="http://schemas.openxmlformats.org/officeDocument/2006/relationships" xmlns:p="http://schemas.openxmlformats.org/presentationml/2006/main">
-  <p:cSld>
-    <p:bg>
-      <p:bgPr>
-        <a:solidFill>
-          <a:schemeClr val="bg1"/>
-        </a:solidFill>
-        <a:effectLst/>
-      </p:bgPr>
-    </p:bg>
-    <p:spTree>
-      <p:nvGrpSpPr>
-        <p:cNvPr id="1" name=""/>
-        <p:cNvGrpSpPr/>
-        <p:nvPr/>
-      </p:nvGrpSpPr>
-      <p:grpSpPr>
-        <a:xfrm>
-          <a:off x="0" y="0"/>
-          <a:ext cx="0" cy="0"/>
-          <a:chOff x="0" y="0"/>
-          <a:chExt cx="0" cy="0"/>
-        </a:xfrm>
-      </p:grpSpPr>
-      <p:sp>
-        <p:nvSpPr>
-          <p:cNvPr id="27" name="Rectangle 26">
-            <a:extLst>
-              <a:ext uri="{FF2B5EF4-FFF2-40B4-BE49-F238E27FC236}">
-                <a16:creationId xmlns:a16="http://schemas.microsoft.com/office/drawing/2014/main" id="{F70C2B8F-6B1B-46D5-86E6-40F36C695FC2}"/>
-              </a:ext>
-              <a:ext uri="{C183D7F6-B498-43B3-948B-1728B52AA6E4}">
-                <adec:decorative xmlns:adec="http://schemas.microsoft.com/office/drawing/2017/decorative" val="1"/>
-              </a:ext>
-            </a:extLst>
-          </p:cNvPr>
-          <p:cNvSpPr>
-            <a:spLocks noGrp="1" noRot="1" noChangeAspect="1" noMove="1" noResize="1" noEditPoints="1" noAdjustHandles="1" noChangeArrowheads="1" noChangeShapeType="1" noTextEdit="1"/>
-          </p:cNvSpPr>
-          <p:nvPr>
-            <p:extLst>
-              <p:ext uri="{386F3935-93C4-4BCD-93E2-E3B085C9AB24}">
-                <p16:designElem xmlns:p16="http://schemas.microsoft.com/office/powerpoint/2015/main" val="1"/>
-              </p:ext>
-            </p:extLst>
-          </p:nvPr>
-        </p:nvSpPr>
-        <p:spPr>
-          <a:xfrm>
-            <a:off x="0" y="0"/>
-            <a:ext cx="12192000" cy="6858000"/>
-          </a:xfrm>
-          <a:prstGeom prst="rect">
-            <a:avLst/>
-          </a:prstGeom>
-          <a:ln>
-            <a:noFill/>
-          </a:ln>
-        </p:spPr>
-        <p:style>
-          <a:lnRef idx="2">
-            <a:schemeClr val="accent1">
-              <a:shade val="50000"/>
-            </a:schemeClr>
-          </a:lnRef>
-          <a:fillRef idx="1003">
-            <a:schemeClr val="dk2"/>
-          </a:fillRef>
-          <a:effectRef idx="0">
-            <a:schemeClr val="accent1"/>
-          </a:effectRef>
-          <a:fontRef idx="minor">
-            <a:schemeClr val="lt1"/>
-          </a:fontRef>
-        </p:style>
-      </p:sp>
-      <p:sp>
-        <p:nvSpPr>
-          <p:cNvPr id="29" name="Freeform 5">
-            <a:extLst>
-              <a:ext uri="{FF2B5EF4-FFF2-40B4-BE49-F238E27FC236}">
-                <a16:creationId xmlns:a16="http://schemas.microsoft.com/office/drawing/2014/main" id="{DB521824-592C-476A-AB0A-CA0C6D1F3407}"/>
-              </a:ext>
-              <a:ext uri="{C183D7F6-B498-43B3-948B-1728B52AA6E4}">
-                <adec:decorative xmlns:adec="http://schemas.microsoft.com/office/drawing/2017/decorative" val="1"/>
-              </a:ext>
-            </a:extLst>
-          </p:cNvPr>
-          <p:cNvSpPr>
-            <a:spLocks noGrp="1" noRot="1" noChangeAspect="1" noMove="1" noResize="1" noEditPoints="1" noAdjustHandles="1" noChangeArrowheads="1" noChangeShapeType="1" noTextEdit="1"/>
-          </p:cNvSpPr>
-          <p:nvPr>
-            <p:extLst>
-              <p:ext uri="{386F3935-93C4-4BCD-93E2-E3B085C9AB24}">
-                <p16:designElem xmlns:p16="http://schemas.microsoft.com/office/powerpoint/2015/main" val="1"/>
-              </p:ext>
-            </p:extLst>
-          </p:nvPr>
-        </p:nvSpPr>
-        <p:spPr bwMode="gray">
-          <a:xfrm rot="15922489">
-            <a:off x="4698352" y="1826078"/>
-            <a:ext cx="3299407" cy="440924"/>
-          </a:xfrm>
-          <a:custGeom>
-            <a:avLst/>
-            <a:gdLst/>
-            <a:ahLst/>
-            <a:cxnLst/>
-            <a:rect l="l" t="t" r="r" b="b"/>
-            <a:pathLst>
-              <a:path w="10000" h="5291">
-                <a:moveTo>
-                  <a:pt x="85" y="2532"/>
-                </a:moveTo>
-                <a:cubicBezTo>
-                  <a:pt x="1736" y="3911"/>
-                  <a:pt x="7524" y="5298"/>
-                  <a:pt x="9958" y="5291"/>
-                </a:cubicBezTo>
-                <a:cubicBezTo>
-                  <a:pt x="9989" y="1958"/>
-                  <a:pt x="9969" y="3333"/>
-                  <a:pt x="10000" y="0"/>
-                </a:cubicBezTo>
-                <a:lnTo>
-                  <a:pt x="10000" y="0"/>
-                </a:lnTo>
-                <a:lnTo>
-                  <a:pt x="9667" y="204"/>
-                </a:lnTo>
-                <a:lnTo>
-                  <a:pt x="9334" y="400"/>
-                </a:lnTo>
-                <a:lnTo>
-                  <a:pt x="9001" y="590"/>
-                </a:lnTo>
-                <a:lnTo>
-                  <a:pt x="8667" y="753"/>
-                </a:lnTo>
-                <a:lnTo>
-                  <a:pt x="8333" y="917"/>
-                </a:lnTo>
-                <a:lnTo>
-                  <a:pt x="7999" y="1071"/>
-                </a:lnTo>
-                <a:lnTo>
-                  <a:pt x="7669" y="1202"/>
-                </a:lnTo>
-                <a:lnTo>
-                  <a:pt x="7333" y="1325"/>
-                </a:lnTo>
-                <a:lnTo>
-                  <a:pt x="7000" y="1440"/>
-                </a:lnTo>
-                <a:lnTo>
-                  <a:pt x="6673" y="1538"/>
-                </a:lnTo>
-                <a:lnTo>
-                  <a:pt x="6340" y="1636"/>
-                </a:lnTo>
-                <a:lnTo>
-                  <a:pt x="6013" y="1719"/>
-                </a:lnTo>
-                <a:lnTo>
-                  <a:pt x="5686" y="1784"/>
-                </a:lnTo>
-                <a:lnTo>
-                  <a:pt x="5359" y="1850"/>
-                </a:lnTo>
-                <a:lnTo>
-                  <a:pt x="5036" y="1906"/>
-                </a:lnTo>
-                <a:lnTo>
-                  <a:pt x="4717" y="1948"/>
-                </a:lnTo>
-                <a:lnTo>
-                  <a:pt x="4396" y="1980"/>
-                </a:lnTo>
-                <a:lnTo>
-                  <a:pt x="4079" y="2013"/>
-                </a:lnTo>
-                <a:lnTo>
-                  <a:pt x="3766" y="2029"/>
-                </a:lnTo>
-                <a:lnTo>
-                  <a:pt x="3454" y="2046"/>
-                </a:lnTo>
-                <a:lnTo>
-                  <a:pt x="3145" y="2053"/>
-                </a:lnTo>
-                <a:lnTo>
-                  <a:pt x="2839" y="2046"/>
-                </a:lnTo>
-                <a:lnTo>
-                  <a:pt x="2537" y="2046"/>
-                </a:lnTo>
-                <a:lnTo>
-                  <a:pt x="2238" y="2029"/>
-                </a:lnTo>
-                <a:lnTo>
-                  <a:pt x="1943" y="2004"/>
-                </a:lnTo>
-                <a:lnTo>
-                  <a:pt x="1653" y="1980"/>
-                </a:lnTo>
-                <a:lnTo>
-                  <a:pt x="1368" y="1955"/>
-                </a:lnTo>
-                <a:lnTo>
-                  <a:pt x="1085" y="1915"/>
-                </a:lnTo>
-                <a:lnTo>
-                  <a:pt x="806" y="1873"/>
-                </a:lnTo>
-                <a:lnTo>
-                  <a:pt x="533" y="1833"/>
-                </a:lnTo>
-                <a:lnTo>
-                  <a:pt x="0" y="1726"/>
-                </a:lnTo>
-                <a:cubicBezTo>
-                  <a:pt x="28" y="1995"/>
-                  <a:pt x="57" y="2263"/>
-                  <a:pt x="85" y="2532"/>
-                </a:cubicBezTo>
-                <a:close/>
-              </a:path>
-            </a:pathLst>
-          </a:custGeom>
-          <a:solidFill>
-            <a:schemeClr val="tx1">
-              <a:alpha val="20000"/>
-            </a:schemeClr>
-          </a:solidFill>
-          <a:ln>
-            <a:noFill/>
-          </a:ln>
-        </p:spPr>
-      </p:sp>
-      <p:sp>
-        <p:nvSpPr>
-          <p:cNvPr id="31" name="Freeform: Shape 30">
-            <a:extLst>
-              <a:ext uri="{FF2B5EF4-FFF2-40B4-BE49-F238E27FC236}">
-                <a16:creationId xmlns:a16="http://schemas.microsoft.com/office/drawing/2014/main" id="{A2749EFA-8EE4-4EB8-9424-8E593B9320AD}"/>
-              </a:ext>
-              <a:ext uri="{C183D7F6-B498-43B3-948B-1728B52AA6E4}">
-                <adec:decorative xmlns:adec="http://schemas.microsoft.com/office/drawing/2017/decorative" val="1"/>
-              </a:ext>
-            </a:extLst>
-          </p:cNvPr>
-          <p:cNvSpPr>
-            <a:spLocks noGrp="1" noRot="1" noChangeAspect="1" noMove="1" noResize="1" noEditPoints="1" noAdjustHandles="1" noChangeArrowheads="1" noChangeShapeType="1" noTextEdit="1"/>
-          </p:cNvSpPr>
-          <p:nvPr>
-            <p:extLst>
-              <p:ext uri="{386F3935-93C4-4BCD-93E2-E3B085C9AB24}">
-                <p16:designElem xmlns:p16="http://schemas.microsoft.com/office/powerpoint/2015/main" val="1"/>
-              </p:ext>
-            </p:extLst>
-          </p:nvPr>
-        </p:nvSpPr>
-        <p:spPr bwMode="gray">
-          <a:xfrm rot="16200000">
-            <a:off x="5950898" y="638067"/>
-            <a:ext cx="6053670" cy="5581866"/>
-          </a:xfrm>
-          <a:custGeom>
-            <a:avLst/>
-            <a:gdLst>
-              <a:gd name="connsiteX0" fmla="*/ 6053670 w 6053670"/>
-              <a:gd name="connsiteY0" fmla="*/ 1098 h 5581866"/>
-              <a:gd name="connsiteX1" fmla="*/ 6053670 w 6053670"/>
-              <a:gd name="connsiteY1" fmla="*/ 514028 h 5581866"/>
-              <a:gd name="connsiteX2" fmla="*/ 6053670 w 6053670"/>
-              <a:gd name="connsiteY2" fmla="*/ 1254558 h 5581866"/>
-              <a:gd name="connsiteX3" fmla="*/ 6053670 w 6053670"/>
-              <a:gd name="connsiteY3" fmla="*/ 5581866 h 5581866"/>
-              <a:gd name="connsiteX4" fmla="*/ 0 w 6053670"/>
-              <a:gd name="connsiteY4" fmla="*/ 5581866 h 5581866"/>
-              <a:gd name="connsiteX5" fmla="*/ 0 w 6053670"/>
-              <a:gd name="connsiteY5" fmla="*/ 1249853 h 5581866"/>
-              <a:gd name="connsiteX6" fmla="*/ 0 w 6053670"/>
-              <a:gd name="connsiteY6" fmla="*/ 514028 h 5581866"/>
-              <a:gd name="connsiteX7" fmla="*/ 0 w 6053670"/>
-              <a:gd name="connsiteY7" fmla="*/ 0 h 5581866"/>
-              <a:gd name="connsiteX8" fmla="*/ 35717 w 6053670"/>
-              <a:gd name="connsiteY8" fmla="*/ 5488 h 5581866"/>
-              <a:gd name="connsiteX9" fmla="*/ 140445 w 6053670"/>
-              <a:gd name="connsiteY9" fmla="*/ 21641 h 5581866"/>
-              <a:gd name="connsiteX10" fmla="*/ 216722 w 6053670"/>
-              <a:gd name="connsiteY10" fmla="*/ 32932 h 5581866"/>
-              <a:gd name="connsiteX11" fmla="*/ 307527 w 6053670"/>
-              <a:gd name="connsiteY11" fmla="*/ 44850 h 5581866"/>
-              <a:gd name="connsiteX12" fmla="*/ 415282 w 6053670"/>
-              <a:gd name="connsiteY12" fmla="*/ 59121 h 5581866"/>
-              <a:gd name="connsiteX13" fmla="*/ 534539 w 6053670"/>
-              <a:gd name="connsiteY13" fmla="*/ 74175 h 5581866"/>
-              <a:gd name="connsiteX14" fmla="*/ 668931 w 6053670"/>
-              <a:gd name="connsiteY14" fmla="*/ 90014 h 5581866"/>
-              <a:gd name="connsiteX15" fmla="*/ 815430 w 6053670"/>
-              <a:gd name="connsiteY15" fmla="*/ 106794 h 5581866"/>
-              <a:gd name="connsiteX16" fmla="*/ 974641 w 6053670"/>
-              <a:gd name="connsiteY16" fmla="*/ 123574 h 5581866"/>
-              <a:gd name="connsiteX17" fmla="*/ 1144144 w 6053670"/>
-              <a:gd name="connsiteY17" fmla="*/ 140667 h 5581866"/>
-              <a:gd name="connsiteX18" fmla="*/ 1326965 w 6053670"/>
-              <a:gd name="connsiteY18" fmla="*/ 156506 h 5581866"/>
-              <a:gd name="connsiteX19" fmla="*/ 1518261 w 6053670"/>
-              <a:gd name="connsiteY19" fmla="*/ 171717 h 5581866"/>
-              <a:gd name="connsiteX20" fmla="*/ 1720453 w 6053670"/>
-              <a:gd name="connsiteY20" fmla="*/ 185518 h 5581866"/>
-              <a:gd name="connsiteX21" fmla="*/ 1931121 w 6053670"/>
-              <a:gd name="connsiteY21" fmla="*/ 198690 h 5581866"/>
-              <a:gd name="connsiteX22" fmla="*/ 2150869 w 6053670"/>
-              <a:gd name="connsiteY22" fmla="*/ 211079 h 5581866"/>
-              <a:gd name="connsiteX23" fmla="*/ 2263467 w 6053670"/>
-              <a:gd name="connsiteY23" fmla="*/ 215470 h 5581866"/>
-              <a:gd name="connsiteX24" fmla="*/ 2378487 w 6053670"/>
-              <a:gd name="connsiteY24" fmla="*/ 220332 h 5581866"/>
-              <a:gd name="connsiteX25" fmla="*/ 2495323 w 6053670"/>
-              <a:gd name="connsiteY25" fmla="*/ 224879 h 5581866"/>
-              <a:gd name="connsiteX26" fmla="*/ 2612764 w 6053670"/>
-              <a:gd name="connsiteY26" fmla="*/ 227859 h 5581866"/>
-              <a:gd name="connsiteX27" fmla="*/ 2732627 w 6053670"/>
-              <a:gd name="connsiteY27" fmla="*/ 230525 h 5581866"/>
-              <a:gd name="connsiteX28" fmla="*/ 2853700 w 6053670"/>
-              <a:gd name="connsiteY28" fmla="*/ 233348 h 5581866"/>
-              <a:gd name="connsiteX29" fmla="*/ 2977195 w 6053670"/>
-              <a:gd name="connsiteY29" fmla="*/ 235229 h 5581866"/>
-              <a:gd name="connsiteX30" fmla="*/ 3101900 w 6053670"/>
-              <a:gd name="connsiteY30" fmla="*/ 235229 h 5581866"/>
-              <a:gd name="connsiteX31" fmla="*/ 3227817 w 6053670"/>
-              <a:gd name="connsiteY31" fmla="*/ 236170 h 5581866"/>
-              <a:gd name="connsiteX32" fmla="*/ 3354944 w 6053670"/>
-              <a:gd name="connsiteY32" fmla="*/ 235229 h 5581866"/>
-              <a:gd name="connsiteX33" fmla="*/ 3483887 w 6053670"/>
-              <a:gd name="connsiteY33" fmla="*/ 233348 h 5581866"/>
-              <a:gd name="connsiteX34" fmla="*/ 3612830 w 6053670"/>
-              <a:gd name="connsiteY34" fmla="*/ 231623 h 5581866"/>
-              <a:gd name="connsiteX35" fmla="*/ 3743589 w 6053670"/>
-              <a:gd name="connsiteY35" fmla="*/ 227859 h 5581866"/>
-              <a:gd name="connsiteX36" fmla="*/ 3875559 w 6053670"/>
-              <a:gd name="connsiteY36" fmla="*/ 223938 h 5581866"/>
-              <a:gd name="connsiteX37" fmla="*/ 4007529 w 6053670"/>
-              <a:gd name="connsiteY37" fmla="*/ 219391 h 5581866"/>
-              <a:gd name="connsiteX38" fmla="*/ 4140710 w 6053670"/>
-              <a:gd name="connsiteY38" fmla="*/ 212961 h 5581866"/>
-              <a:gd name="connsiteX39" fmla="*/ 4275102 w 6053670"/>
-              <a:gd name="connsiteY39" fmla="*/ 205277 h 5581866"/>
-              <a:gd name="connsiteX40" fmla="*/ 4410098 w 6053670"/>
-              <a:gd name="connsiteY40" fmla="*/ 197907 h 5581866"/>
-              <a:gd name="connsiteX41" fmla="*/ 4545096 w 6053670"/>
-              <a:gd name="connsiteY41" fmla="*/ 188498 h 5581866"/>
-              <a:gd name="connsiteX42" fmla="*/ 4681909 w 6053670"/>
-              <a:gd name="connsiteY42" fmla="*/ 177207 h 5581866"/>
-              <a:gd name="connsiteX43" fmla="*/ 4816905 w 6053670"/>
-              <a:gd name="connsiteY43" fmla="*/ 165916 h 5581866"/>
-              <a:gd name="connsiteX44" fmla="*/ 4954323 w 6053670"/>
-              <a:gd name="connsiteY44" fmla="*/ 152899 h 5581866"/>
-              <a:gd name="connsiteX45" fmla="*/ 5092347 w 6053670"/>
-              <a:gd name="connsiteY45" fmla="*/ 138629 h 5581866"/>
-              <a:gd name="connsiteX46" fmla="*/ 5228555 w 6053670"/>
-              <a:gd name="connsiteY46" fmla="*/ 123574 h 5581866"/>
-              <a:gd name="connsiteX47" fmla="*/ 5366578 w 6053670"/>
-              <a:gd name="connsiteY47" fmla="*/ 106010 h 5581866"/>
-              <a:gd name="connsiteX48" fmla="*/ 5503997 w 6053670"/>
-              <a:gd name="connsiteY48" fmla="*/ 87192 h 5581866"/>
-              <a:gd name="connsiteX49" fmla="*/ 5642020 w 6053670"/>
-              <a:gd name="connsiteY49" fmla="*/ 68530 h 5581866"/>
-              <a:gd name="connsiteX50" fmla="*/ 5779438 w 6053670"/>
-              <a:gd name="connsiteY50" fmla="*/ 46733 h 5581866"/>
-              <a:gd name="connsiteX51" fmla="*/ 5916251 w 6053670"/>
-              <a:gd name="connsiteY51" fmla="*/ 24464 h 5581866"/>
-            </a:gdLst>
-            <a:ahLst/>
-            <a:cxnLst>
-              <a:cxn ang="0">
-                <a:pos x="connsiteX0" y="connsiteY0"/>
-              </a:cxn>
-              <a:cxn ang="0">
-                <a:pos x="connsiteX1" y="connsiteY1"/>
-              </a:cxn>
-              <a:cxn ang="0">
-                <a:pos x="connsiteX2" y="connsiteY2"/>
-              </a:cxn>
-              <a:cxn ang="0">
-                <a:pos x="connsiteX3" y="connsiteY3"/>
-              </a:cxn>
-              <a:cxn ang="0">
-                <a:pos x="connsiteX4" y="connsiteY4"/>
-              </a:cxn>
-              <a:cxn ang="0">
-                <a:pos x="connsiteX5" y="connsiteY5"/>
-              </a:cxn>
-              <a:cxn ang="0">
-                <a:pos x="connsiteX6" y="connsiteY6"/>
-              </a:cxn>
-              <a:cxn ang="0">
-                <a:pos x="connsiteX7" y="connsiteY7"/>
-              </a:cxn>
-              <a:cxn ang="0">
-                <a:pos x="connsiteX8" y="connsiteY8"/>
-              </a:cxn>
-              <a:cxn ang="0">
-                <a:pos x="connsiteX9" y="connsiteY9"/>
-              </a:cxn>
-              <a:cxn ang="0">
-                <a:pos x="connsiteX10" y="connsiteY10"/>
-              </a:cxn>
-              <a:cxn ang="0">
-                <a:pos x="connsiteX11" y="connsiteY11"/>
-              </a:cxn>
-              <a:cxn ang="0">
-                <a:pos x="connsiteX12" y="connsiteY12"/>
-              </a:cxn>
-              <a:cxn ang="0">
-                <a:pos x="connsiteX13" y="connsiteY13"/>
-              </a:cxn>
-              <a:cxn ang="0">
-                <a:pos x="connsiteX14" y="connsiteY14"/>
-              </a:cxn>
-              <a:cxn ang="0">
-                <a:pos x="connsiteX15" y="connsiteY15"/>
-              </a:cxn>
-              <a:cxn ang="0">
-                <a:pos x="connsiteX16" y="connsiteY16"/>
-              </a:cxn>
-              <a:cxn ang="0">
-                <a:pos x="connsiteX17" y="connsiteY17"/>
-              </a:cxn>
-              <a:cxn ang="0">
-                <a:pos x="connsiteX18" y="connsiteY18"/>
-              </a:cxn>
-              <a:cxn ang="0">
-                <a:pos x="connsiteX19" y="connsiteY19"/>
-              </a:cxn>
-              <a:cxn ang="0">
-                <a:pos x="connsiteX20" y="connsiteY20"/>
-              </a:cxn>
-              <a:cxn ang="0">
-                <a:pos x="connsiteX21" y="connsiteY21"/>
-              </a:cxn>
-              <a:cxn ang="0">
-                <a:pos x="connsiteX22" y="connsiteY22"/>
-              </a:cxn>
-              <a:cxn ang="0">
-                <a:pos x="connsiteX23" y="connsiteY23"/>
-              </a:cxn>
-              <a:cxn ang="0">
-                <a:pos x="connsiteX24" y="connsiteY24"/>
-              </a:cxn>
-              <a:cxn ang="0">
-                <a:pos x="connsiteX25" y="connsiteY25"/>
-              </a:cxn>
-              <a:cxn ang="0">
-                <a:pos x="connsiteX26" y="connsiteY26"/>
-              </a:cxn>
-              <a:cxn ang="0">
-                <a:pos x="connsiteX27" y="connsiteY27"/>
-              </a:cxn>
-              <a:cxn ang="0">
-                <a:pos x="connsiteX28" y="connsiteY28"/>
-              </a:cxn>
-              <a:cxn ang="0">
-                <a:pos x="connsiteX29" y="connsiteY29"/>
-              </a:cxn>
-              <a:cxn ang="0">
-                <a:pos x="connsiteX30" y="connsiteY30"/>
-              </a:cxn>
-              <a:cxn ang="0">
-                <a:pos x="connsiteX31" y="connsiteY31"/>
-              </a:cxn>
-              <a:cxn ang="0">
-                <a:pos x="connsiteX32" y="connsiteY32"/>
-              </a:cxn>
-              <a:cxn ang="0">
-                <a:pos x="connsiteX33" y="connsiteY33"/>
-              </a:cxn>
-              <a:cxn ang="0">
-                <a:pos x="connsiteX34" y="connsiteY34"/>
-              </a:cxn>
-              <a:cxn ang="0">
-                <a:pos x="connsiteX35" y="connsiteY35"/>
-              </a:cxn>
-              <a:cxn ang="0">
-                <a:pos x="connsiteX36" y="connsiteY36"/>
-              </a:cxn>
-              <a:cxn ang="0">
-                <a:pos x="connsiteX37" y="connsiteY37"/>
-              </a:cxn>
-              <a:cxn ang="0">
-                <a:pos x="connsiteX38" y="connsiteY38"/>
-              </a:cxn>
-              <a:cxn ang="0">
-                <a:pos x="connsiteX39" y="connsiteY39"/>
-              </a:cxn>
-              <a:cxn ang="0">
-                <a:pos x="connsiteX40" y="connsiteY40"/>
-              </a:cxn>
-              <a:cxn ang="0">
-                <a:pos x="connsiteX41" y="connsiteY41"/>
-              </a:cxn>
-              <a:cxn ang="0">
-                <a:pos x="connsiteX42" y="connsiteY42"/>
-              </a:cxn>
-              <a:cxn ang="0">
-                <a:pos x="connsiteX43" y="connsiteY43"/>
-              </a:cxn>
-              <a:cxn ang="0">
-                <a:pos x="connsiteX44" y="connsiteY44"/>
-              </a:cxn>
-              <a:cxn ang="0">
-                <a:pos x="connsiteX45" y="connsiteY45"/>
-              </a:cxn>
-              <a:cxn ang="0">
-                <a:pos x="connsiteX46" y="connsiteY46"/>
-              </a:cxn>
-              <a:cxn ang="0">
-                <a:pos x="connsiteX47" y="connsiteY47"/>
-              </a:cxn>
-              <a:cxn ang="0">
-                <a:pos x="connsiteX48" y="connsiteY48"/>
-              </a:cxn>
-              <a:cxn ang="0">
-                <a:pos x="connsiteX49" y="connsiteY49"/>
-              </a:cxn>
-              <a:cxn ang="0">
-                <a:pos x="connsiteX50" y="connsiteY50"/>
-              </a:cxn>
-              <a:cxn ang="0">
-                <a:pos x="connsiteX51" y="connsiteY51"/>
-              </a:cxn>
-            </a:cxnLst>
-            <a:rect l="l" t="t" r="r" b="b"/>
-            <a:pathLst>
-              <a:path w="6053670" h="5581866">
-                <a:moveTo>
-                  <a:pt x="6053670" y="1098"/>
-                </a:moveTo>
-                <a:lnTo>
-                  <a:pt x="6053670" y="514028"/>
-                </a:lnTo>
-                <a:lnTo>
-                  <a:pt x="6053670" y="1254558"/>
-                </a:lnTo>
-                <a:lnTo>
-                  <a:pt x="6053670" y="5581866"/>
-                </a:lnTo>
-                <a:lnTo>
-                  <a:pt x="0" y="5581866"/>
-                </a:lnTo>
-                <a:lnTo>
-                  <a:pt x="0" y="1249853"/>
-                </a:lnTo>
-                <a:lnTo>
-                  <a:pt x="0" y="514028"/>
-                </a:lnTo>
-                <a:lnTo>
-                  <a:pt x="0" y="0"/>
-                </a:lnTo>
-                <a:lnTo>
-                  <a:pt x="35717" y="5488"/>
-                </a:lnTo>
-                <a:lnTo>
-                  <a:pt x="140445" y="21641"/>
-                </a:lnTo>
-                <a:lnTo>
-                  <a:pt x="216722" y="32932"/>
-                </a:lnTo>
-                <a:lnTo>
-                  <a:pt x="307527" y="44850"/>
-                </a:lnTo>
-                <a:lnTo>
-                  <a:pt x="415282" y="59121"/>
-                </a:lnTo>
-                <a:lnTo>
-                  <a:pt x="534539" y="74175"/>
-                </a:lnTo>
-                <a:lnTo>
-                  <a:pt x="668931" y="90014"/>
-                </a:lnTo>
-                <a:lnTo>
-                  <a:pt x="815430" y="106794"/>
-                </a:lnTo>
-                <a:lnTo>
-                  <a:pt x="974641" y="123574"/>
-                </a:lnTo>
-                <a:lnTo>
-                  <a:pt x="1144144" y="140667"/>
-                </a:lnTo>
-                <a:lnTo>
-                  <a:pt x="1326965" y="156506"/>
-                </a:lnTo>
-                <a:lnTo>
-                  <a:pt x="1518261" y="171717"/>
-                </a:lnTo>
-                <a:lnTo>
-                  <a:pt x="1720453" y="185518"/>
-                </a:lnTo>
-                <a:lnTo>
-                  <a:pt x="1931121" y="198690"/>
-                </a:lnTo>
-                <a:lnTo>
-                  <a:pt x="2150869" y="211079"/>
-                </a:lnTo>
-                <a:lnTo>
-                  <a:pt x="2263467" y="215470"/>
-                </a:lnTo>
-                <a:lnTo>
-                  <a:pt x="2378487" y="220332"/>
-                </a:lnTo>
-                <a:lnTo>
-                  <a:pt x="2495323" y="224879"/>
-                </a:lnTo>
-                <a:lnTo>
-                  <a:pt x="2612764" y="227859"/>
-                </a:lnTo>
-                <a:lnTo>
-                  <a:pt x="2732627" y="230525"/>
-                </a:lnTo>
-                <a:lnTo>
-                  <a:pt x="2853700" y="233348"/>
-                </a:lnTo>
-                <a:lnTo>
-                  <a:pt x="2977195" y="235229"/>
-                </a:lnTo>
-                <a:lnTo>
-                  <a:pt x="3101900" y="235229"/>
-                </a:lnTo>
-                <a:lnTo>
-                  <a:pt x="3227817" y="236170"/>
-                </a:lnTo>
-                <a:lnTo>
-                  <a:pt x="3354944" y="235229"/>
-                </a:lnTo>
-                <a:lnTo>
-                  <a:pt x="3483887" y="233348"/>
-                </a:lnTo>
-                <a:lnTo>
-                  <a:pt x="3612830" y="231623"/>
-                </a:lnTo>
-                <a:lnTo>
-                  <a:pt x="3743589" y="227859"/>
-                </a:lnTo>
-                <a:lnTo>
-                  <a:pt x="3875559" y="223938"/>
-                </a:lnTo>
-                <a:lnTo>
-                  <a:pt x="4007529" y="219391"/>
-                </a:lnTo>
-                <a:lnTo>
-                  <a:pt x="4140710" y="212961"/>
-                </a:lnTo>
-                <a:lnTo>
-                  <a:pt x="4275102" y="205277"/>
-                </a:lnTo>
-                <a:lnTo>
-                  <a:pt x="4410098" y="197907"/>
-                </a:lnTo>
-                <a:lnTo>
-                  <a:pt x="4545096" y="188498"/>
-                </a:lnTo>
-                <a:lnTo>
-                  <a:pt x="4681909" y="177207"/>
-                </a:lnTo>
-                <a:lnTo>
-                  <a:pt x="4816905" y="165916"/>
-                </a:lnTo>
-                <a:lnTo>
-                  <a:pt x="4954323" y="152899"/>
-                </a:lnTo>
-                <a:lnTo>
-                  <a:pt x="5092347" y="138629"/>
-                </a:lnTo>
-                <a:lnTo>
-                  <a:pt x="5228555" y="123574"/>
-                </a:lnTo>
-                <a:lnTo>
-                  <a:pt x="5366578" y="106010"/>
-                </a:lnTo>
-                <a:lnTo>
-                  <a:pt x="5503997" y="87192"/>
-                </a:lnTo>
-                <a:lnTo>
-                  <a:pt x="5642020" y="68530"/>
-                </a:lnTo>
-                <a:lnTo>
-                  <a:pt x="5779438" y="46733"/>
-                </a:lnTo>
-                <a:lnTo>
-                  <a:pt x="5916251" y="24464"/>
-                </a:lnTo>
-                <a:close/>
-              </a:path>
-            </a:pathLst>
-          </a:custGeom>
-          <a:solidFill>
-            <a:schemeClr val="tx1"/>
-          </a:solidFill>
-          <a:ln>
-            <a:noFill/>
-          </a:ln>
-        </p:spPr>
-      </p:sp>
-      <p:sp>
-        <p:nvSpPr>
-          <p:cNvPr id="33" name="Freeform 5">
-            <a:extLst>
-              <a:ext uri="{FF2B5EF4-FFF2-40B4-BE49-F238E27FC236}">
-                <a16:creationId xmlns:a16="http://schemas.microsoft.com/office/drawing/2014/main" id="{B5C860C9-D4F9-4350-80DA-0D1CD36C7741}"/>
-              </a:ext>
-              <a:ext uri="{C183D7F6-B498-43B3-948B-1728B52AA6E4}">
-                <adec:decorative xmlns:adec="http://schemas.microsoft.com/office/drawing/2017/decorative" val="1"/>
-              </a:ext>
-            </a:extLst>
-          </p:cNvPr>
-          <p:cNvSpPr>
-            <a:spLocks noGrp="1" noRot="1" noChangeAspect="1" noMove="1" noResize="1" noEditPoints="1" noAdjustHandles="1" noChangeArrowheads="1" noChangeShapeType="1" noTextEdit="1"/>
-          </p:cNvSpPr>
-          <p:nvPr>
-            <p:extLst>
-              <p:ext uri="{386F3935-93C4-4BCD-93E2-E3B085C9AB24}">
-                <p16:designElem xmlns:p16="http://schemas.microsoft.com/office/powerpoint/2015/main" val="1"/>
-              </p:ext>
-            </p:extLst>
-          </p:nvPr>
-        </p:nvSpPr>
-        <p:spPr bwMode="gray">
-          <a:xfrm>
-            <a:off x="0" y="1587"/>
-            <a:ext cx="12192000" cy="6856413"/>
-          </a:xfrm>
-          <a:custGeom>
-            <a:avLst/>
-            <a:gdLst/>
-            <a:ahLst/>
-            <a:cxnLst/>
-            <a:rect l="0" t="0" r="r" b="b"/>
-            <a:pathLst>
-              <a:path w="15356" h="8638">
-                <a:moveTo>
-                  <a:pt x="0" y="0"/>
-                </a:moveTo>
-                <a:lnTo>
-                  <a:pt x="0" y="8638"/>
-                </a:lnTo>
-                <a:lnTo>
-                  <a:pt x="15356" y="8638"/>
-                </a:lnTo>
-                <a:lnTo>
-                  <a:pt x="15356" y="0"/>
-                </a:lnTo>
-                <a:lnTo>
-                  <a:pt x="0" y="0"/>
-                </a:lnTo>
-                <a:close/>
-                <a:moveTo>
-                  <a:pt x="14748" y="8038"/>
-                </a:moveTo>
-                <a:lnTo>
-                  <a:pt x="600" y="8038"/>
-                </a:lnTo>
-                <a:lnTo>
-                  <a:pt x="600" y="592"/>
-                </a:lnTo>
-                <a:lnTo>
-                  <a:pt x="14748" y="592"/>
-                </a:lnTo>
-                <a:lnTo>
-                  <a:pt x="14748" y="8038"/>
-                </a:lnTo>
-                <a:close/>
-              </a:path>
-            </a:pathLst>
-          </a:custGeom>
-          <a:solidFill>
-            <a:schemeClr val="tx1"/>
-          </a:solidFill>
-          <a:ln>
-            <a:noFill/>
-          </a:ln>
-        </p:spPr>
-      </p:sp>
-      <p:sp>
-        <p:nvSpPr>
-          <p:cNvPr id="2" name="Title 1">
-            <a:extLst>
-              <a:ext uri="{FF2B5EF4-FFF2-40B4-BE49-F238E27FC236}">
-                <a16:creationId xmlns:a16="http://schemas.microsoft.com/office/drawing/2014/main" id="{CB012FBC-D401-4A92-BEF6-9A6BCD99B742}"/>
-              </a:ext>
-            </a:extLst>
-          </p:cNvPr>
-          <p:cNvSpPr>
-            <a:spLocks noGrp="1"/>
-          </p:cNvSpPr>
-          <p:nvPr>
-            <p:ph type="title"/>
-          </p:nvPr>
-        </p:nvSpPr>
-        <p:spPr>
-          <a:xfrm>
-            <a:off x="639098" y="629265"/>
-            <a:ext cx="5132438" cy="1622322"/>
-          </a:xfrm>
-        </p:spPr>
-        <p:txBody>
-          <a:bodyPr>
-            <a:normAutofit/>
-          </a:bodyPr>
-          <a:lstStyle/>
-          <a:p>
-            <a:r>
-              <a:rPr lang="en-US" dirty="0">
-                <a:solidFill>
-                  <a:srgbClr val="EBEBEB"/>
-                </a:solidFill>
-              </a:rPr>
-              <a:t>Fourth step: Hosting our website</a:t>
+              <a:t>Fourth step: Website Development</a:t>
             </a:r>
           </a:p>
         </p:txBody>
@@ -21011,24 +22875,11 @@
           </a:bodyPr>
           <a:lstStyle/>
           <a:p>
-            <a:r>
-              <a:rPr lang="en-US" dirty="0">
-                <a:solidFill>
-                  <a:srgbClr val="FFFFFF"/>
-                </a:solidFill>
-              </a:rPr>
-              <a:t>Uploaded all files to GitHub with proper formatting needed for Heroku.</a:t>
-            </a:r>
-          </a:p>
-          <a:p>
-            <a:r>
-              <a:rPr lang="en-US" dirty="0">
-                <a:solidFill>
-                  <a:srgbClr val="FFFFFF"/>
-                </a:solidFill>
-              </a:rPr>
-              <a:t>Uploaded and linked to Heroku.</a:t>
-            </a:r>
+            <a:endParaRPr lang="en-US" dirty="0">
+              <a:solidFill>
+                <a:srgbClr val="FFFFFF"/>
+              </a:solidFill>
+            </a:endParaRPr>
           </a:p>
         </p:txBody>
       </p:sp>
